--- a/documents/storyBoard/sample.pptx
+++ b/documents/storyBoard/sample.pptx
@@ -6,13 +6,17 @@
     <p:sldMasterId id="2147483678" r:id="rId2"/>
   </p:sldMasterIdLst>
   <p:notesMasterIdLst>
-    <p:notesMasterId r:id="rId4"/>
+    <p:notesMasterId r:id="rId8"/>
   </p:notesMasterIdLst>
   <p:handoutMasterIdLst>
-    <p:handoutMasterId r:id="rId5"/>
+    <p:handoutMasterId r:id="rId9"/>
   </p:handoutMasterIdLst>
   <p:sldIdLst>
     <p:sldId id="267" r:id="rId3"/>
+    <p:sldId id="271" r:id="rId4"/>
+    <p:sldId id="272" r:id="rId5"/>
+    <p:sldId id="268" r:id="rId6"/>
+    <p:sldId id="273" r:id="rId7"/>
   </p:sldIdLst>
   <p:sldSz cx="9144000" cy="5143500" type="screen16x9"/>
   <p:notesSz cx="6858000" cy="9144000"/>
@@ -126,6 +130,9 @@
         </p15:guide>
       </p15:sldGuideLst>
     </p:ext>
+    <p:ext uri="{2D200454-40CA-4A62-9FC3-DE9A4176ACB9}">
+      <p15:notesGuideLst xmlns:p15="http://schemas.microsoft.com/office/powerpoint/2012/main"/>
+    </p:ext>
   </p:extLst>
 </p:presentation>
 </file>
@@ -224,7 +231,7 @@
           <a:p>
             <a:fld id="{44277BA9-A886-634A-AF93-860288846D9B}" type="datetimeFigureOut">
               <a:rPr kumimoji="1" lang="ko-KR" altLang="en-US" smtClean="0"/>
-              <a:t>2025. 6. 18.</a:t>
+              <a:t>2025-06-18</a:t>
             </a:fld>
             <a:endParaRPr kumimoji="1" lang="ko-KR" altLang="en-US"/>
           </a:p>
@@ -402,7 +409,7 @@
             <a:fld id="{368C27B5-1C5B-4F09-A7C0-020D61B79805}" type="datetimeFigureOut">
               <a:rPr lang="ko-KR" altLang="en-US" smtClean="0"/>
               <a:pPr/>
-              <a:t>2025. 6. 18.</a:t>
+              <a:t>2025-06-18</a:t>
             </a:fld>
             <a:endParaRPr lang="ko-KR" altLang="en-US"/>
           </a:p>
@@ -5245,7 +5252,7 @@
           <a:p>
             <a:fld id="{C764DE79-268F-4C1A-8933-263129D2AF90}" type="datetimeFigureOut">
               <a:rPr lang="en-US" smtClean="0"/>
-              <a:t>6/18/25</a:t>
+              <a:t>6/18/2025</a:t>
             </a:fld>
             <a:endParaRPr lang="en-US" dirty="0"/>
           </a:p>
@@ -8976,29 +8983,234 @@
       </p:grpSpPr>
       <p:sp>
         <p:nvSpPr>
-          <p:cNvPr id="34" name="직사각형 33"/>
+          <p:cNvPr id="47" name="직사각형 46"/>
           <p:cNvSpPr/>
           <p:nvPr/>
         </p:nvSpPr>
         <p:spPr>
           <a:xfrm>
-            <a:off x="99752" y="319935"/>
-            <a:ext cx="6708373" cy="4628079"/>
+            <a:off x="2085786" y="938901"/>
+            <a:ext cx="2736304" cy="2424937"/>
           </a:xfrm>
           <a:prstGeom prst="rect">
             <a:avLst/>
           </a:prstGeom>
-          <a:solidFill>
-            <a:schemeClr val="bg1">
-              <a:alpha val="70000"/>
-            </a:schemeClr>
-          </a:solidFill>
-          <a:ln w="9525">
+          <a:noFill/>
+          <a:ln w="25400">
             <a:solidFill>
-              <a:schemeClr val="bg1">
-                <a:lumMod val="65000"/>
-              </a:schemeClr>
+              <a:schemeClr val="tx1"/>
             </a:solidFill>
+          </a:ln>
+          <a:effectLst>
+            <a:softEdge rad="12700"/>
+          </a:effectLst>
+        </p:spPr>
+        <p:style>
+          <a:lnRef idx="2">
+            <a:schemeClr val="dk1"/>
+          </a:lnRef>
+          <a:fillRef idx="1">
+            <a:schemeClr val="lt1"/>
+          </a:fillRef>
+          <a:effectRef idx="0">
+            <a:schemeClr val="dk1"/>
+          </a:effectRef>
+          <a:fontRef idx="minor">
+            <a:schemeClr val="dk1"/>
+          </a:fontRef>
+        </p:style>
+        <p:txBody>
+          <a:bodyPr rtlCol="0" anchor="ctr"/>
+          <a:lstStyle/>
+          <a:p>
+            <a:pPr algn="ctr"/>
+            <a:endParaRPr lang="ko-KR" altLang="en-US" dirty="0">
+              <a:ln w="0"/>
+              <a:solidFill>
+                <a:schemeClr val="tx1"/>
+              </a:solidFill>
+              <a:effectLst>
+                <a:outerShdw blurRad="38100" dist="19050" dir="2700000" algn="tl" rotWithShape="0">
+                  <a:schemeClr val="dk1">
+                    <a:alpha val="40000"/>
+                  </a:schemeClr>
+                </a:outerShdw>
+              </a:effectLst>
+              <a:latin typeface="+mn-ea"/>
+              <a:ea typeface="+mn-ea"/>
+            </a:endParaRPr>
+          </a:p>
+        </p:txBody>
+      </p:sp>
+      <p:sp>
+        <p:nvSpPr>
+          <p:cNvPr id="32" name="텍스트 개체 틀 31"/>
+          <p:cNvSpPr>
+            <a:spLocks noGrp="1"/>
+          </p:cNvSpPr>
+          <p:nvPr>
+            <p:ph type="body" sz="quarter" idx="10"/>
+          </p:nvPr>
+        </p:nvSpPr>
+        <p:spPr/>
+        <p:txBody>
+          <a:bodyPr/>
+          <a:lstStyle/>
+          <a:p>
+            <a:r>
+              <a:rPr lang="ko-KR" altLang="en-US" sz="700" dirty="0"/>
+              <a:t>홈 화면에서 모임생성 클릭 시 </a:t>
+            </a:r>
+            <a:br>
+              <a:rPr lang="en-US" altLang="ko-KR" sz="700" dirty="0"/>
+            </a:br>
+            <a:r>
+              <a:rPr lang="ko-KR" altLang="en-US" sz="700" dirty="0"/>
+              <a:t>팝업으로 보일 화면</a:t>
+            </a:r>
+            <a:r>
+              <a:rPr lang="en-US" altLang="ko-KR" sz="700" dirty="0"/>
+              <a:t>.(</a:t>
+            </a:r>
+            <a:r>
+              <a:rPr lang="ko-KR" altLang="en-US" sz="700" dirty="0"/>
+              <a:t>모임 유형 선택창</a:t>
+            </a:r>
+            <a:r>
+              <a:rPr lang="en-US" altLang="ko-KR" sz="700" dirty="0"/>
+              <a:t>)</a:t>
+            </a:r>
+          </a:p>
+          <a:p>
+            <a:endParaRPr lang="en-US" altLang="ko-KR" sz="700" dirty="0"/>
+          </a:p>
+          <a:p>
+            <a:r>
+              <a:rPr lang="ko-KR" altLang="en-US" sz="700" dirty="0"/>
+              <a:t>생성할 모임 유형 제목</a:t>
+            </a:r>
+            <a:r>
+              <a:rPr lang="en-US" altLang="ko-KR" sz="700" dirty="0"/>
+              <a:t>, </a:t>
+            </a:r>
+            <a:br>
+              <a:rPr lang="en-US" altLang="ko-KR" sz="700" dirty="0"/>
+            </a:br>
+            <a:r>
+              <a:rPr lang="ko-KR" altLang="en-US" sz="700" dirty="0"/>
+              <a:t>만들 모임이 온라인인지</a:t>
+            </a:r>
+            <a:r>
+              <a:rPr lang="en-US" altLang="ko-KR" sz="700" dirty="0"/>
+              <a:t>/</a:t>
+            </a:r>
+            <a:r>
+              <a:rPr lang="ko-KR" altLang="en-US" sz="700" dirty="0"/>
+              <a:t>오프라인인지</a:t>
+            </a:r>
+            <a:br>
+              <a:rPr lang="en-US" altLang="ko-KR" sz="700" dirty="0"/>
+            </a:br>
+            <a:r>
+              <a:rPr lang="ko-KR" altLang="en-US" sz="700" dirty="0"/>
+              <a:t>선택할 수 있는 칸 </a:t>
+            </a:r>
+            <a:br>
+              <a:rPr lang="en-US" altLang="ko-KR" sz="700" dirty="0"/>
+            </a:br>
+            <a:r>
+              <a:rPr lang="ko-KR" altLang="en-US" sz="700" dirty="0"/>
+              <a:t>클릭되면 </a:t>
+            </a:r>
+            <a:r>
+              <a:rPr lang="ko-KR" altLang="en-US" sz="700" dirty="0" err="1"/>
+              <a:t>블록되게</a:t>
+            </a:r>
+            <a:r>
+              <a:rPr lang="en-US" altLang="ko-KR" sz="700" dirty="0"/>
+              <a:t>, </a:t>
+            </a:r>
+            <a:br>
+              <a:rPr lang="en-US" altLang="ko-KR" sz="700" dirty="0"/>
+            </a:br>
+            <a:r>
+              <a:rPr lang="en-US" altLang="ko-KR" sz="700" dirty="0"/>
+              <a:t>cursor pointer </a:t>
+            </a:r>
+            <a:br>
+              <a:rPr lang="en-US" altLang="ko-KR" sz="700" dirty="0"/>
+            </a:br>
+            <a:endParaRPr lang="en-US" altLang="ko-KR" sz="700" dirty="0"/>
+          </a:p>
+          <a:p>
+            <a:r>
+              <a:rPr lang="en-US" altLang="ko-KR" sz="700" dirty="0"/>
+              <a:t>Button</a:t>
+            </a:r>
+            <a:r>
+              <a:rPr lang="ko-KR" altLang="en-US" sz="700" dirty="0"/>
+              <a:t> </a:t>
+            </a:r>
+            <a:br>
+              <a:rPr lang="en-US" altLang="ko-KR" sz="700" dirty="0"/>
+            </a:br>
+            <a:r>
+              <a:rPr lang="ko-KR" altLang="en-US" sz="700" dirty="0"/>
+              <a:t>취소 </a:t>
+            </a:r>
+            <a:r>
+              <a:rPr lang="ko-KR" altLang="en-US" sz="700" dirty="0" err="1"/>
+              <a:t>선택시</a:t>
+            </a:r>
+            <a:r>
+              <a:rPr lang="ko-KR" altLang="en-US" sz="700" dirty="0"/>
+              <a:t> 창 닫고 돌아가기</a:t>
+            </a:r>
+            <a:br>
+              <a:rPr lang="en-US" altLang="ko-KR" sz="700" dirty="0"/>
+            </a:br>
+            <a:r>
+              <a:rPr lang="ko-KR" altLang="en-US" sz="700" dirty="0"/>
+              <a:t>다음 </a:t>
+            </a:r>
+            <a:r>
+              <a:rPr lang="ko-KR" altLang="en-US" sz="700" dirty="0" err="1"/>
+              <a:t>선택시</a:t>
+            </a:r>
+            <a:r>
+              <a:rPr lang="ko-KR" altLang="en-US" sz="700" dirty="0"/>
+              <a:t> </a:t>
+            </a:r>
+            <a:r>
+              <a:rPr lang="en-US" altLang="ko-KR" sz="700" dirty="0"/>
+              <a:t> </a:t>
+            </a:r>
+            <a:r>
+              <a:rPr lang="ko-KR" altLang="en-US" sz="700" dirty="0"/>
+              <a:t>선택된 유형으로 모임 생성 시작</a:t>
+            </a:r>
+          </a:p>
+        </p:txBody>
+      </p:sp>
+      <p:sp>
+        <p:nvSpPr>
+          <p:cNvPr id="111" name="모서리가 둥근 직사각형 110"/>
+          <p:cNvSpPr/>
+          <p:nvPr/>
+        </p:nvSpPr>
+        <p:spPr>
+          <a:xfrm>
+            <a:off x="299794" y="4159689"/>
+            <a:ext cx="709387" cy="229725"/>
+          </a:xfrm>
+          <a:prstGeom prst="roundRect">
+            <a:avLst>
+              <a:gd name="adj" fmla="val 9813"/>
+            </a:avLst>
+          </a:prstGeom>
+          <a:noFill/>
+          <a:ln w="6350">
+            <a:noFill/>
           </a:ln>
         </p:spPr>
         <p:style>
@@ -9021,34 +9233,41 @@
           <a:bodyPr rtlCol="0" anchor="ctr"/>
           <a:lstStyle/>
           <a:p>
-            <a:pPr algn="ctr"/>
-            <a:endParaRPr lang="ko-KR" altLang="en-US" dirty="0">
+            <a:r>
+              <a:rPr lang="ko-KR" altLang="en-US" sz="900" b="1" dirty="0">
+                <a:solidFill>
+                  <a:schemeClr val="bg1"/>
+                </a:solidFill>
+                <a:latin typeface="+mn-ea"/>
+              </a:rPr>
+              <a:t>공지</a:t>
+            </a:r>
+            <a:endParaRPr lang="en-US" altLang="ko-KR" sz="900" b="1" dirty="0">
               <a:solidFill>
-                <a:prstClr val="white"/>
+                <a:schemeClr val="bg1"/>
               </a:solidFill>
               <a:latin typeface="+mn-ea"/>
-              <a:ea typeface="+mn-ea"/>
             </a:endParaRPr>
           </a:p>
         </p:txBody>
       </p:sp>
       <p:sp>
         <p:nvSpPr>
-          <p:cNvPr id="112" name="직사각형 111"/>
+          <p:cNvPr id="124" name="모서리가 둥근 직사각형 123"/>
           <p:cNvSpPr/>
           <p:nvPr/>
         </p:nvSpPr>
         <p:spPr>
           <a:xfrm>
-            <a:off x="107504" y="4155927"/>
-            <a:ext cx="6696744" cy="212530"/>
-          </a:xfrm>
-          <a:prstGeom prst="rect">
+            <a:off x="1960968" y="866894"/>
+            <a:ext cx="144000" cy="144000"/>
+          </a:xfrm>
+          <a:prstGeom prst="roundRect">
             <a:avLst/>
           </a:prstGeom>
           <a:solidFill>
-            <a:schemeClr val="bg1">
-              <a:lumMod val="50000"/>
+            <a:schemeClr val="accent6">
+              <a:lumMod val="75000"/>
             </a:schemeClr>
           </a:solidFill>
           <a:ln>
@@ -9072,6 +9291,62 @@
           </a:fontRef>
         </p:style>
         <p:txBody>
+          <a:bodyPr lIns="0" rIns="0" rtlCol="0" anchor="ctr"/>
+          <a:lstStyle/>
+          <a:p>
+            <a:pPr algn="ctr"/>
+            <a:r>
+              <a:rPr lang="en-US" altLang="ko-KR" sz="1050" b="1" dirty="0"/>
+              <a:t>1</a:t>
+            </a:r>
+            <a:endParaRPr lang="ko-KR" altLang="en-US" sz="1050" b="1" dirty="0"/>
+          </a:p>
+        </p:txBody>
+      </p:sp>
+      <p:sp>
+        <p:nvSpPr>
+          <p:cNvPr id="10" name="사각형: 둥근 모서리 9">
+            <a:extLst>
+              <a:ext uri="{FF2B5EF4-FFF2-40B4-BE49-F238E27FC236}">
+                <a16:creationId xmlns:a16="http://schemas.microsoft.com/office/drawing/2014/main" id="{B6AF04A4-36F2-61FD-8751-126AAA15D949}"/>
+              </a:ext>
+            </a:extLst>
+          </p:cNvPr>
+          <p:cNvSpPr/>
+          <p:nvPr/>
+        </p:nvSpPr>
+        <p:spPr>
+          <a:xfrm>
+            <a:off x="2339752" y="1275606"/>
+            <a:ext cx="2232248" cy="288032"/>
+          </a:xfrm>
+          <a:prstGeom prst="roundRect">
+            <a:avLst/>
+          </a:prstGeom>
+          <a:noFill/>
+          <a:ln>
+            <a:solidFill>
+              <a:schemeClr val="tx1"/>
+            </a:solidFill>
+          </a:ln>
+        </p:spPr>
+        <p:style>
+          <a:lnRef idx="2">
+            <a:schemeClr val="accent6">
+              <a:shade val="15000"/>
+            </a:schemeClr>
+          </a:lnRef>
+          <a:fillRef idx="1">
+            <a:schemeClr val="accent6"/>
+          </a:fillRef>
+          <a:effectRef idx="0">
+            <a:schemeClr val="accent6"/>
+          </a:effectRef>
+          <a:fontRef idx="minor">
+            <a:schemeClr val="lt1"/>
+          </a:fontRef>
+        </p:style>
+        <p:txBody>
           <a:bodyPr rtlCol="0" anchor="ctr"/>
           <a:lstStyle/>
           <a:p>
@@ -9080,23 +9355,5220 @@
           </a:p>
         </p:txBody>
       </p:sp>
+      <p:sp>
+        <p:nvSpPr>
+          <p:cNvPr id="11" name="사각형: 둥근 모서리 10">
+            <a:extLst>
+              <a:ext uri="{FF2B5EF4-FFF2-40B4-BE49-F238E27FC236}">
+                <a16:creationId xmlns:a16="http://schemas.microsoft.com/office/drawing/2014/main" id="{7065ADD2-F8A9-0A03-DE3A-EE69B200B6B9}"/>
+              </a:ext>
+            </a:extLst>
+          </p:cNvPr>
+          <p:cNvSpPr/>
+          <p:nvPr/>
+        </p:nvSpPr>
+        <p:spPr>
+          <a:xfrm>
+            <a:off x="2337814" y="1680706"/>
+            <a:ext cx="2232248" cy="502114"/>
+          </a:xfrm>
+          <a:prstGeom prst="roundRect">
+            <a:avLst/>
+          </a:prstGeom>
+          <a:noFill/>
+          <a:ln>
+            <a:solidFill>
+              <a:schemeClr val="tx1"/>
+            </a:solidFill>
+          </a:ln>
+        </p:spPr>
+        <p:style>
+          <a:lnRef idx="2">
+            <a:schemeClr val="accent6">
+              <a:shade val="15000"/>
+            </a:schemeClr>
+          </a:lnRef>
+          <a:fillRef idx="1">
+            <a:schemeClr val="accent6"/>
+          </a:fillRef>
+          <a:effectRef idx="0">
+            <a:schemeClr val="accent6"/>
+          </a:effectRef>
+          <a:fontRef idx="minor">
+            <a:schemeClr val="lt1"/>
+          </a:fontRef>
+        </p:style>
+        <p:txBody>
+          <a:bodyPr rtlCol="0" anchor="ctr"/>
+          <a:lstStyle/>
+          <a:p>
+            <a:pPr algn="ctr"/>
+            <a:endParaRPr lang="ko-KR" altLang="en-US"/>
+          </a:p>
+        </p:txBody>
+      </p:sp>
+      <p:sp>
+        <p:nvSpPr>
+          <p:cNvPr id="12" name="사각형: 둥근 모서리 11">
+            <a:extLst>
+              <a:ext uri="{FF2B5EF4-FFF2-40B4-BE49-F238E27FC236}">
+                <a16:creationId xmlns:a16="http://schemas.microsoft.com/office/drawing/2014/main" id="{8FEB6C5A-1007-3838-CB44-5C227FD485E8}"/>
+              </a:ext>
+            </a:extLst>
+          </p:cNvPr>
+          <p:cNvSpPr/>
+          <p:nvPr/>
+        </p:nvSpPr>
+        <p:spPr>
+          <a:xfrm>
+            <a:off x="2337814" y="2320693"/>
+            <a:ext cx="2232248" cy="502114"/>
+          </a:xfrm>
+          <a:prstGeom prst="roundRect">
+            <a:avLst/>
+          </a:prstGeom>
+          <a:noFill/>
+          <a:ln>
+            <a:solidFill>
+              <a:schemeClr val="tx1"/>
+            </a:solidFill>
+          </a:ln>
+        </p:spPr>
+        <p:style>
+          <a:lnRef idx="2">
+            <a:schemeClr val="accent6">
+              <a:shade val="15000"/>
+            </a:schemeClr>
+          </a:lnRef>
+          <a:fillRef idx="1">
+            <a:schemeClr val="accent6"/>
+          </a:fillRef>
+          <a:effectRef idx="0">
+            <a:schemeClr val="accent6"/>
+          </a:effectRef>
+          <a:fontRef idx="minor">
+            <a:schemeClr val="lt1"/>
+          </a:fontRef>
+        </p:style>
+        <p:txBody>
+          <a:bodyPr rtlCol="0" anchor="ctr"/>
+          <a:lstStyle/>
+          <a:p>
+            <a:pPr algn="ctr"/>
+            <a:endParaRPr lang="ko-KR" altLang="en-US"/>
+          </a:p>
+        </p:txBody>
+      </p:sp>
+      <p:sp>
+        <p:nvSpPr>
+          <p:cNvPr id="14" name="TextBox 13">
+            <a:extLst>
+              <a:ext uri="{FF2B5EF4-FFF2-40B4-BE49-F238E27FC236}">
+                <a16:creationId xmlns:a16="http://schemas.microsoft.com/office/drawing/2014/main" id="{17551913-56BA-4A17-B173-E3E6B3A2CF9C}"/>
+              </a:ext>
+            </a:extLst>
+          </p:cNvPr>
+          <p:cNvSpPr txBox="1"/>
+          <p:nvPr/>
+        </p:nvSpPr>
+        <p:spPr>
+          <a:xfrm>
+            <a:off x="2898436" y="1304561"/>
+            <a:ext cx="1171099" cy="246221"/>
+          </a:xfrm>
+          <a:prstGeom prst="rect">
+            <a:avLst/>
+          </a:prstGeom>
+          <a:noFill/>
+        </p:spPr>
+        <p:txBody>
+          <a:bodyPr wrap="square" rtlCol="0">
+            <a:spAutoFit/>
+          </a:bodyPr>
+          <a:lstStyle/>
+          <a:p>
+            <a:r>
+              <a:rPr lang="ko-KR" altLang="en-US" sz="1000" dirty="0"/>
+              <a:t>생성할 모임 유형</a:t>
+            </a:r>
+          </a:p>
+        </p:txBody>
+      </p:sp>
+      <p:sp>
+        <p:nvSpPr>
+          <p:cNvPr id="15" name="TextBox 14">
+            <a:extLst>
+              <a:ext uri="{FF2B5EF4-FFF2-40B4-BE49-F238E27FC236}">
+                <a16:creationId xmlns:a16="http://schemas.microsoft.com/office/drawing/2014/main" id="{953F0429-4EEF-A045-5C28-7F3C461C4CB5}"/>
+              </a:ext>
+            </a:extLst>
+          </p:cNvPr>
+          <p:cNvSpPr txBox="1"/>
+          <p:nvPr/>
+        </p:nvSpPr>
+        <p:spPr>
+          <a:xfrm>
+            <a:off x="2998176" y="1788433"/>
+            <a:ext cx="911524" cy="246221"/>
+          </a:xfrm>
+          <a:prstGeom prst="rect">
+            <a:avLst/>
+          </a:prstGeom>
+          <a:noFill/>
+        </p:spPr>
+        <p:txBody>
+          <a:bodyPr wrap="square" rtlCol="0">
+            <a:spAutoFit/>
+          </a:bodyPr>
+          <a:lstStyle/>
+          <a:p>
+            <a:r>
+              <a:rPr lang="ko-KR" altLang="en-US" sz="1000" dirty="0"/>
+              <a:t>온라인 모임</a:t>
+            </a:r>
+          </a:p>
+        </p:txBody>
+      </p:sp>
+      <p:sp>
+        <p:nvSpPr>
+          <p:cNvPr id="17" name="TextBox 16">
+            <a:extLst>
+              <a:ext uri="{FF2B5EF4-FFF2-40B4-BE49-F238E27FC236}">
+                <a16:creationId xmlns:a16="http://schemas.microsoft.com/office/drawing/2014/main" id="{F07E1E0C-131C-826E-48C6-50F33B2CE545}"/>
+              </a:ext>
+            </a:extLst>
+          </p:cNvPr>
+          <p:cNvSpPr txBox="1"/>
+          <p:nvPr/>
+        </p:nvSpPr>
+        <p:spPr>
+          <a:xfrm>
+            <a:off x="2954053" y="2429806"/>
+            <a:ext cx="999770" cy="246221"/>
+          </a:xfrm>
+          <a:prstGeom prst="rect">
+            <a:avLst/>
+          </a:prstGeom>
+          <a:noFill/>
+        </p:spPr>
+        <p:txBody>
+          <a:bodyPr wrap="square" rtlCol="0">
+            <a:spAutoFit/>
+          </a:bodyPr>
+          <a:lstStyle/>
+          <a:p>
+            <a:r>
+              <a:rPr lang="ko-KR" altLang="en-US" sz="1000"/>
+              <a:t>오프라인 </a:t>
+            </a:r>
+            <a:r>
+              <a:rPr lang="ko-KR" altLang="en-US" sz="1000" dirty="0"/>
+              <a:t>모임</a:t>
+            </a:r>
+          </a:p>
+        </p:txBody>
+      </p:sp>
+      <p:sp>
+        <p:nvSpPr>
+          <p:cNvPr id="18" name="사각형: 둥근 모서리 17">
+            <a:extLst>
+              <a:ext uri="{FF2B5EF4-FFF2-40B4-BE49-F238E27FC236}">
+                <a16:creationId xmlns:a16="http://schemas.microsoft.com/office/drawing/2014/main" id="{23F998F1-9D0A-ABAF-4475-F912322A788D}"/>
+              </a:ext>
+            </a:extLst>
+          </p:cNvPr>
+          <p:cNvSpPr/>
+          <p:nvPr/>
+        </p:nvSpPr>
+        <p:spPr>
+          <a:xfrm>
+            <a:off x="3635896" y="2973973"/>
+            <a:ext cx="428629" cy="259441"/>
+          </a:xfrm>
+          <a:prstGeom prst="roundRect">
+            <a:avLst>
+              <a:gd name="adj" fmla="val 50000"/>
+            </a:avLst>
+          </a:prstGeom>
+          <a:noFill/>
+          <a:ln w="12700">
+            <a:solidFill>
+              <a:schemeClr val="tx1"/>
+            </a:solidFill>
+          </a:ln>
+        </p:spPr>
+        <p:style>
+          <a:lnRef idx="2">
+            <a:schemeClr val="accent6">
+              <a:shade val="15000"/>
+            </a:schemeClr>
+          </a:lnRef>
+          <a:fillRef idx="1">
+            <a:schemeClr val="accent6"/>
+          </a:fillRef>
+          <a:effectRef idx="0">
+            <a:schemeClr val="accent6"/>
+          </a:effectRef>
+          <a:fontRef idx="minor">
+            <a:schemeClr val="lt1"/>
+          </a:fontRef>
+        </p:style>
+        <p:txBody>
+          <a:bodyPr rtlCol="0" anchor="ctr"/>
+          <a:lstStyle/>
+          <a:p>
+            <a:pPr algn="ctr"/>
+            <a:endParaRPr lang="ko-KR" altLang="en-US" dirty="0"/>
+          </a:p>
+        </p:txBody>
+      </p:sp>
+      <p:sp>
+        <p:nvSpPr>
+          <p:cNvPr id="19" name="TextBox 18">
+            <a:extLst>
+              <a:ext uri="{FF2B5EF4-FFF2-40B4-BE49-F238E27FC236}">
+                <a16:creationId xmlns:a16="http://schemas.microsoft.com/office/drawing/2014/main" id="{980816E9-4CE0-EFE9-4B31-7F81FE071DA4}"/>
+              </a:ext>
+            </a:extLst>
+          </p:cNvPr>
+          <p:cNvSpPr txBox="1"/>
+          <p:nvPr/>
+        </p:nvSpPr>
+        <p:spPr>
+          <a:xfrm>
+            <a:off x="3631514" y="2987133"/>
+            <a:ext cx="413312" cy="230832"/>
+          </a:xfrm>
+          <a:prstGeom prst="rect">
+            <a:avLst/>
+          </a:prstGeom>
+          <a:noFill/>
+        </p:spPr>
+        <p:txBody>
+          <a:bodyPr wrap="square" rtlCol="0">
+            <a:spAutoFit/>
+          </a:bodyPr>
+          <a:lstStyle/>
+          <a:p>
+            <a:r>
+              <a:rPr lang="ko-KR" altLang="en-US" sz="900" dirty="0"/>
+              <a:t>버튼</a:t>
+            </a:r>
+          </a:p>
+        </p:txBody>
+      </p:sp>
+      <p:sp>
+        <p:nvSpPr>
+          <p:cNvPr id="20" name="사각형: 둥근 모서리 19">
+            <a:extLst>
+              <a:ext uri="{FF2B5EF4-FFF2-40B4-BE49-F238E27FC236}">
+                <a16:creationId xmlns:a16="http://schemas.microsoft.com/office/drawing/2014/main" id="{BE9EB004-5C80-97A5-73B7-67086EE57764}"/>
+              </a:ext>
+            </a:extLst>
+          </p:cNvPr>
+          <p:cNvSpPr/>
+          <p:nvPr/>
+        </p:nvSpPr>
+        <p:spPr>
+          <a:xfrm>
+            <a:off x="2847798" y="2974909"/>
+            <a:ext cx="428629" cy="259441"/>
+          </a:xfrm>
+          <a:prstGeom prst="roundRect">
+            <a:avLst>
+              <a:gd name="adj" fmla="val 50000"/>
+            </a:avLst>
+          </a:prstGeom>
+          <a:noFill/>
+          <a:ln w="12700">
+            <a:solidFill>
+              <a:schemeClr val="tx1"/>
+            </a:solidFill>
+          </a:ln>
+        </p:spPr>
+        <p:style>
+          <a:lnRef idx="2">
+            <a:schemeClr val="accent6">
+              <a:shade val="15000"/>
+            </a:schemeClr>
+          </a:lnRef>
+          <a:fillRef idx="1">
+            <a:schemeClr val="accent6"/>
+          </a:fillRef>
+          <a:effectRef idx="0">
+            <a:schemeClr val="accent6"/>
+          </a:effectRef>
+          <a:fontRef idx="minor">
+            <a:schemeClr val="lt1"/>
+          </a:fontRef>
+        </p:style>
+        <p:txBody>
+          <a:bodyPr rtlCol="0" anchor="ctr"/>
+          <a:lstStyle/>
+          <a:p>
+            <a:pPr algn="ctr"/>
+            <a:endParaRPr lang="ko-KR" altLang="en-US" dirty="0"/>
+          </a:p>
+        </p:txBody>
+      </p:sp>
+      <p:sp>
+        <p:nvSpPr>
+          <p:cNvPr id="21" name="TextBox 20">
+            <a:extLst>
+              <a:ext uri="{FF2B5EF4-FFF2-40B4-BE49-F238E27FC236}">
+                <a16:creationId xmlns:a16="http://schemas.microsoft.com/office/drawing/2014/main" id="{4176FD4C-6BCC-CE74-C277-D741283DA070}"/>
+              </a:ext>
+            </a:extLst>
+          </p:cNvPr>
+          <p:cNvSpPr txBox="1"/>
+          <p:nvPr/>
+        </p:nvSpPr>
+        <p:spPr>
+          <a:xfrm>
+            <a:off x="2862544" y="2988019"/>
+            <a:ext cx="413312" cy="230832"/>
+          </a:xfrm>
+          <a:prstGeom prst="rect">
+            <a:avLst/>
+          </a:prstGeom>
+          <a:noFill/>
+        </p:spPr>
+        <p:txBody>
+          <a:bodyPr wrap="square" rtlCol="0">
+            <a:spAutoFit/>
+          </a:bodyPr>
+          <a:lstStyle/>
+          <a:p>
+            <a:r>
+              <a:rPr lang="ko-KR" altLang="en-US" sz="900" dirty="0"/>
+              <a:t>버튼</a:t>
+            </a:r>
+          </a:p>
+        </p:txBody>
+      </p:sp>
+      <p:sp>
+        <p:nvSpPr>
+          <p:cNvPr id="22" name="모서리가 둥근 직사각형 123">
+            <a:extLst>
+              <a:ext uri="{FF2B5EF4-FFF2-40B4-BE49-F238E27FC236}">
+                <a16:creationId xmlns:a16="http://schemas.microsoft.com/office/drawing/2014/main" id="{5FDC4BFD-B499-0BED-62EE-AF92EFE226E6}"/>
+              </a:ext>
+            </a:extLst>
+          </p:cNvPr>
+          <p:cNvSpPr/>
+          <p:nvPr/>
+        </p:nvSpPr>
+        <p:spPr>
+          <a:xfrm>
+            <a:off x="2202699" y="1097719"/>
+            <a:ext cx="144000" cy="144000"/>
+          </a:xfrm>
+          <a:prstGeom prst="roundRect">
+            <a:avLst/>
+          </a:prstGeom>
+          <a:solidFill>
+            <a:schemeClr val="accent6">
+              <a:lumMod val="75000"/>
+            </a:schemeClr>
+          </a:solidFill>
+          <a:ln>
+            <a:noFill/>
+          </a:ln>
+        </p:spPr>
+        <p:style>
+          <a:lnRef idx="2">
+            <a:schemeClr val="accent1">
+              <a:shade val="50000"/>
+            </a:schemeClr>
+          </a:lnRef>
+          <a:fillRef idx="1">
+            <a:schemeClr val="accent1"/>
+          </a:fillRef>
+          <a:effectRef idx="0">
+            <a:schemeClr val="accent1"/>
+          </a:effectRef>
+          <a:fontRef idx="minor">
+            <a:schemeClr val="lt1"/>
+          </a:fontRef>
+        </p:style>
+        <p:txBody>
+          <a:bodyPr lIns="0" rIns="0" rtlCol="0" anchor="ctr"/>
+          <a:lstStyle/>
+          <a:p>
+            <a:pPr algn="ctr"/>
+            <a:r>
+              <a:rPr lang="en-US" altLang="ko-KR" sz="1050" b="1" dirty="0"/>
+              <a:t>2</a:t>
+            </a:r>
+            <a:endParaRPr lang="ko-KR" altLang="en-US" sz="1050" b="1" dirty="0"/>
+          </a:p>
+        </p:txBody>
+      </p:sp>
+      <p:sp>
+        <p:nvSpPr>
+          <p:cNvPr id="23" name="모서리가 둥근 직사각형 123">
+            <a:extLst>
+              <a:ext uri="{FF2B5EF4-FFF2-40B4-BE49-F238E27FC236}">
+                <a16:creationId xmlns:a16="http://schemas.microsoft.com/office/drawing/2014/main" id="{0DC4E22E-BF7F-09EF-0F8B-21C21D294946}"/>
+              </a:ext>
+            </a:extLst>
+          </p:cNvPr>
+          <p:cNvSpPr/>
+          <p:nvPr/>
+        </p:nvSpPr>
+        <p:spPr>
+          <a:xfrm>
+            <a:off x="2649047" y="2901973"/>
+            <a:ext cx="144000" cy="144000"/>
+          </a:xfrm>
+          <a:prstGeom prst="roundRect">
+            <a:avLst/>
+          </a:prstGeom>
+          <a:solidFill>
+            <a:schemeClr val="accent6">
+              <a:lumMod val="75000"/>
+            </a:schemeClr>
+          </a:solidFill>
+          <a:ln>
+            <a:noFill/>
+          </a:ln>
+        </p:spPr>
+        <p:style>
+          <a:lnRef idx="2">
+            <a:schemeClr val="accent1">
+              <a:shade val="50000"/>
+            </a:schemeClr>
+          </a:lnRef>
+          <a:fillRef idx="1">
+            <a:schemeClr val="accent1"/>
+          </a:fillRef>
+          <a:effectRef idx="0">
+            <a:schemeClr val="accent1"/>
+          </a:effectRef>
+          <a:fontRef idx="minor">
+            <a:schemeClr val="lt1"/>
+          </a:fontRef>
+        </p:style>
+        <p:txBody>
+          <a:bodyPr lIns="0" rIns="0" rtlCol="0" anchor="ctr"/>
+          <a:lstStyle/>
+          <a:p>
+            <a:pPr algn="ctr"/>
+            <a:r>
+              <a:rPr lang="en-US" altLang="ko-KR" sz="1050" b="1" dirty="0"/>
+              <a:t>3</a:t>
+            </a:r>
+            <a:endParaRPr lang="ko-KR" altLang="en-US" sz="1050" b="1" dirty="0"/>
+          </a:p>
+        </p:txBody>
+      </p:sp>
+      <p:sp>
+        <p:nvSpPr>
+          <p:cNvPr id="27" name="텍스트 개체 틀 26">
+            <a:extLst>
+              <a:ext uri="{FF2B5EF4-FFF2-40B4-BE49-F238E27FC236}">
+                <a16:creationId xmlns:a16="http://schemas.microsoft.com/office/drawing/2014/main" id="{825CDA1E-453B-A7FD-9277-53B736E51668}"/>
+              </a:ext>
+            </a:extLst>
+          </p:cNvPr>
+          <p:cNvSpPr>
+            <a:spLocks noGrp="1"/>
+          </p:cNvSpPr>
+          <p:nvPr>
+            <p:ph type="body" sz="quarter" idx="11"/>
+          </p:nvPr>
+        </p:nvSpPr>
+        <p:spPr>
+          <a:xfrm>
+            <a:off x="150592" y="-8888"/>
+            <a:ext cx="1007790" cy="287486"/>
+          </a:xfrm>
+        </p:spPr>
+        <p:txBody>
+          <a:bodyPr/>
+          <a:lstStyle/>
+          <a:p>
+            <a:r>
+              <a:rPr lang="ko-KR" altLang="en-US" sz="800" dirty="0">
+                <a:solidFill>
+                  <a:schemeClr val="tx1"/>
+                </a:solidFill>
+                <a:highlight>
+                  <a:srgbClr val="FFFF00"/>
+                </a:highlight>
+              </a:rPr>
+              <a:t>모임 생성</a:t>
+            </a:r>
+            <a:r>
+              <a:rPr lang="en-US" altLang="ko-KR" sz="800" dirty="0">
+                <a:solidFill>
+                  <a:schemeClr val="tx1"/>
+                </a:solidFill>
+                <a:highlight>
+                  <a:srgbClr val="FFFF00"/>
+                </a:highlight>
+              </a:rPr>
+              <a:t>-1</a:t>
+            </a:r>
+          </a:p>
+          <a:p>
+            <a:r>
+              <a:rPr lang="en-US" altLang="ko-KR" sz="800" dirty="0" err="1">
+                <a:solidFill>
+                  <a:schemeClr val="tx1"/>
+                </a:solidFill>
+                <a:highlight>
+                  <a:srgbClr val="FFFF00"/>
+                </a:highlight>
+              </a:rPr>
+              <a:t>CreateMoim</a:t>
+            </a:r>
+            <a:endParaRPr lang="ko-KR" altLang="en-US" sz="800" dirty="0">
+              <a:solidFill>
+                <a:schemeClr val="tx1"/>
+              </a:solidFill>
+              <a:highlight>
+                <a:srgbClr val="FFFF00"/>
+              </a:highlight>
+            </a:endParaRPr>
+          </a:p>
+        </p:txBody>
+      </p:sp>
+    </p:spTree>
+  </p:cSld>
+  <p:clrMapOvr>
+    <a:masterClrMapping/>
+  </p:clrMapOvr>
+</p:sld>
+</file>
+
+<file path=ppt/slides/slide2.xml><?xml version="1.0" encoding="utf-8"?>
+<p:sld xmlns:a="http://schemas.openxmlformats.org/drawingml/2006/main" xmlns:r="http://schemas.openxmlformats.org/officeDocument/2006/relationships" xmlns:p="http://schemas.openxmlformats.org/presentationml/2006/main">
+  <p:cSld>
+    <p:spTree>
+      <p:nvGrpSpPr>
+        <p:cNvPr id="1" name="">
+          <a:extLst>
+            <a:ext uri="{FF2B5EF4-FFF2-40B4-BE49-F238E27FC236}">
+              <a16:creationId xmlns:a16="http://schemas.microsoft.com/office/drawing/2014/main" id="{3ED1E1B0-C421-B8DE-87D7-FACB6916DE4D}"/>
+            </a:ext>
+          </a:extLst>
+        </p:cNvPr>
+        <p:cNvGrpSpPr/>
+        <p:nvPr/>
+      </p:nvGrpSpPr>
+      <p:grpSpPr>
+        <a:xfrm>
+          <a:off x="0" y="0"/>
+          <a:ext cx="0" cy="0"/>
+          <a:chOff x="0" y="0"/>
+          <a:chExt cx="0" cy="0"/>
+        </a:xfrm>
+      </p:grpSpPr>
+      <p:sp>
+        <p:nvSpPr>
+          <p:cNvPr id="47" name="직사각형 46">
+            <a:extLst>
+              <a:ext uri="{FF2B5EF4-FFF2-40B4-BE49-F238E27FC236}">
+                <a16:creationId xmlns:a16="http://schemas.microsoft.com/office/drawing/2014/main" id="{E6318195-EB03-4FC3-1938-85BA8E794CDB}"/>
+              </a:ext>
+            </a:extLst>
+          </p:cNvPr>
+          <p:cNvSpPr/>
+          <p:nvPr/>
+        </p:nvSpPr>
+        <p:spPr>
+          <a:xfrm>
+            <a:off x="299793" y="1117351"/>
+            <a:ext cx="2832045" cy="2822551"/>
+          </a:xfrm>
+          <a:prstGeom prst="rect">
+            <a:avLst/>
+          </a:prstGeom>
+          <a:noFill/>
+          <a:ln w="25400">
+            <a:solidFill>
+              <a:schemeClr val="tx1"/>
+            </a:solidFill>
+          </a:ln>
+          <a:effectLst>
+            <a:softEdge rad="12700"/>
+          </a:effectLst>
+        </p:spPr>
+        <p:style>
+          <a:lnRef idx="2">
+            <a:schemeClr val="dk1"/>
+          </a:lnRef>
+          <a:fillRef idx="1">
+            <a:schemeClr val="lt1"/>
+          </a:fillRef>
+          <a:effectRef idx="0">
+            <a:schemeClr val="dk1"/>
+          </a:effectRef>
+          <a:fontRef idx="minor">
+            <a:schemeClr val="dk1"/>
+          </a:fontRef>
+        </p:style>
+        <p:txBody>
+          <a:bodyPr rtlCol="0" anchor="ctr"/>
+          <a:lstStyle/>
+          <a:p>
+            <a:pPr algn="ctr"/>
+            <a:endParaRPr lang="ko-KR" altLang="en-US" dirty="0">
+              <a:ln w="0"/>
+              <a:solidFill>
+                <a:schemeClr val="tx1"/>
+              </a:solidFill>
+              <a:effectLst>
+                <a:outerShdw blurRad="38100" dist="19050" dir="2700000" algn="tl" rotWithShape="0">
+                  <a:schemeClr val="dk1">
+                    <a:alpha val="40000"/>
+                  </a:schemeClr>
+                </a:outerShdw>
+              </a:effectLst>
+              <a:latin typeface="+mn-ea"/>
+              <a:ea typeface="+mn-ea"/>
+            </a:endParaRPr>
+          </a:p>
+        </p:txBody>
+      </p:sp>
+      <p:sp>
+        <p:nvSpPr>
+          <p:cNvPr id="32" name="텍스트 개체 틀 31">
+            <a:extLst>
+              <a:ext uri="{FF2B5EF4-FFF2-40B4-BE49-F238E27FC236}">
+                <a16:creationId xmlns:a16="http://schemas.microsoft.com/office/drawing/2014/main" id="{45BC4665-0DF7-A344-3A8D-5EFDF9496ADD}"/>
+              </a:ext>
+            </a:extLst>
+          </p:cNvPr>
+          <p:cNvSpPr>
+            <a:spLocks noGrp="1"/>
+          </p:cNvSpPr>
+          <p:nvPr>
+            <p:ph type="body" sz="quarter" idx="10"/>
+          </p:nvPr>
+        </p:nvSpPr>
+        <p:spPr/>
+        <p:txBody>
+          <a:bodyPr/>
+          <a:lstStyle/>
+          <a:p>
+            <a:r>
+              <a:rPr lang="ko-KR" altLang="en-US" sz="700"/>
+              <a:t>모임 생성자 정보칸</a:t>
+            </a:r>
+            <a:endParaRPr lang="en-US" altLang="ko-KR" sz="700"/>
+          </a:p>
+          <a:p>
+            <a:r>
+              <a:rPr lang="ko-KR" altLang="en-US" sz="700"/>
+              <a:t>모임 생성자 정보 </a:t>
+            </a:r>
+            <a:br>
+              <a:rPr lang="en-US" altLang="ko-KR" sz="700"/>
+            </a:br>
+            <a:r>
+              <a:rPr lang="en-US" altLang="ko-KR" sz="700"/>
+              <a:t>ex)</a:t>
+            </a:r>
+            <a:r>
+              <a:rPr lang="ko-KR" altLang="en-US" sz="700"/>
+              <a:t>이름</a:t>
+            </a:r>
+            <a:r>
+              <a:rPr lang="en-US" altLang="ko-KR" sz="700"/>
+              <a:t>,</a:t>
+            </a:r>
+            <a:r>
+              <a:rPr lang="ko-KR" altLang="en-US" sz="700"/>
+              <a:t>생성자 선호 카테고리</a:t>
+            </a:r>
+            <a:br>
+              <a:rPr lang="en-US" altLang="ko-KR" sz="700"/>
+            </a:br>
+            <a:r>
+              <a:rPr lang="ko-KR" altLang="en-US" sz="700"/>
+              <a:t>생성자 자기소개</a:t>
+            </a:r>
+            <a:br>
+              <a:rPr lang="en-US" altLang="ko-KR" sz="700"/>
+            </a:br>
+            <a:r>
+              <a:rPr lang="ko-KR" altLang="en-US" sz="700"/>
+              <a:t>해당 모임을 생성하는 목적 </a:t>
+            </a:r>
+            <a:br>
+              <a:rPr lang="en-US" altLang="ko-KR" sz="700"/>
+            </a:br>
+            <a:r>
+              <a:rPr lang="en-US" altLang="ko-KR" sz="700"/>
+              <a:t>(</a:t>
+            </a:r>
+            <a:r>
+              <a:rPr lang="ko-KR" altLang="en-US" sz="700"/>
+              <a:t>참가 신청 소개공간에 표시해볼 예정</a:t>
+            </a:r>
+            <a:r>
+              <a:rPr lang="en-US" altLang="ko-KR" sz="700"/>
+              <a:t>)</a:t>
+            </a:r>
+          </a:p>
+          <a:p>
+            <a:r>
+              <a:rPr lang="ko-KR" altLang="en-US" sz="700"/>
+              <a:t>모임생성 시작 페이지 이동 버튼과</a:t>
+            </a:r>
+            <a:br>
+              <a:rPr lang="en-US" altLang="ko-KR" sz="700"/>
+            </a:br>
+            <a:r>
+              <a:rPr lang="ko-KR" altLang="en-US" sz="700"/>
+              <a:t>취소 버튼</a:t>
+            </a:r>
+            <a:endParaRPr lang="en-US" altLang="ko-KR" sz="700"/>
+          </a:p>
+          <a:p>
+            <a:endParaRPr lang="ko-KR" altLang="en-US" sz="700" dirty="0"/>
+          </a:p>
+        </p:txBody>
+      </p:sp>
+      <p:sp>
+        <p:nvSpPr>
+          <p:cNvPr id="77" name="TextBox 76">
+            <a:extLst>
+              <a:ext uri="{FF2B5EF4-FFF2-40B4-BE49-F238E27FC236}">
+                <a16:creationId xmlns:a16="http://schemas.microsoft.com/office/drawing/2014/main" id="{A546D4D7-2912-5D9D-10BA-4286DE5914C5}"/>
+              </a:ext>
+            </a:extLst>
+          </p:cNvPr>
+          <p:cNvSpPr txBox="1"/>
+          <p:nvPr/>
+        </p:nvSpPr>
+        <p:spPr>
+          <a:xfrm>
+            <a:off x="5868144" y="306307"/>
+            <a:ext cx="712054" cy="184666"/>
+          </a:xfrm>
+          <a:prstGeom prst="rect">
+            <a:avLst/>
+          </a:prstGeom>
+          <a:noFill/>
+        </p:spPr>
+        <p:txBody>
+          <a:bodyPr wrap="none" rtlCol="0">
+            <a:spAutoFit/>
+          </a:bodyPr>
+          <a:lstStyle/>
+          <a:p>
+            <a:r>
+              <a:rPr lang="en-US" altLang="ko-KR" sz="600" b="0" dirty="0">
+                <a:solidFill>
+                  <a:schemeClr val="tx1"/>
+                </a:solidFill>
+                <a:latin typeface="+mn-ea"/>
+                <a:ea typeface="+mn-ea"/>
+              </a:rPr>
+              <a:t>Login | Join US</a:t>
+            </a:r>
+            <a:endParaRPr lang="ko-KR" altLang="en-US" sz="600" b="0" dirty="0">
+              <a:solidFill>
+                <a:schemeClr val="tx1"/>
+              </a:solidFill>
+              <a:latin typeface="+mn-ea"/>
+              <a:ea typeface="+mn-ea"/>
+            </a:endParaRPr>
+          </a:p>
+        </p:txBody>
+      </p:sp>
+      <p:sp>
+        <p:nvSpPr>
+          <p:cNvPr id="111" name="모서리가 둥근 직사각형 110">
+            <a:extLst>
+              <a:ext uri="{FF2B5EF4-FFF2-40B4-BE49-F238E27FC236}">
+                <a16:creationId xmlns:a16="http://schemas.microsoft.com/office/drawing/2014/main" id="{7FBA3FEB-44BC-2F13-B857-02A59C4CBFCD}"/>
+              </a:ext>
+            </a:extLst>
+          </p:cNvPr>
+          <p:cNvSpPr/>
+          <p:nvPr/>
+        </p:nvSpPr>
+        <p:spPr>
+          <a:xfrm>
+            <a:off x="299794" y="4159689"/>
+            <a:ext cx="709387" cy="229725"/>
+          </a:xfrm>
+          <a:prstGeom prst="roundRect">
+            <a:avLst>
+              <a:gd name="adj" fmla="val 9813"/>
+            </a:avLst>
+          </a:prstGeom>
+          <a:noFill/>
+          <a:ln w="6350">
+            <a:noFill/>
+          </a:ln>
+        </p:spPr>
+        <p:style>
+          <a:lnRef idx="2">
+            <a:schemeClr val="accent1">
+              <a:shade val="50000"/>
+            </a:schemeClr>
+          </a:lnRef>
+          <a:fillRef idx="1">
+            <a:schemeClr val="accent1"/>
+          </a:fillRef>
+          <a:effectRef idx="0">
+            <a:schemeClr val="accent1"/>
+          </a:effectRef>
+          <a:fontRef idx="minor">
+            <a:schemeClr val="lt1"/>
+          </a:fontRef>
+        </p:style>
+        <p:txBody>
+          <a:bodyPr rtlCol="0" anchor="ctr"/>
+          <a:lstStyle/>
+          <a:p>
+            <a:r>
+              <a:rPr lang="ko-KR" altLang="en-US" sz="900" b="1" dirty="0">
+                <a:solidFill>
+                  <a:schemeClr val="bg1"/>
+                </a:solidFill>
+                <a:latin typeface="+mn-ea"/>
+              </a:rPr>
+              <a:t>공지</a:t>
+            </a:r>
+            <a:endParaRPr lang="en-US" altLang="ko-KR" sz="900" b="1" dirty="0">
+              <a:solidFill>
+                <a:schemeClr val="bg1"/>
+              </a:solidFill>
+              <a:latin typeface="+mn-ea"/>
+            </a:endParaRPr>
+          </a:p>
+        </p:txBody>
+      </p:sp>
+      <p:sp>
+        <p:nvSpPr>
+          <p:cNvPr id="124" name="모서리가 둥근 직사각형 123">
+            <a:extLst>
+              <a:ext uri="{FF2B5EF4-FFF2-40B4-BE49-F238E27FC236}">
+                <a16:creationId xmlns:a16="http://schemas.microsoft.com/office/drawing/2014/main" id="{597323DB-E7DF-C37B-B3FF-13B172CD6666}"/>
+              </a:ext>
+            </a:extLst>
+          </p:cNvPr>
+          <p:cNvSpPr/>
+          <p:nvPr/>
+        </p:nvSpPr>
+        <p:spPr>
+          <a:xfrm>
+            <a:off x="174976" y="1045344"/>
+            <a:ext cx="149038" cy="144000"/>
+          </a:xfrm>
+          <a:prstGeom prst="roundRect">
+            <a:avLst/>
+          </a:prstGeom>
+          <a:solidFill>
+            <a:schemeClr val="accent6">
+              <a:lumMod val="75000"/>
+            </a:schemeClr>
+          </a:solidFill>
+          <a:ln>
+            <a:noFill/>
+          </a:ln>
+        </p:spPr>
+        <p:style>
+          <a:lnRef idx="2">
+            <a:schemeClr val="accent1">
+              <a:shade val="50000"/>
+            </a:schemeClr>
+          </a:lnRef>
+          <a:fillRef idx="1">
+            <a:schemeClr val="accent1"/>
+          </a:fillRef>
+          <a:effectRef idx="0">
+            <a:schemeClr val="accent1"/>
+          </a:effectRef>
+          <a:fontRef idx="minor">
+            <a:schemeClr val="lt1"/>
+          </a:fontRef>
+        </p:style>
+        <p:txBody>
+          <a:bodyPr lIns="0" rIns="0" rtlCol="0" anchor="ctr"/>
+          <a:lstStyle/>
+          <a:p>
+            <a:pPr algn="ctr"/>
+            <a:r>
+              <a:rPr lang="en-US" altLang="ko-KR" sz="1050" b="1" dirty="0"/>
+              <a:t>1</a:t>
+            </a:r>
+            <a:endParaRPr lang="ko-KR" altLang="en-US" sz="1050" b="1" dirty="0"/>
+          </a:p>
+        </p:txBody>
+      </p:sp>
+      <p:sp>
+        <p:nvSpPr>
+          <p:cNvPr id="18" name="사각형: 둥근 모서리 17">
+            <a:extLst>
+              <a:ext uri="{FF2B5EF4-FFF2-40B4-BE49-F238E27FC236}">
+                <a16:creationId xmlns:a16="http://schemas.microsoft.com/office/drawing/2014/main" id="{EADE8CBA-70D2-6E10-67DE-A7CE7C06C353}"/>
+              </a:ext>
+            </a:extLst>
+          </p:cNvPr>
+          <p:cNvSpPr/>
+          <p:nvPr/>
+        </p:nvSpPr>
+        <p:spPr>
+          <a:xfrm>
+            <a:off x="3779912" y="4256378"/>
+            <a:ext cx="552734" cy="259441"/>
+          </a:xfrm>
+          <a:prstGeom prst="roundRect">
+            <a:avLst>
+              <a:gd name="adj" fmla="val 50000"/>
+            </a:avLst>
+          </a:prstGeom>
+          <a:noFill/>
+          <a:ln w="12700">
+            <a:solidFill>
+              <a:schemeClr val="tx1"/>
+            </a:solidFill>
+          </a:ln>
+        </p:spPr>
+        <p:style>
+          <a:lnRef idx="2">
+            <a:schemeClr val="accent6">
+              <a:shade val="15000"/>
+            </a:schemeClr>
+          </a:lnRef>
+          <a:fillRef idx="1">
+            <a:schemeClr val="accent6"/>
+          </a:fillRef>
+          <a:effectRef idx="0">
+            <a:schemeClr val="accent6"/>
+          </a:effectRef>
+          <a:fontRef idx="minor">
+            <a:schemeClr val="lt1"/>
+          </a:fontRef>
+        </p:style>
+        <p:txBody>
+          <a:bodyPr rtlCol="0" anchor="ctr"/>
+          <a:lstStyle/>
+          <a:p>
+            <a:pPr algn="ctr"/>
+            <a:endParaRPr lang="ko-KR" altLang="en-US" dirty="0"/>
+          </a:p>
+        </p:txBody>
+      </p:sp>
+      <p:sp>
+        <p:nvSpPr>
+          <p:cNvPr id="19" name="TextBox 18">
+            <a:extLst>
+              <a:ext uri="{FF2B5EF4-FFF2-40B4-BE49-F238E27FC236}">
+                <a16:creationId xmlns:a16="http://schemas.microsoft.com/office/drawing/2014/main" id="{CCF2C439-9E08-9160-A92F-596E43D4B2B6}"/>
+              </a:ext>
+            </a:extLst>
+          </p:cNvPr>
+          <p:cNvSpPr txBox="1"/>
+          <p:nvPr/>
+        </p:nvSpPr>
+        <p:spPr>
+          <a:xfrm>
+            <a:off x="3859706" y="4266034"/>
+            <a:ext cx="413312" cy="230832"/>
+          </a:xfrm>
+          <a:prstGeom prst="rect">
+            <a:avLst/>
+          </a:prstGeom>
+          <a:noFill/>
+        </p:spPr>
+        <p:txBody>
+          <a:bodyPr wrap="square" rtlCol="0">
+            <a:spAutoFit/>
+          </a:bodyPr>
+          <a:lstStyle/>
+          <a:p>
+            <a:r>
+              <a:rPr lang="ko-KR" altLang="en-US" sz="900" dirty="0"/>
+              <a:t>버튼</a:t>
+            </a:r>
+          </a:p>
+        </p:txBody>
+      </p:sp>
+      <p:sp>
+        <p:nvSpPr>
+          <p:cNvPr id="20" name="사각형: 둥근 모서리 19">
+            <a:extLst>
+              <a:ext uri="{FF2B5EF4-FFF2-40B4-BE49-F238E27FC236}">
+                <a16:creationId xmlns:a16="http://schemas.microsoft.com/office/drawing/2014/main" id="{3CB4570D-9C7E-80F0-2E50-186DAA9D877C}"/>
+              </a:ext>
+            </a:extLst>
+          </p:cNvPr>
+          <p:cNvSpPr/>
+          <p:nvPr/>
+        </p:nvSpPr>
+        <p:spPr>
+          <a:xfrm>
+            <a:off x="2678792" y="4256378"/>
+            <a:ext cx="597064" cy="259441"/>
+          </a:xfrm>
+          <a:prstGeom prst="roundRect">
+            <a:avLst>
+              <a:gd name="adj" fmla="val 50000"/>
+            </a:avLst>
+          </a:prstGeom>
+          <a:noFill/>
+          <a:ln w="12700">
+            <a:solidFill>
+              <a:schemeClr val="tx1"/>
+            </a:solidFill>
+          </a:ln>
+        </p:spPr>
+        <p:style>
+          <a:lnRef idx="2">
+            <a:schemeClr val="accent6">
+              <a:shade val="15000"/>
+            </a:schemeClr>
+          </a:lnRef>
+          <a:fillRef idx="1">
+            <a:schemeClr val="accent6"/>
+          </a:fillRef>
+          <a:effectRef idx="0">
+            <a:schemeClr val="accent6"/>
+          </a:effectRef>
+          <a:fontRef idx="minor">
+            <a:schemeClr val="lt1"/>
+          </a:fontRef>
+        </p:style>
+        <p:txBody>
+          <a:bodyPr rtlCol="0" anchor="ctr"/>
+          <a:lstStyle/>
+          <a:p>
+            <a:pPr algn="ctr"/>
+            <a:endParaRPr lang="ko-KR" altLang="en-US" dirty="0"/>
+          </a:p>
+        </p:txBody>
+      </p:sp>
+      <p:sp>
+        <p:nvSpPr>
+          <p:cNvPr id="21" name="TextBox 20">
+            <a:extLst>
+              <a:ext uri="{FF2B5EF4-FFF2-40B4-BE49-F238E27FC236}">
+                <a16:creationId xmlns:a16="http://schemas.microsoft.com/office/drawing/2014/main" id="{84979BC9-CA6B-E424-4DC2-CE32C40745E5}"/>
+              </a:ext>
+            </a:extLst>
+          </p:cNvPr>
+          <p:cNvSpPr txBox="1"/>
+          <p:nvPr/>
+        </p:nvSpPr>
+        <p:spPr>
+          <a:xfrm>
+            <a:off x="2770668" y="4256378"/>
+            <a:ext cx="413312" cy="230832"/>
+          </a:xfrm>
+          <a:prstGeom prst="rect">
+            <a:avLst/>
+          </a:prstGeom>
+          <a:noFill/>
+        </p:spPr>
+        <p:txBody>
+          <a:bodyPr wrap="square" rtlCol="0">
+            <a:spAutoFit/>
+          </a:bodyPr>
+          <a:lstStyle/>
+          <a:p>
+            <a:r>
+              <a:rPr lang="ko-KR" altLang="en-US" sz="900" dirty="0"/>
+              <a:t>버튼</a:t>
+            </a:r>
+          </a:p>
+        </p:txBody>
+      </p:sp>
+      <p:sp>
+        <p:nvSpPr>
+          <p:cNvPr id="22" name="모서리가 둥근 직사각형 123">
+            <a:extLst>
+              <a:ext uri="{FF2B5EF4-FFF2-40B4-BE49-F238E27FC236}">
+                <a16:creationId xmlns:a16="http://schemas.microsoft.com/office/drawing/2014/main" id="{8EDE5B8F-7E80-83BB-7EC2-FA90B7EC551B}"/>
+              </a:ext>
+            </a:extLst>
+          </p:cNvPr>
+          <p:cNvSpPr/>
+          <p:nvPr/>
+        </p:nvSpPr>
+        <p:spPr>
+          <a:xfrm>
+            <a:off x="460240" y="1293966"/>
+            <a:ext cx="149038" cy="144000"/>
+          </a:xfrm>
+          <a:prstGeom prst="roundRect">
+            <a:avLst/>
+          </a:prstGeom>
+          <a:solidFill>
+            <a:schemeClr val="accent6">
+              <a:lumMod val="75000"/>
+            </a:schemeClr>
+          </a:solidFill>
+          <a:ln>
+            <a:noFill/>
+          </a:ln>
+        </p:spPr>
+        <p:style>
+          <a:lnRef idx="2">
+            <a:schemeClr val="accent1">
+              <a:shade val="50000"/>
+            </a:schemeClr>
+          </a:lnRef>
+          <a:fillRef idx="1">
+            <a:schemeClr val="accent1"/>
+          </a:fillRef>
+          <a:effectRef idx="0">
+            <a:schemeClr val="accent1"/>
+          </a:effectRef>
+          <a:fontRef idx="minor">
+            <a:schemeClr val="lt1"/>
+          </a:fontRef>
+        </p:style>
+        <p:txBody>
+          <a:bodyPr lIns="0" rIns="0" rtlCol="0" anchor="ctr"/>
+          <a:lstStyle/>
+          <a:p>
+            <a:pPr algn="ctr"/>
+            <a:r>
+              <a:rPr lang="en-US" altLang="ko-KR" sz="1050" b="1" dirty="0"/>
+              <a:t>2</a:t>
+            </a:r>
+            <a:endParaRPr lang="ko-KR" altLang="en-US" sz="1050" b="1" dirty="0"/>
+          </a:p>
+        </p:txBody>
+      </p:sp>
+      <p:sp>
+        <p:nvSpPr>
+          <p:cNvPr id="23" name="모서리가 둥근 직사각형 123">
+            <a:extLst>
+              <a:ext uri="{FF2B5EF4-FFF2-40B4-BE49-F238E27FC236}">
+                <a16:creationId xmlns:a16="http://schemas.microsoft.com/office/drawing/2014/main" id="{E6B0C9CF-04E5-5B72-5954-D0542D4CAA2C}"/>
+              </a:ext>
+            </a:extLst>
+          </p:cNvPr>
+          <p:cNvSpPr/>
+          <p:nvPr/>
+        </p:nvSpPr>
+        <p:spPr>
+          <a:xfrm>
+            <a:off x="2436107" y="4119938"/>
+            <a:ext cx="144000" cy="144000"/>
+          </a:xfrm>
+          <a:prstGeom prst="roundRect">
+            <a:avLst/>
+          </a:prstGeom>
+          <a:solidFill>
+            <a:schemeClr val="accent6">
+              <a:lumMod val="75000"/>
+            </a:schemeClr>
+          </a:solidFill>
+          <a:ln>
+            <a:noFill/>
+          </a:ln>
+        </p:spPr>
+        <p:style>
+          <a:lnRef idx="2">
+            <a:schemeClr val="accent1">
+              <a:shade val="50000"/>
+            </a:schemeClr>
+          </a:lnRef>
+          <a:fillRef idx="1">
+            <a:schemeClr val="accent1"/>
+          </a:fillRef>
+          <a:effectRef idx="0">
+            <a:schemeClr val="accent1"/>
+          </a:effectRef>
+          <a:fontRef idx="minor">
+            <a:schemeClr val="lt1"/>
+          </a:fontRef>
+        </p:style>
+        <p:txBody>
+          <a:bodyPr lIns="0" rIns="0" rtlCol="0" anchor="ctr"/>
+          <a:lstStyle/>
+          <a:p>
+            <a:pPr algn="ctr"/>
+            <a:r>
+              <a:rPr lang="en-US" altLang="ko-KR" sz="1050" b="1" dirty="0"/>
+              <a:t>3</a:t>
+            </a:r>
+            <a:endParaRPr lang="ko-KR" altLang="en-US" sz="1050" b="1" dirty="0"/>
+          </a:p>
+        </p:txBody>
+      </p:sp>
+      <p:sp>
+        <p:nvSpPr>
+          <p:cNvPr id="27" name="텍스트 개체 틀 26">
+            <a:extLst>
+              <a:ext uri="{FF2B5EF4-FFF2-40B4-BE49-F238E27FC236}">
+                <a16:creationId xmlns:a16="http://schemas.microsoft.com/office/drawing/2014/main" id="{6914E6F2-379A-08EA-1813-B36D5C19C63C}"/>
+              </a:ext>
+            </a:extLst>
+          </p:cNvPr>
+          <p:cNvSpPr>
+            <a:spLocks noGrp="1"/>
+          </p:cNvSpPr>
+          <p:nvPr>
+            <p:ph type="body" sz="quarter" idx="11"/>
+          </p:nvPr>
+        </p:nvSpPr>
+        <p:spPr>
+          <a:xfrm>
+            <a:off x="150592" y="-8888"/>
+            <a:ext cx="1007790" cy="287486"/>
+          </a:xfrm>
+        </p:spPr>
+        <p:txBody>
+          <a:bodyPr/>
+          <a:lstStyle/>
+          <a:p>
+            <a:r>
+              <a:rPr lang="ko-KR" altLang="en-US" sz="800">
+                <a:solidFill>
+                  <a:schemeClr val="tx1"/>
+                </a:solidFill>
+                <a:highlight>
+                  <a:srgbClr val="FFFF00"/>
+                </a:highlight>
+              </a:rPr>
+              <a:t>모임 생성</a:t>
+            </a:r>
+            <a:r>
+              <a:rPr lang="en-US" altLang="ko-KR" sz="800">
+                <a:solidFill>
+                  <a:schemeClr val="tx1"/>
+                </a:solidFill>
+                <a:highlight>
+                  <a:srgbClr val="FFFF00"/>
+                </a:highlight>
+              </a:rPr>
+              <a:t>-2</a:t>
+            </a:r>
+          </a:p>
+          <a:p>
+            <a:r>
+              <a:rPr lang="en-US" altLang="ko-KR" sz="800">
+                <a:solidFill>
+                  <a:schemeClr val="tx1"/>
+                </a:solidFill>
+                <a:highlight>
+                  <a:srgbClr val="FFFF00"/>
+                </a:highlight>
+              </a:rPr>
+              <a:t>CreateMoim</a:t>
+            </a:r>
+            <a:endParaRPr lang="ko-KR" altLang="en-US" sz="800" dirty="0">
+              <a:solidFill>
+                <a:schemeClr val="tx1"/>
+              </a:solidFill>
+              <a:highlight>
+                <a:srgbClr val="FFFF00"/>
+              </a:highlight>
+            </a:endParaRPr>
+          </a:p>
+        </p:txBody>
+      </p:sp>
+      <p:sp>
+        <p:nvSpPr>
+          <p:cNvPr id="3" name="사각형: 둥근 모서리 2">
+            <a:extLst>
+              <a:ext uri="{FF2B5EF4-FFF2-40B4-BE49-F238E27FC236}">
+                <a16:creationId xmlns:a16="http://schemas.microsoft.com/office/drawing/2014/main" id="{846F58BC-6478-268D-7691-8C7D1BAC0F19}"/>
+              </a:ext>
+            </a:extLst>
+          </p:cNvPr>
+          <p:cNvSpPr/>
+          <p:nvPr/>
+        </p:nvSpPr>
+        <p:spPr>
+          <a:xfrm>
+            <a:off x="536881" y="1746842"/>
+            <a:ext cx="2310353" cy="219266"/>
+          </a:xfrm>
+          <a:prstGeom prst="roundRect">
+            <a:avLst>
+              <a:gd name="adj" fmla="val 48995"/>
+            </a:avLst>
+          </a:prstGeom>
+          <a:noFill/>
+          <a:ln>
+            <a:solidFill>
+              <a:schemeClr val="tx1"/>
+            </a:solidFill>
+          </a:ln>
+        </p:spPr>
+        <p:style>
+          <a:lnRef idx="2">
+            <a:schemeClr val="accent6">
+              <a:shade val="15000"/>
+            </a:schemeClr>
+          </a:lnRef>
+          <a:fillRef idx="1">
+            <a:schemeClr val="accent6"/>
+          </a:fillRef>
+          <a:effectRef idx="0">
+            <a:schemeClr val="accent6"/>
+          </a:effectRef>
+          <a:fontRef idx="minor">
+            <a:schemeClr val="lt1"/>
+          </a:fontRef>
+        </p:style>
+        <p:txBody>
+          <a:bodyPr rtlCol="0" anchor="ctr"/>
+          <a:lstStyle/>
+          <a:p>
+            <a:pPr algn="ctr"/>
+            <a:endParaRPr lang="ko-KR" altLang="en-US"/>
+          </a:p>
+        </p:txBody>
+      </p:sp>
+      <p:sp>
+        <p:nvSpPr>
+          <p:cNvPr id="4" name="사각형: 둥근 모서리 3">
+            <a:extLst>
+              <a:ext uri="{FF2B5EF4-FFF2-40B4-BE49-F238E27FC236}">
+                <a16:creationId xmlns:a16="http://schemas.microsoft.com/office/drawing/2014/main" id="{7458EE6F-9869-EB10-BB61-B851146EFA7E}"/>
+              </a:ext>
+            </a:extLst>
+          </p:cNvPr>
+          <p:cNvSpPr/>
+          <p:nvPr/>
+        </p:nvSpPr>
+        <p:spPr>
+          <a:xfrm>
+            <a:off x="551821" y="2359552"/>
+            <a:ext cx="2310353" cy="932278"/>
+          </a:xfrm>
+          <a:prstGeom prst="roundRect">
+            <a:avLst/>
+          </a:prstGeom>
+          <a:noFill/>
+          <a:ln>
+            <a:solidFill>
+              <a:schemeClr val="tx1"/>
+            </a:solidFill>
+          </a:ln>
+        </p:spPr>
+        <p:style>
+          <a:lnRef idx="2">
+            <a:schemeClr val="accent6">
+              <a:shade val="15000"/>
+            </a:schemeClr>
+          </a:lnRef>
+          <a:fillRef idx="1">
+            <a:schemeClr val="accent6"/>
+          </a:fillRef>
+          <a:effectRef idx="0">
+            <a:schemeClr val="accent6"/>
+          </a:effectRef>
+          <a:fontRef idx="minor">
+            <a:schemeClr val="lt1"/>
+          </a:fontRef>
+        </p:style>
+        <p:txBody>
+          <a:bodyPr rtlCol="0" anchor="ctr"/>
+          <a:lstStyle/>
+          <a:p>
+            <a:pPr algn="ctr"/>
+            <a:endParaRPr lang="ko-KR" altLang="en-US">
+              <a:solidFill>
+                <a:schemeClr val="tx1"/>
+              </a:solidFill>
+            </a:endParaRPr>
+          </a:p>
+        </p:txBody>
+      </p:sp>
+      <p:sp>
+        <p:nvSpPr>
+          <p:cNvPr id="5" name="직사각형 4">
+            <a:extLst>
+              <a:ext uri="{FF2B5EF4-FFF2-40B4-BE49-F238E27FC236}">
+                <a16:creationId xmlns:a16="http://schemas.microsoft.com/office/drawing/2014/main" id="{66DD7E5A-5548-5EDF-A419-A349EB1522E8}"/>
+              </a:ext>
+            </a:extLst>
+          </p:cNvPr>
+          <p:cNvSpPr/>
+          <p:nvPr/>
+        </p:nvSpPr>
+        <p:spPr>
+          <a:xfrm>
+            <a:off x="3859706" y="1117351"/>
+            <a:ext cx="2824261" cy="2822551"/>
+          </a:xfrm>
+          <a:prstGeom prst="rect">
+            <a:avLst/>
+          </a:prstGeom>
+          <a:noFill/>
+          <a:ln w="25400">
+            <a:solidFill>
+              <a:schemeClr val="tx1"/>
+            </a:solidFill>
+          </a:ln>
+          <a:effectLst>
+            <a:softEdge rad="12700"/>
+          </a:effectLst>
+        </p:spPr>
+        <p:style>
+          <a:lnRef idx="2">
+            <a:schemeClr val="dk1"/>
+          </a:lnRef>
+          <a:fillRef idx="1">
+            <a:schemeClr val="lt1"/>
+          </a:fillRef>
+          <a:effectRef idx="0">
+            <a:schemeClr val="dk1"/>
+          </a:effectRef>
+          <a:fontRef idx="minor">
+            <a:schemeClr val="dk1"/>
+          </a:fontRef>
+        </p:style>
+        <p:txBody>
+          <a:bodyPr rtlCol="0" anchor="ctr"/>
+          <a:lstStyle/>
+          <a:p>
+            <a:pPr algn="ctr"/>
+            <a:endParaRPr lang="ko-KR" altLang="en-US" dirty="0">
+              <a:ln w="0"/>
+              <a:solidFill>
+                <a:schemeClr val="tx1"/>
+              </a:solidFill>
+              <a:effectLst>
+                <a:outerShdw blurRad="38100" dist="19050" dir="2700000" algn="tl" rotWithShape="0">
+                  <a:schemeClr val="dk1">
+                    <a:alpha val="40000"/>
+                  </a:schemeClr>
+                </a:outerShdw>
+              </a:effectLst>
+              <a:latin typeface="+mn-ea"/>
+              <a:ea typeface="+mn-ea"/>
+            </a:endParaRPr>
+          </a:p>
+        </p:txBody>
+      </p:sp>
+      <p:sp>
+        <p:nvSpPr>
+          <p:cNvPr id="7" name="사각형: 둥근 모서리 6">
+            <a:extLst>
+              <a:ext uri="{FF2B5EF4-FFF2-40B4-BE49-F238E27FC236}">
+                <a16:creationId xmlns:a16="http://schemas.microsoft.com/office/drawing/2014/main" id="{AC1B9989-1470-95F8-3B59-EC676CAC51F1}"/>
+              </a:ext>
+            </a:extLst>
+          </p:cNvPr>
+          <p:cNvSpPr/>
+          <p:nvPr/>
+        </p:nvSpPr>
+        <p:spPr>
+          <a:xfrm>
+            <a:off x="4129875" y="1454056"/>
+            <a:ext cx="2304002" cy="2183006"/>
+          </a:xfrm>
+          <a:prstGeom prst="roundRect">
+            <a:avLst/>
+          </a:prstGeom>
+          <a:noFill/>
+          <a:ln>
+            <a:solidFill>
+              <a:schemeClr val="tx1"/>
+            </a:solidFill>
+          </a:ln>
+        </p:spPr>
+        <p:style>
+          <a:lnRef idx="2">
+            <a:schemeClr val="accent6">
+              <a:shade val="15000"/>
+            </a:schemeClr>
+          </a:lnRef>
+          <a:fillRef idx="1">
+            <a:schemeClr val="accent6"/>
+          </a:fillRef>
+          <a:effectRef idx="0">
+            <a:schemeClr val="accent6"/>
+          </a:effectRef>
+          <a:fontRef idx="minor">
+            <a:schemeClr val="lt1"/>
+          </a:fontRef>
+        </p:style>
+        <p:txBody>
+          <a:bodyPr rtlCol="0" anchor="ctr"/>
+          <a:lstStyle/>
+          <a:p>
+            <a:pPr algn="ctr"/>
+            <a:endParaRPr lang="ko-KR" altLang="en-US"/>
+          </a:p>
+        </p:txBody>
+      </p:sp>
+      <p:sp>
+        <p:nvSpPr>
+          <p:cNvPr id="8" name="TextBox 7">
+            <a:extLst>
+              <a:ext uri="{FF2B5EF4-FFF2-40B4-BE49-F238E27FC236}">
+                <a16:creationId xmlns:a16="http://schemas.microsoft.com/office/drawing/2014/main" id="{E8B86F01-AD3F-399D-D964-D9E1F2EECD16}"/>
+              </a:ext>
+            </a:extLst>
+          </p:cNvPr>
+          <p:cNvSpPr txBox="1"/>
+          <p:nvPr/>
+        </p:nvSpPr>
+        <p:spPr>
+          <a:xfrm>
+            <a:off x="4205601" y="1938358"/>
+            <a:ext cx="2153365" cy="584775"/>
+          </a:xfrm>
+          <a:prstGeom prst="rect">
+            <a:avLst/>
+          </a:prstGeom>
+          <a:noFill/>
+        </p:spPr>
+        <p:txBody>
+          <a:bodyPr wrap="square" rtlCol="0">
+            <a:spAutoFit/>
+          </a:bodyPr>
+          <a:lstStyle/>
+          <a:p>
+            <a:r>
+              <a:rPr lang="ko-KR" altLang="en-US" sz="800" dirty="0"/>
+              <a:t>모임이 개설 되는 과장에 대한 설명</a:t>
+            </a:r>
+            <a:endParaRPr lang="en-US" altLang="ko-KR" sz="800" dirty="0"/>
+          </a:p>
+          <a:p>
+            <a:pPr marL="228600" indent="-228600">
+              <a:buAutoNum type="arabicPeriod"/>
+            </a:pPr>
+            <a:r>
+              <a:rPr lang="ko-KR" altLang="en-US" sz="800" dirty="0"/>
+              <a:t>모임 생성 신청</a:t>
+            </a:r>
+            <a:endParaRPr lang="en-US" altLang="ko-KR" sz="800" dirty="0"/>
+          </a:p>
+          <a:p>
+            <a:pPr marL="228600" indent="-228600">
+              <a:buAutoNum type="arabicPeriod"/>
+            </a:pPr>
+            <a:r>
+              <a:rPr lang="ko-KR" altLang="en-US" sz="800" dirty="0"/>
+              <a:t>모임 생성에 대한 관리자의 승인여부</a:t>
+            </a:r>
+            <a:endParaRPr lang="en-US" altLang="ko-KR" sz="800" dirty="0"/>
+          </a:p>
+          <a:p>
+            <a:pPr marL="228600" indent="-228600">
+              <a:buAutoNum type="arabicPeriod"/>
+            </a:pPr>
+            <a:r>
+              <a:rPr lang="ko-KR" altLang="en-US" sz="800" dirty="0"/>
+              <a:t>모임 생성</a:t>
+            </a:r>
+            <a:endParaRPr lang="en-US" altLang="ko-KR" sz="800" dirty="0"/>
+          </a:p>
+        </p:txBody>
+      </p:sp>
+      <p:sp>
+        <p:nvSpPr>
+          <p:cNvPr id="12" name="모서리가 둥근 직사각형 123">
+            <a:extLst>
+              <a:ext uri="{FF2B5EF4-FFF2-40B4-BE49-F238E27FC236}">
+                <a16:creationId xmlns:a16="http://schemas.microsoft.com/office/drawing/2014/main" id="{20CF8969-CA67-2124-E940-82507A105E93}"/>
+              </a:ext>
+            </a:extLst>
+          </p:cNvPr>
+          <p:cNvSpPr/>
+          <p:nvPr/>
+        </p:nvSpPr>
+        <p:spPr>
+          <a:xfrm>
+            <a:off x="4300044" y="1585232"/>
+            <a:ext cx="148629" cy="144000"/>
+          </a:xfrm>
+          <a:prstGeom prst="roundRect">
+            <a:avLst/>
+          </a:prstGeom>
+          <a:solidFill>
+            <a:schemeClr val="accent6">
+              <a:lumMod val="75000"/>
+            </a:schemeClr>
+          </a:solidFill>
+          <a:ln>
+            <a:noFill/>
+          </a:ln>
+        </p:spPr>
+        <p:style>
+          <a:lnRef idx="2">
+            <a:schemeClr val="accent1">
+              <a:shade val="50000"/>
+            </a:schemeClr>
+          </a:lnRef>
+          <a:fillRef idx="1">
+            <a:schemeClr val="accent1"/>
+          </a:fillRef>
+          <a:effectRef idx="0">
+            <a:schemeClr val="accent1"/>
+          </a:effectRef>
+          <a:fontRef idx="minor">
+            <a:schemeClr val="lt1"/>
+          </a:fontRef>
+        </p:style>
+        <p:txBody>
+          <a:bodyPr lIns="0" rIns="0" rtlCol="0" anchor="ctr"/>
+          <a:lstStyle/>
+          <a:p>
+            <a:pPr algn="ctr"/>
+            <a:r>
+              <a:rPr lang="en-US" altLang="ko-KR" sz="1050" b="1" dirty="0"/>
+              <a:t>4</a:t>
+            </a:r>
+            <a:endParaRPr lang="ko-KR" altLang="en-US" sz="1050" b="1" dirty="0"/>
+          </a:p>
+        </p:txBody>
+      </p:sp>
+      <p:cxnSp>
+        <p:nvCxnSpPr>
+          <p:cNvPr id="25" name="직선 연결선 24">
+            <a:extLst>
+              <a:ext uri="{FF2B5EF4-FFF2-40B4-BE49-F238E27FC236}">
+                <a16:creationId xmlns:a16="http://schemas.microsoft.com/office/drawing/2014/main" id="{EBF5CD30-77F8-A0F7-FB31-9E9265E59C19}"/>
+              </a:ext>
+            </a:extLst>
+          </p:cNvPr>
+          <p:cNvCxnSpPr>
+            <a:cxnSpLocks/>
+          </p:cNvCxnSpPr>
+          <p:nvPr/>
+        </p:nvCxnSpPr>
+        <p:spPr>
+          <a:xfrm>
+            <a:off x="3491880" y="987574"/>
+            <a:ext cx="0" cy="2952328"/>
+          </a:xfrm>
+          <a:prstGeom prst="line">
+            <a:avLst/>
+          </a:prstGeom>
+          <a:ln w="12700">
+            <a:solidFill>
+              <a:schemeClr val="bg1">
+                <a:lumMod val="95000"/>
+              </a:schemeClr>
+            </a:solidFill>
+            <a:prstDash val="dash"/>
+          </a:ln>
+        </p:spPr>
+        <p:style>
+          <a:lnRef idx="1">
+            <a:schemeClr val="accent1"/>
+          </a:lnRef>
+          <a:fillRef idx="0">
+            <a:schemeClr val="accent1"/>
+          </a:fillRef>
+          <a:effectRef idx="0">
+            <a:schemeClr val="accent1"/>
+          </a:effectRef>
+          <a:fontRef idx="minor">
+            <a:schemeClr val="tx1"/>
+          </a:fontRef>
+        </p:style>
+      </p:cxnSp>
+      <p:sp>
+        <p:nvSpPr>
+          <p:cNvPr id="29" name="사각형: 둥근 모서리 28">
+            <a:extLst>
+              <a:ext uri="{FF2B5EF4-FFF2-40B4-BE49-F238E27FC236}">
+                <a16:creationId xmlns:a16="http://schemas.microsoft.com/office/drawing/2014/main" id="{E2C0FDFB-81B4-75AC-5640-0ACA80A514B1}"/>
+              </a:ext>
+            </a:extLst>
+          </p:cNvPr>
+          <p:cNvSpPr/>
+          <p:nvPr/>
+        </p:nvSpPr>
+        <p:spPr>
+          <a:xfrm>
+            <a:off x="544686" y="2046537"/>
+            <a:ext cx="2310353" cy="219266"/>
+          </a:xfrm>
+          <a:prstGeom prst="roundRect">
+            <a:avLst>
+              <a:gd name="adj" fmla="val 48995"/>
+            </a:avLst>
+          </a:prstGeom>
+          <a:noFill/>
+          <a:ln>
+            <a:solidFill>
+              <a:schemeClr val="tx1"/>
+            </a:solidFill>
+          </a:ln>
+        </p:spPr>
+        <p:style>
+          <a:lnRef idx="2">
+            <a:schemeClr val="accent6">
+              <a:shade val="15000"/>
+            </a:schemeClr>
+          </a:lnRef>
+          <a:fillRef idx="1">
+            <a:schemeClr val="accent6"/>
+          </a:fillRef>
+          <a:effectRef idx="0">
+            <a:schemeClr val="accent6"/>
+          </a:effectRef>
+          <a:fontRef idx="minor">
+            <a:schemeClr val="lt1"/>
+          </a:fontRef>
+        </p:style>
+        <p:txBody>
+          <a:bodyPr rtlCol="0" anchor="ctr"/>
+          <a:lstStyle/>
+          <a:p>
+            <a:pPr algn="ctr"/>
+            <a:endParaRPr lang="ko-KR" altLang="en-US"/>
+          </a:p>
+        </p:txBody>
+      </p:sp>
+      <p:sp>
+        <p:nvSpPr>
+          <p:cNvPr id="30" name="사각형: 둥근 모서리 29">
+            <a:extLst>
+              <a:ext uri="{FF2B5EF4-FFF2-40B4-BE49-F238E27FC236}">
+                <a16:creationId xmlns:a16="http://schemas.microsoft.com/office/drawing/2014/main" id="{7D747C5D-A61A-08A0-A140-9E7F8A501A48}"/>
+              </a:ext>
+            </a:extLst>
+          </p:cNvPr>
+          <p:cNvSpPr/>
+          <p:nvPr/>
+        </p:nvSpPr>
+        <p:spPr>
+          <a:xfrm>
+            <a:off x="544686" y="1433827"/>
+            <a:ext cx="2310353" cy="219266"/>
+          </a:xfrm>
+          <a:prstGeom prst="roundRect">
+            <a:avLst>
+              <a:gd name="adj" fmla="val 48995"/>
+            </a:avLst>
+          </a:prstGeom>
+          <a:noFill/>
+          <a:ln>
+            <a:solidFill>
+              <a:schemeClr val="tx1"/>
+            </a:solidFill>
+          </a:ln>
+        </p:spPr>
+        <p:style>
+          <a:lnRef idx="2">
+            <a:schemeClr val="accent6">
+              <a:shade val="15000"/>
+            </a:schemeClr>
+          </a:lnRef>
+          <a:fillRef idx="1">
+            <a:schemeClr val="accent6"/>
+          </a:fillRef>
+          <a:effectRef idx="0">
+            <a:schemeClr val="accent6"/>
+          </a:effectRef>
+          <a:fontRef idx="minor">
+            <a:schemeClr val="lt1"/>
+          </a:fontRef>
+        </p:style>
+        <p:txBody>
+          <a:bodyPr rtlCol="0" anchor="ctr"/>
+          <a:lstStyle/>
+          <a:p>
+            <a:pPr algn="ctr"/>
+            <a:endParaRPr lang="ko-KR" altLang="en-US">
+              <a:solidFill>
+                <a:schemeClr val="tx1"/>
+              </a:solidFill>
+            </a:endParaRPr>
+          </a:p>
+        </p:txBody>
+      </p:sp>
+      <p:sp>
+        <p:nvSpPr>
+          <p:cNvPr id="31" name="TextBox 30">
+            <a:extLst>
+              <a:ext uri="{FF2B5EF4-FFF2-40B4-BE49-F238E27FC236}">
+                <a16:creationId xmlns:a16="http://schemas.microsoft.com/office/drawing/2014/main" id="{40F682EB-9ED7-2CF1-57CD-1CA0FD6A8484}"/>
+              </a:ext>
+            </a:extLst>
+          </p:cNvPr>
+          <p:cNvSpPr txBox="1"/>
+          <p:nvPr/>
+        </p:nvSpPr>
+        <p:spPr>
+          <a:xfrm>
+            <a:off x="654040" y="1743343"/>
+            <a:ext cx="2159300" cy="215444"/>
+          </a:xfrm>
+          <a:prstGeom prst="rect">
+            <a:avLst/>
+          </a:prstGeom>
+          <a:noFill/>
+        </p:spPr>
+        <p:txBody>
+          <a:bodyPr wrap="square" rtlCol="0">
+            <a:spAutoFit/>
+          </a:bodyPr>
+          <a:lstStyle/>
+          <a:p>
+            <a:r>
+              <a:rPr lang="ko-KR" altLang="en-US" sz="800" dirty="0"/>
+              <a:t>모임 생성자 이름</a:t>
+            </a:r>
+            <a:endParaRPr lang="en-US" altLang="ko-KR" sz="800" dirty="0"/>
+          </a:p>
+        </p:txBody>
+      </p:sp>
+      <p:sp>
+        <p:nvSpPr>
+          <p:cNvPr id="33" name="TextBox 32">
+            <a:extLst>
+              <a:ext uri="{FF2B5EF4-FFF2-40B4-BE49-F238E27FC236}">
+                <a16:creationId xmlns:a16="http://schemas.microsoft.com/office/drawing/2014/main" id="{9E530E58-C0E9-9F2F-5DCC-8448BA6AF0AD}"/>
+              </a:ext>
+            </a:extLst>
+          </p:cNvPr>
+          <p:cNvSpPr txBox="1"/>
+          <p:nvPr/>
+        </p:nvSpPr>
+        <p:spPr>
+          <a:xfrm>
+            <a:off x="624795" y="2046537"/>
+            <a:ext cx="2159300" cy="215444"/>
+          </a:xfrm>
+          <a:prstGeom prst="rect">
+            <a:avLst/>
+          </a:prstGeom>
+          <a:noFill/>
+        </p:spPr>
+        <p:txBody>
+          <a:bodyPr wrap="square" rtlCol="0">
+            <a:spAutoFit/>
+          </a:bodyPr>
+          <a:lstStyle/>
+          <a:p>
+            <a:r>
+              <a:rPr lang="ko-KR" altLang="en-US" sz="800" dirty="0"/>
+              <a:t>모임 생성자 소개</a:t>
+            </a:r>
+            <a:endParaRPr lang="en-US" altLang="ko-KR" sz="800" dirty="0"/>
+          </a:p>
+        </p:txBody>
+      </p:sp>
+      <p:sp>
+        <p:nvSpPr>
+          <p:cNvPr id="35" name="TextBox 34">
+            <a:extLst>
+              <a:ext uri="{FF2B5EF4-FFF2-40B4-BE49-F238E27FC236}">
+                <a16:creationId xmlns:a16="http://schemas.microsoft.com/office/drawing/2014/main" id="{03700661-7FC0-64AA-B0BE-60831ED1E678}"/>
+              </a:ext>
+            </a:extLst>
+          </p:cNvPr>
+          <p:cNvSpPr txBox="1"/>
+          <p:nvPr/>
+        </p:nvSpPr>
+        <p:spPr>
+          <a:xfrm>
+            <a:off x="599623" y="2443803"/>
+            <a:ext cx="2159300" cy="215444"/>
+          </a:xfrm>
+          <a:prstGeom prst="rect">
+            <a:avLst/>
+          </a:prstGeom>
+          <a:noFill/>
+        </p:spPr>
+        <p:txBody>
+          <a:bodyPr wrap="square" rtlCol="0">
+            <a:spAutoFit/>
+          </a:bodyPr>
+          <a:lstStyle/>
+          <a:p>
+            <a:r>
+              <a:rPr lang="ko-KR" altLang="en-US" sz="800" dirty="0"/>
+              <a:t>모임 생성 목적</a:t>
+            </a:r>
+            <a:r>
+              <a:rPr lang="en-US" altLang="ko-KR" sz="800" dirty="0"/>
+              <a:t> </a:t>
+            </a:r>
+          </a:p>
+        </p:txBody>
+      </p:sp>
+      <p:sp>
+        <p:nvSpPr>
+          <p:cNvPr id="39" name="사각형: 둥근 모서리 38">
+            <a:extLst>
+              <a:ext uri="{FF2B5EF4-FFF2-40B4-BE49-F238E27FC236}">
+                <a16:creationId xmlns:a16="http://schemas.microsoft.com/office/drawing/2014/main" id="{4B3FB2F2-26E0-94F4-ECD4-9C5FE1D59BA0}"/>
+              </a:ext>
+            </a:extLst>
+          </p:cNvPr>
+          <p:cNvSpPr/>
+          <p:nvPr/>
+        </p:nvSpPr>
+        <p:spPr>
+          <a:xfrm>
+            <a:off x="249495" y="306922"/>
+            <a:ext cx="6432447" cy="525650"/>
+          </a:xfrm>
+          <a:prstGeom prst="roundRect">
+            <a:avLst/>
+          </a:prstGeom>
+        </p:spPr>
+        <p:style>
+          <a:lnRef idx="2">
+            <a:schemeClr val="dk1"/>
+          </a:lnRef>
+          <a:fillRef idx="1">
+            <a:schemeClr val="lt1"/>
+          </a:fillRef>
+          <a:effectRef idx="0">
+            <a:schemeClr val="dk1"/>
+          </a:effectRef>
+          <a:fontRef idx="minor">
+            <a:schemeClr val="dk1"/>
+          </a:fontRef>
+        </p:style>
+        <p:txBody>
+          <a:bodyPr rtlCol="0" anchor="ctr"/>
+          <a:lstStyle/>
+          <a:p>
+            <a:pPr algn="ctr"/>
+            <a:r>
+              <a:rPr lang="en-US" altLang="ko-KR" dirty="0"/>
+              <a:t>header</a:t>
+            </a:r>
+            <a:endParaRPr lang="ko-KR" altLang="en-US" dirty="0"/>
+          </a:p>
+        </p:txBody>
+      </p:sp>
+      <p:sp>
+        <p:nvSpPr>
+          <p:cNvPr id="40" name="사각형: 둥근 모서리 39">
+            <a:extLst>
+              <a:ext uri="{FF2B5EF4-FFF2-40B4-BE49-F238E27FC236}">
+                <a16:creationId xmlns:a16="http://schemas.microsoft.com/office/drawing/2014/main" id="{B7913616-5DEE-D65C-BAD9-A6D136E3FD6B}"/>
+              </a:ext>
+            </a:extLst>
+          </p:cNvPr>
+          <p:cNvSpPr/>
+          <p:nvPr/>
+        </p:nvSpPr>
+        <p:spPr>
+          <a:xfrm>
+            <a:off x="249495" y="4731990"/>
+            <a:ext cx="6432447" cy="300182"/>
+          </a:xfrm>
+          <a:prstGeom prst="roundRect">
+            <a:avLst/>
+          </a:prstGeom>
+        </p:spPr>
+        <p:style>
+          <a:lnRef idx="2">
+            <a:schemeClr val="dk1"/>
+          </a:lnRef>
+          <a:fillRef idx="1">
+            <a:schemeClr val="lt1"/>
+          </a:fillRef>
+          <a:effectRef idx="0">
+            <a:schemeClr val="dk1"/>
+          </a:effectRef>
+          <a:fontRef idx="minor">
+            <a:schemeClr val="dk1"/>
+          </a:fontRef>
+        </p:style>
+        <p:txBody>
+          <a:bodyPr rtlCol="0" anchor="ctr"/>
+          <a:lstStyle/>
+          <a:p>
+            <a:pPr algn="ctr"/>
+            <a:r>
+              <a:rPr lang="en-US" altLang="ko-KR" dirty="0"/>
+              <a:t>text</a:t>
+            </a:r>
+            <a:endParaRPr lang="ko-KR" altLang="en-US" dirty="0"/>
+          </a:p>
+        </p:txBody>
+      </p:sp>
+    </p:spTree>
+    <p:extLst>
+      <p:ext uri="{BB962C8B-B14F-4D97-AF65-F5344CB8AC3E}">
+        <p14:creationId xmlns:p14="http://schemas.microsoft.com/office/powerpoint/2010/main" val="1080383921"/>
+      </p:ext>
+    </p:extLst>
+  </p:cSld>
+  <p:clrMapOvr>
+    <a:masterClrMapping/>
+  </p:clrMapOvr>
+</p:sld>
+</file>
+
+<file path=ppt/slides/slide3.xml><?xml version="1.0" encoding="utf-8"?>
+<p:sld xmlns:a="http://schemas.openxmlformats.org/drawingml/2006/main" xmlns:r="http://schemas.openxmlformats.org/officeDocument/2006/relationships" xmlns:p="http://schemas.openxmlformats.org/presentationml/2006/main">
+  <p:cSld>
+    <p:spTree>
+      <p:nvGrpSpPr>
+        <p:cNvPr id="1" name="">
+          <a:extLst>
+            <a:ext uri="{FF2B5EF4-FFF2-40B4-BE49-F238E27FC236}">
+              <a16:creationId xmlns:a16="http://schemas.microsoft.com/office/drawing/2014/main" id="{DC6EDA1F-6BC5-6298-8B94-238218E5BA1E}"/>
+            </a:ext>
+          </a:extLst>
+        </p:cNvPr>
+        <p:cNvGrpSpPr/>
+        <p:nvPr/>
+      </p:nvGrpSpPr>
+      <p:grpSpPr>
+        <a:xfrm>
+          <a:off x="0" y="0"/>
+          <a:ext cx="0" cy="0"/>
+          <a:chOff x="0" y="0"/>
+          <a:chExt cx="0" cy="0"/>
+        </a:xfrm>
+      </p:grpSpPr>
+      <p:sp>
+        <p:nvSpPr>
+          <p:cNvPr id="47" name="직사각형 46">
+            <a:extLst>
+              <a:ext uri="{FF2B5EF4-FFF2-40B4-BE49-F238E27FC236}">
+                <a16:creationId xmlns:a16="http://schemas.microsoft.com/office/drawing/2014/main" id="{491B506B-6EA4-26A0-B46B-74C17A408788}"/>
+              </a:ext>
+            </a:extLst>
+          </p:cNvPr>
+          <p:cNvSpPr/>
+          <p:nvPr/>
+        </p:nvSpPr>
+        <p:spPr>
+          <a:xfrm>
+            <a:off x="299793" y="1117351"/>
+            <a:ext cx="2832045" cy="2822551"/>
+          </a:xfrm>
+          <a:prstGeom prst="rect">
+            <a:avLst/>
+          </a:prstGeom>
+          <a:noFill/>
+          <a:ln w="25400">
+            <a:solidFill>
+              <a:schemeClr val="tx1"/>
+            </a:solidFill>
+          </a:ln>
+          <a:effectLst>
+            <a:softEdge rad="12700"/>
+          </a:effectLst>
+        </p:spPr>
+        <p:style>
+          <a:lnRef idx="2">
+            <a:schemeClr val="dk1"/>
+          </a:lnRef>
+          <a:fillRef idx="1">
+            <a:schemeClr val="lt1"/>
+          </a:fillRef>
+          <a:effectRef idx="0">
+            <a:schemeClr val="dk1"/>
+          </a:effectRef>
+          <a:fontRef idx="minor">
+            <a:schemeClr val="dk1"/>
+          </a:fontRef>
+        </p:style>
+        <p:txBody>
+          <a:bodyPr rtlCol="0" anchor="ctr"/>
+          <a:lstStyle/>
+          <a:p>
+            <a:pPr algn="ctr"/>
+            <a:endParaRPr lang="ko-KR" altLang="en-US" dirty="0">
+              <a:ln w="0"/>
+              <a:solidFill>
+                <a:schemeClr val="tx1"/>
+              </a:solidFill>
+              <a:effectLst>
+                <a:outerShdw blurRad="38100" dist="19050" dir="2700000" algn="tl" rotWithShape="0">
+                  <a:schemeClr val="dk1">
+                    <a:alpha val="40000"/>
+                  </a:schemeClr>
+                </a:outerShdw>
+              </a:effectLst>
+              <a:latin typeface="+mn-ea"/>
+              <a:ea typeface="+mn-ea"/>
+            </a:endParaRPr>
+          </a:p>
+        </p:txBody>
+      </p:sp>
+      <p:sp>
+        <p:nvSpPr>
+          <p:cNvPr id="32" name="텍스트 개체 틀 31">
+            <a:extLst>
+              <a:ext uri="{FF2B5EF4-FFF2-40B4-BE49-F238E27FC236}">
+                <a16:creationId xmlns:a16="http://schemas.microsoft.com/office/drawing/2014/main" id="{5E2905ED-738C-C556-307E-375A30EF24E7}"/>
+              </a:ext>
+            </a:extLst>
+          </p:cNvPr>
+          <p:cNvSpPr>
+            <a:spLocks noGrp="1"/>
+          </p:cNvSpPr>
+          <p:nvPr>
+            <p:ph type="body" sz="quarter" idx="10"/>
+          </p:nvPr>
+        </p:nvSpPr>
+        <p:spPr/>
+        <p:txBody>
+          <a:bodyPr/>
+          <a:lstStyle/>
+          <a:p>
+            <a:r>
+              <a:rPr lang="ko-KR" altLang="en-US" sz="700" dirty="0"/>
+              <a:t>생성하려는 모임이 어느 카테고리에 </a:t>
+            </a:r>
+            <a:r>
+              <a:rPr lang="ko-KR" altLang="en-US" sz="700" dirty="0" err="1"/>
+              <a:t>속해있는지</a:t>
+            </a:r>
+            <a:r>
+              <a:rPr lang="ko-KR" altLang="en-US" sz="700" dirty="0"/>
+              <a:t> 선택하는 칸</a:t>
+            </a:r>
+            <a:endParaRPr lang="en-US" altLang="ko-KR" sz="700" dirty="0"/>
+          </a:p>
+          <a:p>
+            <a:r>
+              <a:rPr lang="ko-KR" altLang="en-US" sz="700" dirty="0"/>
+              <a:t>생성할 모임에 대한 </a:t>
+            </a:r>
+            <a:r>
+              <a:rPr lang="ko-KR" altLang="en-US" sz="700" dirty="0" err="1"/>
+              <a:t>정보칸</a:t>
+            </a:r>
+            <a:br>
+              <a:rPr lang="en-US" altLang="ko-KR" sz="700" dirty="0"/>
+            </a:br>
+            <a:r>
+              <a:rPr lang="en-US" altLang="ko-KR" sz="700" dirty="0"/>
+              <a:t>(</a:t>
+            </a:r>
+            <a:r>
+              <a:rPr lang="ko-KR" altLang="en-US" sz="700" dirty="0"/>
+              <a:t>모임이름</a:t>
+            </a:r>
+            <a:r>
+              <a:rPr lang="en-US" altLang="ko-KR" sz="700" dirty="0"/>
+              <a:t>, </a:t>
+            </a:r>
+            <a:r>
+              <a:rPr lang="ko-KR" altLang="en-US" sz="700" dirty="0"/>
+              <a:t>모임날짜와 시간</a:t>
+            </a:r>
+            <a:r>
+              <a:rPr lang="en-US" altLang="ko-KR" sz="700" dirty="0"/>
+              <a:t>, </a:t>
+            </a:r>
+            <a:r>
+              <a:rPr lang="ko-KR" altLang="en-US" sz="700" dirty="0"/>
+              <a:t>모이는 위치</a:t>
+            </a:r>
+            <a:br>
+              <a:rPr lang="en-US" altLang="ko-KR" sz="700" dirty="0"/>
+            </a:br>
+            <a:r>
+              <a:rPr lang="ko-KR" altLang="en-US" sz="700" dirty="0"/>
+              <a:t>모임 참가비용</a:t>
+            </a:r>
+            <a:br>
+              <a:rPr lang="en-US" altLang="ko-KR" sz="700" dirty="0"/>
+            </a:br>
+            <a:r>
+              <a:rPr lang="ko-KR" altLang="en-US" sz="700" dirty="0"/>
+              <a:t>모임 </a:t>
+            </a:r>
+            <a:r>
+              <a:rPr lang="ko-KR" altLang="en-US" sz="700" dirty="0" err="1"/>
+              <a:t>소개글</a:t>
+            </a:r>
+            <a:endParaRPr lang="en-US" altLang="ko-KR" sz="700" dirty="0"/>
+          </a:p>
+          <a:p>
+            <a:r>
+              <a:rPr lang="ko-KR" altLang="en-US" sz="700" dirty="0"/>
+              <a:t>이미지 업로드 버튼</a:t>
+            </a:r>
+            <a:br>
+              <a:rPr lang="en-US" altLang="ko-KR" sz="700" dirty="0"/>
+            </a:br>
+            <a:r>
+              <a:rPr lang="ko-KR" altLang="en-US" sz="700" dirty="0"/>
+              <a:t>파일 업로드 버튼</a:t>
+            </a:r>
+            <a:br>
+              <a:rPr lang="en-US" altLang="ko-KR" sz="700" dirty="0"/>
+            </a:br>
+            <a:r>
+              <a:rPr lang="ko-KR" altLang="en-US" sz="700" dirty="0"/>
+              <a:t>모임 </a:t>
+            </a:r>
+            <a:r>
+              <a:rPr lang="ko-KR" altLang="en-US" sz="700" dirty="0" err="1"/>
+              <a:t>소개글을</a:t>
+            </a:r>
+            <a:r>
+              <a:rPr lang="ko-KR" altLang="en-US" sz="700" dirty="0"/>
+              <a:t> 대표할 이미지 업로드 </a:t>
+            </a:r>
+            <a:endParaRPr lang="en-US" altLang="ko-KR" sz="700" dirty="0"/>
+          </a:p>
+          <a:p>
+            <a:r>
+              <a:rPr lang="ko-KR" altLang="en-US" sz="700" dirty="0"/>
+              <a:t>모임생성</a:t>
+            </a:r>
+            <a:r>
+              <a:rPr lang="en-US" altLang="ko-KR" sz="700" dirty="0"/>
+              <a:t>-1 </a:t>
+            </a:r>
+            <a:r>
+              <a:rPr lang="ko-KR" altLang="en-US" sz="700" dirty="0"/>
+              <a:t>부터 </a:t>
+            </a:r>
+            <a:r>
+              <a:rPr lang="ko-KR" altLang="en-US" sz="700" dirty="0" err="1"/>
+              <a:t>짷인</a:t>
+            </a:r>
+            <a:r>
+              <a:rPr lang="ko-KR" altLang="en-US" sz="700" dirty="0"/>
+              <a:t> 정보대로 모임 생성요청</a:t>
+            </a:r>
+            <a:br>
+              <a:rPr lang="en-US" altLang="ko-KR" sz="700" dirty="0"/>
+            </a:br>
+            <a:r>
+              <a:rPr lang="en-US" altLang="ko-KR" sz="700" dirty="0"/>
+              <a:t>(</a:t>
+            </a:r>
+            <a:r>
+              <a:rPr lang="ko-KR" altLang="en-US" sz="700" dirty="0"/>
+              <a:t>관리자에게</a:t>
+            </a:r>
+            <a:r>
+              <a:rPr lang="en-US" altLang="ko-KR" sz="700" dirty="0"/>
+              <a:t>)</a:t>
+            </a:r>
+          </a:p>
+          <a:p>
+            <a:endParaRPr lang="en-US" altLang="ko-KR" sz="700" dirty="0"/>
+          </a:p>
+        </p:txBody>
+      </p:sp>
+      <p:sp>
+        <p:nvSpPr>
+          <p:cNvPr id="77" name="TextBox 76">
+            <a:extLst>
+              <a:ext uri="{FF2B5EF4-FFF2-40B4-BE49-F238E27FC236}">
+                <a16:creationId xmlns:a16="http://schemas.microsoft.com/office/drawing/2014/main" id="{ECB2F072-A775-1B87-CEEE-E5EB91273186}"/>
+              </a:ext>
+            </a:extLst>
+          </p:cNvPr>
+          <p:cNvSpPr txBox="1"/>
+          <p:nvPr/>
+        </p:nvSpPr>
+        <p:spPr>
+          <a:xfrm>
+            <a:off x="5868144" y="306307"/>
+            <a:ext cx="712054" cy="184666"/>
+          </a:xfrm>
+          <a:prstGeom prst="rect">
+            <a:avLst/>
+          </a:prstGeom>
+          <a:noFill/>
+        </p:spPr>
+        <p:txBody>
+          <a:bodyPr wrap="none" rtlCol="0">
+            <a:spAutoFit/>
+          </a:bodyPr>
+          <a:lstStyle/>
+          <a:p>
+            <a:r>
+              <a:rPr lang="en-US" altLang="ko-KR" sz="600" b="0" dirty="0">
+                <a:solidFill>
+                  <a:schemeClr val="tx1"/>
+                </a:solidFill>
+                <a:latin typeface="+mn-ea"/>
+                <a:ea typeface="+mn-ea"/>
+              </a:rPr>
+              <a:t>Login | Join US</a:t>
+            </a:r>
+            <a:endParaRPr lang="ko-KR" altLang="en-US" sz="600" b="0" dirty="0">
+              <a:solidFill>
+                <a:schemeClr val="tx1"/>
+              </a:solidFill>
+              <a:latin typeface="+mn-ea"/>
+              <a:ea typeface="+mn-ea"/>
+            </a:endParaRPr>
+          </a:p>
+        </p:txBody>
+      </p:sp>
+      <p:sp>
+        <p:nvSpPr>
+          <p:cNvPr id="111" name="모서리가 둥근 직사각형 110">
+            <a:extLst>
+              <a:ext uri="{FF2B5EF4-FFF2-40B4-BE49-F238E27FC236}">
+                <a16:creationId xmlns:a16="http://schemas.microsoft.com/office/drawing/2014/main" id="{F9E71072-3827-0935-EE87-EF18E18C8DA0}"/>
+              </a:ext>
+            </a:extLst>
+          </p:cNvPr>
+          <p:cNvSpPr/>
+          <p:nvPr/>
+        </p:nvSpPr>
+        <p:spPr>
+          <a:xfrm>
+            <a:off x="299794" y="4159689"/>
+            <a:ext cx="709387" cy="229725"/>
+          </a:xfrm>
+          <a:prstGeom prst="roundRect">
+            <a:avLst>
+              <a:gd name="adj" fmla="val 9813"/>
+            </a:avLst>
+          </a:prstGeom>
+          <a:noFill/>
+          <a:ln w="6350">
+            <a:noFill/>
+          </a:ln>
+        </p:spPr>
+        <p:style>
+          <a:lnRef idx="2">
+            <a:schemeClr val="accent1">
+              <a:shade val="50000"/>
+            </a:schemeClr>
+          </a:lnRef>
+          <a:fillRef idx="1">
+            <a:schemeClr val="accent1"/>
+          </a:fillRef>
+          <a:effectRef idx="0">
+            <a:schemeClr val="accent1"/>
+          </a:effectRef>
+          <a:fontRef idx="minor">
+            <a:schemeClr val="lt1"/>
+          </a:fontRef>
+        </p:style>
+        <p:txBody>
+          <a:bodyPr rtlCol="0" anchor="ctr"/>
+          <a:lstStyle/>
+          <a:p>
+            <a:r>
+              <a:rPr lang="ko-KR" altLang="en-US" sz="900" b="1" dirty="0">
+                <a:solidFill>
+                  <a:schemeClr val="bg1"/>
+                </a:solidFill>
+                <a:latin typeface="+mn-ea"/>
+              </a:rPr>
+              <a:t>공지</a:t>
+            </a:r>
+            <a:endParaRPr lang="en-US" altLang="ko-KR" sz="900" b="1" dirty="0">
+              <a:solidFill>
+                <a:schemeClr val="bg1"/>
+              </a:solidFill>
+              <a:latin typeface="+mn-ea"/>
+            </a:endParaRPr>
+          </a:p>
+        </p:txBody>
+      </p:sp>
+      <p:sp>
+        <p:nvSpPr>
+          <p:cNvPr id="124" name="모서리가 둥근 직사각형 123">
+            <a:extLst>
+              <a:ext uri="{FF2B5EF4-FFF2-40B4-BE49-F238E27FC236}">
+                <a16:creationId xmlns:a16="http://schemas.microsoft.com/office/drawing/2014/main" id="{4AEC9049-754C-5615-1C86-86D6CB16BED6}"/>
+              </a:ext>
+            </a:extLst>
+          </p:cNvPr>
+          <p:cNvSpPr/>
+          <p:nvPr/>
+        </p:nvSpPr>
+        <p:spPr>
+          <a:xfrm>
+            <a:off x="174976" y="1045344"/>
+            <a:ext cx="149038" cy="144000"/>
+          </a:xfrm>
+          <a:prstGeom prst="roundRect">
+            <a:avLst/>
+          </a:prstGeom>
+          <a:solidFill>
+            <a:schemeClr val="accent6">
+              <a:lumMod val="75000"/>
+            </a:schemeClr>
+          </a:solidFill>
+          <a:ln>
+            <a:noFill/>
+          </a:ln>
+        </p:spPr>
+        <p:style>
+          <a:lnRef idx="2">
+            <a:schemeClr val="accent1">
+              <a:shade val="50000"/>
+            </a:schemeClr>
+          </a:lnRef>
+          <a:fillRef idx="1">
+            <a:schemeClr val="accent1"/>
+          </a:fillRef>
+          <a:effectRef idx="0">
+            <a:schemeClr val="accent1"/>
+          </a:effectRef>
+          <a:fontRef idx="minor">
+            <a:schemeClr val="lt1"/>
+          </a:fontRef>
+        </p:style>
+        <p:txBody>
+          <a:bodyPr lIns="0" rIns="0" rtlCol="0" anchor="ctr"/>
+          <a:lstStyle/>
+          <a:p>
+            <a:pPr algn="ctr"/>
+            <a:r>
+              <a:rPr lang="en-US" altLang="ko-KR" sz="1050" b="1" dirty="0"/>
+              <a:t>1</a:t>
+            </a:r>
+            <a:endParaRPr lang="ko-KR" altLang="en-US" sz="1050" b="1" dirty="0"/>
+          </a:p>
+        </p:txBody>
+      </p:sp>
+      <p:sp>
+        <p:nvSpPr>
+          <p:cNvPr id="22" name="모서리가 둥근 직사각형 123">
+            <a:extLst>
+              <a:ext uri="{FF2B5EF4-FFF2-40B4-BE49-F238E27FC236}">
+                <a16:creationId xmlns:a16="http://schemas.microsoft.com/office/drawing/2014/main" id="{EBCB476F-59DA-3E29-F9C6-C056E910F76C}"/>
+              </a:ext>
+            </a:extLst>
+          </p:cNvPr>
+          <p:cNvSpPr/>
+          <p:nvPr/>
+        </p:nvSpPr>
+        <p:spPr>
+          <a:xfrm>
+            <a:off x="3701150" y="1055606"/>
+            <a:ext cx="149038" cy="144000"/>
+          </a:xfrm>
+          <a:prstGeom prst="roundRect">
+            <a:avLst/>
+          </a:prstGeom>
+          <a:solidFill>
+            <a:schemeClr val="accent6">
+              <a:lumMod val="75000"/>
+            </a:schemeClr>
+          </a:solidFill>
+          <a:ln>
+            <a:noFill/>
+          </a:ln>
+        </p:spPr>
+        <p:style>
+          <a:lnRef idx="2">
+            <a:schemeClr val="accent1">
+              <a:shade val="50000"/>
+            </a:schemeClr>
+          </a:lnRef>
+          <a:fillRef idx="1">
+            <a:schemeClr val="accent1"/>
+          </a:fillRef>
+          <a:effectRef idx="0">
+            <a:schemeClr val="accent1"/>
+          </a:effectRef>
+          <a:fontRef idx="minor">
+            <a:schemeClr val="lt1"/>
+          </a:fontRef>
+        </p:style>
+        <p:txBody>
+          <a:bodyPr lIns="0" rIns="0" rtlCol="0" anchor="ctr"/>
+          <a:lstStyle/>
+          <a:p>
+            <a:pPr algn="ctr"/>
+            <a:r>
+              <a:rPr lang="en-US" altLang="ko-KR" sz="1050" b="1" dirty="0"/>
+              <a:t>2</a:t>
+            </a:r>
+            <a:endParaRPr lang="ko-KR" altLang="en-US" sz="1050" b="1" dirty="0"/>
+          </a:p>
+        </p:txBody>
+      </p:sp>
+      <p:sp>
+        <p:nvSpPr>
+          <p:cNvPr id="23" name="모서리가 둥근 직사각형 123">
+            <a:extLst>
+              <a:ext uri="{FF2B5EF4-FFF2-40B4-BE49-F238E27FC236}">
+                <a16:creationId xmlns:a16="http://schemas.microsoft.com/office/drawing/2014/main" id="{18A089CC-F151-1D29-2D48-737D6EEEDAB1}"/>
+              </a:ext>
+            </a:extLst>
+          </p:cNvPr>
+          <p:cNvSpPr/>
+          <p:nvPr/>
+        </p:nvSpPr>
+        <p:spPr>
+          <a:xfrm>
+            <a:off x="2287601" y="4156821"/>
+            <a:ext cx="144000" cy="144000"/>
+          </a:xfrm>
+          <a:prstGeom prst="roundRect">
+            <a:avLst/>
+          </a:prstGeom>
+          <a:solidFill>
+            <a:schemeClr val="accent6">
+              <a:lumMod val="75000"/>
+            </a:schemeClr>
+          </a:solidFill>
+          <a:ln>
+            <a:noFill/>
+          </a:ln>
+        </p:spPr>
+        <p:style>
+          <a:lnRef idx="2">
+            <a:schemeClr val="accent1">
+              <a:shade val="50000"/>
+            </a:schemeClr>
+          </a:lnRef>
+          <a:fillRef idx="1">
+            <a:schemeClr val="accent1"/>
+          </a:fillRef>
+          <a:effectRef idx="0">
+            <a:schemeClr val="accent1"/>
+          </a:effectRef>
+          <a:fontRef idx="minor">
+            <a:schemeClr val="lt1"/>
+          </a:fontRef>
+        </p:style>
+        <p:txBody>
+          <a:bodyPr lIns="0" rIns="0" rtlCol="0" anchor="ctr"/>
+          <a:lstStyle/>
+          <a:p>
+            <a:pPr algn="ctr"/>
+            <a:r>
+              <a:rPr lang="en-US" altLang="ko-KR" sz="1050" b="1" dirty="0"/>
+              <a:t>3</a:t>
+            </a:r>
+            <a:endParaRPr lang="ko-KR" altLang="en-US" sz="1050" b="1" dirty="0"/>
+          </a:p>
+        </p:txBody>
+      </p:sp>
+      <p:sp>
+        <p:nvSpPr>
+          <p:cNvPr id="27" name="텍스트 개체 틀 26">
+            <a:extLst>
+              <a:ext uri="{FF2B5EF4-FFF2-40B4-BE49-F238E27FC236}">
+                <a16:creationId xmlns:a16="http://schemas.microsoft.com/office/drawing/2014/main" id="{DF2DDD5D-578A-DE86-C82D-2D8D09C34A30}"/>
+              </a:ext>
+            </a:extLst>
+          </p:cNvPr>
+          <p:cNvSpPr>
+            <a:spLocks noGrp="1"/>
+          </p:cNvSpPr>
+          <p:nvPr>
+            <p:ph type="body" sz="quarter" idx="11"/>
+          </p:nvPr>
+        </p:nvSpPr>
+        <p:spPr>
+          <a:xfrm>
+            <a:off x="150592" y="-8888"/>
+            <a:ext cx="1007790" cy="287486"/>
+          </a:xfrm>
+        </p:spPr>
+        <p:txBody>
+          <a:bodyPr/>
+          <a:lstStyle/>
+          <a:p>
+            <a:r>
+              <a:rPr lang="ko-KR" altLang="en-US" sz="800" dirty="0">
+                <a:solidFill>
+                  <a:schemeClr val="tx1"/>
+                </a:solidFill>
+                <a:highlight>
+                  <a:srgbClr val="FFFF00"/>
+                </a:highlight>
+              </a:rPr>
+              <a:t>모임 생성</a:t>
+            </a:r>
+            <a:r>
+              <a:rPr lang="en-US" altLang="ko-KR" sz="800" dirty="0">
+                <a:solidFill>
+                  <a:schemeClr val="tx1"/>
+                </a:solidFill>
+                <a:highlight>
+                  <a:srgbClr val="FFFF00"/>
+                </a:highlight>
+              </a:rPr>
+              <a:t>-3</a:t>
+            </a:r>
+          </a:p>
+          <a:p>
+            <a:r>
+              <a:rPr lang="en-US" altLang="ko-KR" sz="800" dirty="0" err="1">
+                <a:solidFill>
+                  <a:schemeClr val="tx1"/>
+                </a:solidFill>
+                <a:highlight>
+                  <a:srgbClr val="FFFF00"/>
+                </a:highlight>
+              </a:rPr>
+              <a:t>CreateMoim</a:t>
+            </a:r>
+            <a:endParaRPr lang="ko-KR" altLang="en-US" sz="800" dirty="0">
+              <a:solidFill>
+                <a:schemeClr val="tx1"/>
+              </a:solidFill>
+              <a:highlight>
+                <a:srgbClr val="FFFF00"/>
+              </a:highlight>
+            </a:endParaRPr>
+          </a:p>
+        </p:txBody>
+      </p:sp>
+      <p:sp>
+        <p:nvSpPr>
+          <p:cNvPr id="3" name="사각형: 둥근 모서리 2">
+            <a:extLst>
+              <a:ext uri="{FF2B5EF4-FFF2-40B4-BE49-F238E27FC236}">
+                <a16:creationId xmlns:a16="http://schemas.microsoft.com/office/drawing/2014/main" id="{3AD9E526-6545-C56E-F82B-966ED6F9834A}"/>
+              </a:ext>
+            </a:extLst>
+          </p:cNvPr>
+          <p:cNvSpPr/>
+          <p:nvPr/>
+        </p:nvSpPr>
+        <p:spPr>
+          <a:xfrm>
+            <a:off x="529261" y="1592082"/>
+            <a:ext cx="2310353" cy="219266"/>
+          </a:xfrm>
+          <a:prstGeom prst="roundRect">
+            <a:avLst>
+              <a:gd name="adj" fmla="val 48995"/>
+            </a:avLst>
+          </a:prstGeom>
+          <a:noFill/>
+          <a:ln>
+            <a:solidFill>
+              <a:schemeClr val="tx1"/>
+            </a:solidFill>
+          </a:ln>
+        </p:spPr>
+        <p:style>
+          <a:lnRef idx="2">
+            <a:schemeClr val="accent6">
+              <a:shade val="15000"/>
+            </a:schemeClr>
+          </a:lnRef>
+          <a:fillRef idx="1">
+            <a:schemeClr val="accent6"/>
+          </a:fillRef>
+          <a:effectRef idx="0">
+            <a:schemeClr val="accent6"/>
+          </a:effectRef>
+          <a:fontRef idx="minor">
+            <a:schemeClr val="lt1"/>
+          </a:fontRef>
+        </p:style>
+        <p:txBody>
+          <a:bodyPr rtlCol="0" anchor="ctr"/>
+          <a:lstStyle/>
+          <a:p>
+            <a:pPr algn="ctr"/>
+            <a:endParaRPr lang="ko-KR" altLang="en-US"/>
+          </a:p>
+        </p:txBody>
+      </p:sp>
+      <p:sp>
+        <p:nvSpPr>
+          <p:cNvPr id="5" name="직사각형 4">
+            <a:extLst>
+              <a:ext uri="{FF2B5EF4-FFF2-40B4-BE49-F238E27FC236}">
+                <a16:creationId xmlns:a16="http://schemas.microsoft.com/office/drawing/2014/main" id="{58E6E726-B2F2-5A4E-4156-3E1FDF78CAD0}"/>
+              </a:ext>
+            </a:extLst>
+          </p:cNvPr>
+          <p:cNvSpPr/>
+          <p:nvPr/>
+        </p:nvSpPr>
+        <p:spPr>
+          <a:xfrm>
+            <a:off x="3859706" y="1117351"/>
+            <a:ext cx="2824261" cy="2822551"/>
+          </a:xfrm>
+          <a:prstGeom prst="rect">
+            <a:avLst/>
+          </a:prstGeom>
+          <a:noFill/>
+          <a:ln w="25400">
+            <a:solidFill>
+              <a:schemeClr val="tx1"/>
+            </a:solidFill>
+          </a:ln>
+          <a:effectLst>
+            <a:softEdge rad="12700"/>
+          </a:effectLst>
+        </p:spPr>
+        <p:style>
+          <a:lnRef idx="2">
+            <a:schemeClr val="dk1"/>
+          </a:lnRef>
+          <a:fillRef idx="1">
+            <a:schemeClr val="lt1"/>
+          </a:fillRef>
+          <a:effectRef idx="0">
+            <a:schemeClr val="dk1"/>
+          </a:effectRef>
+          <a:fontRef idx="minor">
+            <a:schemeClr val="dk1"/>
+          </a:fontRef>
+        </p:style>
+        <p:txBody>
+          <a:bodyPr rtlCol="0" anchor="ctr"/>
+          <a:lstStyle/>
+          <a:p>
+            <a:pPr algn="ctr"/>
+            <a:endParaRPr lang="ko-KR" altLang="en-US" dirty="0">
+              <a:ln w="0"/>
+              <a:solidFill>
+                <a:schemeClr val="tx1"/>
+              </a:solidFill>
+              <a:effectLst>
+                <a:outerShdw blurRad="38100" dist="19050" dir="2700000" algn="tl" rotWithShape="0">
+                  <a:schemeClr val="dk1">
+                    <a:alpha val="40000"/>
+                  </a:schemeClr>
+                </a:outerShdw>
+              </a:effectLst>
+              <a:latin typeface="+mn-ea"/>
+              <a:ea typeface="+mn-ea"/>
+            </a:endParaRPr>
+          </a:p>
+        </p:txBody>
+      </p:sp>
+      <p:sp>
+        <p:nvSpPr>
+          <p:cNvPr id="12" name="모서리가 둥근 직사각형 123">
+            <a:extLst>
+              <a:ext uri="{FF2B5EF4-FFF2-40B4-BE49-F238E27FC236}">
+                <a16:creationId xmlns:a16="http://schemas.microsoft.com/office/drawing/2014/main" id="{C08246EB-9286-84E0-09F1-788EE61900C5}"/>
+              </a:ext>
+            </a:extLst>
+          </p:cNvPr>
+          <p:cNvSpPr/>
+          <p:nvPr/>
+        </p:nvSpPr>
+        <p:spPr>
+          <a:xfrm>
+            <a:off x="4632580" y="4165269"/>
+            <a:ext cx="148629" cy="144000"/>
+          </a:xfrm>
+          <a:prstGeom prst="roundRect">
+            <a:avLst/>
+          </a:prstGeom>
+          <a:solidFill>
+            <a:schemeClr val="accent6">
+              <a:lumMod val="75000"/>
+            </a:schemeClr>
+          </a:solidFill>
+          <a:ln>
+            <a:noFill/>
+          </a:ln>
+        </p:spPr>
+        <p:style>
+          <a:lnRef idx="2">
+            <a:schemeClr val="accent1">
+              <a:shade val="50000"/>
+            </a:schemeClr>
+          </a:lnRef>
+          <a:fillRef idx="1">
+            <a:schemeClr val="accent1"/>
+          </a:fillRef>
+          <a:effectRef idx="0">
+            <a:schemeClr val="accent1"/>
+          </a:effectRef>
+          <a:fontRef idx="minor">
+            <a:schemeClr val="lt1"/>
+          </a:fontRef>
+        </p:style>
+        <p:txBody>
+          <a:bodyPr lIns="0" rIns="0" rtlCol="0" anchor="ctr"/>
+          <a:lstStyle/>
+          <a:p>
+            <a:pPr algn="ctr"/>
+            <a:r>
+              <a:rPr lang="en-US" altLang="ko-KR" sz="1050" b="1" dirty="0"/>
+              <a:t>4</a:t>
+            </a:r>
+            <a:endParaRPr lang="ko-KR" altLang="en-US" sz="1050" b="1" dirty="0"/>
+          </a:p>
+        </p:txBody>
+      </p:sp>
+      <p:cxnSp>
+        <p:nvCxnSpPr>
+          <p:cNvPr id="25" name="직선 연결선 24">
+            <a:extLst>
+              <a:ext uri="{FF2B5EF4-FFF2-40B4-BE49-F238E27FC236}">
+                <a16:creationId xmlns:a16="http://schemas.microsoft.com/office/drawing/2014/main" id="{04F888FA-B439-7C49-7565-3434333EB2E2}"/>
+              </a:ext>
+            </a:extLst>
+          </p:cNvPr>
+          <p:cNvCxnSpPr>
+            <a:cxnSpLocks/>
+          </p:cNvCxnSpPr>
+          <p:nvPr/>
+        </p:nvCxnSpPr>
+        <p:spPr>
+          <a:xfrm>
+            <a:off x="3491880" y="987574"/>
+            <a:ext cx="0" cy="2952328"/>
+          </a:xfrm>
+          <a:prstGeom prst="line">
+            <a:avLst/>
+          </a:prstGeom>
+          <a:ln w="12700">
+            <a:solidFill>
+              <a:schemeClr val="bg1">
+                <a:lumMod val="95000"/>
+              </a:schemeClr>
+            </a:solidFill>
+            <a:prstDash val="dash"/>
+          </a:ln>
+        </p:spPr>
+        <p:style>
+          <a:lnRef idx="1">
+            <a:schemeClr val="accent1"/>
+          </a:lnRef>
+          <a:fillRef idx="0">
+            <a:schemeClr val="accent1"/>
+          </a:fillRef>
+          <a:effectRef idx="0">
+            <a:schemeClr val="accent1"/>
+          </a:effectRef>
+          <a:fontRef idx="minor">
+            <a:schemeClr val="tx1"/>
+          </a:fontRef>
+        </p:style>
+      </p:cxnSp>
+      <p:sp>
+        <p:nvSpPr>
+          <p:cNvPr id="29" name="사각형: 둥근 모서리 28">
+            <a:extLst>
+              <a:ext uri="{FF2B5EF4-FFF2-40B4-BE49-F238E27FC236}">
+                <a16:creationId xmlns:a16="http://schemas.microsoft.com/office/drawing/2014/main" id="{FBDF4C26-F891-DE21-F56C-C9A7420A6008}"/>
+              </a:ext>
+            </a:extLst>
+          </p:cNvPr>
+          <p:cNvSpPr/>
+          <p:nvPr/>
+        </p:nvSpPr>
+        <p:spPr>
+          <a:xfrm>
+            <a:off x="547868" y="1908558"/>
+            <a:ext cx="2310353" cy="219266"/>
+          </a:xfrm>
+          <a:prstGeom prst="roundRect">
+            <a:avLst>
+              <a:gd name="adj" fmla="val 48995"/>
+            </a:avLst>
+          </a:prstGeom>
+          <a:noFill/>
+          <a:ln>
+            <a:solidFill>
+              <a:schemeClr val="tx1"/>
+            </a:solidFill>
+          </a:ln>
+        </p:spPr>
+        <p:style>
+          <a:lnRef idx="2">
+            <a:schemeClr val="accent6">
+              <a:shade val="15000"/>
+            </a:schemeClr>
+          </a:lnRef>
+          <a:fillRef idx="1">
+            <a:schemeClr val="accent6"/>
+          </a:fillRef>
+          <a:effectRef idx="0">
+            <a:schemeClr val="accent6"/>
+          </a:effectRef>
+          <a:fontRef idx="minor">
+            <a:schemeClr val="lt1"/>
+          </a:fontRef>
+        </p:style>
+        <p:txBody>
+          <a:bodyPr rtlCol="0" anchor="ctr"/>
+          <a:lstStyle/>
+          <a:p>
+            <a:pPr algn="ctr"/>
+            <a:endParaRPr lang="ko-KR" altLang="en-US"/>
+          </a:p>
+        </p:txBody>
+      </p:sp>
+      <p:sp>
+        <p:nvSpPr>
+          <p:cNvPr id="30" name="사각형: 둥근 모서리 29">
+            <a:extLst>
+              <a:ext uri="{FF2B5EF4-FFF2-40B4-BE49-F238E27FC236}">
+                <a16:creationId xmlns:a16="http://schemas.microsoft.com/office/drawing/2014/main" id="{6D172515-2B93-82CA-E0EB-B52D9EB3BBE2}"/>
+              </a:ext>
+            </a:extLst>
+          </p:cNvPr>
+          <p:cNvSpPr/>
+          <p:nvPr/>
+        </p:nvSpPr>
+        <p:spPr>
+          <a:xfrm>
+            <a:off x="544686" y="1275606"/>
+            <a:ext cx="2310353" cy="219266"/>
+          </a:xfrm>
+          <a:prstGeom prst="roundRect">
+            <a:avLst>
+              <a:gd name="adj" fmla="val 48995"/>
+            </a:avLst>
+          </a:prstGeom>
+          <a:noFill/>
+          <a:ln>
+            <a:solidFill>
+              <a:schemeClr val="tx1"/>
+            </a:solidFill>
+          </a:ln>
+        </p:spPr>
+        <p:style>
+          <a:lnRef idx="2">
+            <a:schemeClr val="accent6">
+              <a:shade val="15000"/>
+            </a:schemeClr>
+          </a:lnRef>
+          <a:fillRef idx="1">
+            <a:schemeClr val="accent6"/>
+          </a:fillRef>
+          <a:effectRef idx="0">
+            <a:schemeClr val="accent6"/>
+          </a:effectRef>
+          <a:fontRef idx="minor">
+            <a:schemeClr val="lt1"/>
+          </a:fontRef>
+        </p:style>
+        <p:txBody>
+          <a:bodyPr rtlCol="0" anchor="ctr"/>
+          <a:lstStyle/>
+          <a:p>
+            <a:pPr algn="ctr"/>
+            <a:endParaRPr lang="ko-KR" altLang="en-US"/>
+          </a:p>
+        </p:txBody>
+      </p:sp>
+      <p:sp>
+        <p:nvSpPr>
+          <p:cNvPr id="2" name="사각형: 둥근 모서리 1">
+            <a:extLst>
+              <a:ext uri="{FF2B5EF4-FFF2-40B4-BE49-F238E27FC236}">
+                <a16:creationId xmlns:a16="http://schemas.microsoft.com/office/drawing/2014/main" id="{E4884EB5-02E1-5C47-3CFA-B55C06C49EE6}"/>
+              </a:ext>
+            </a:extLst>
+          </p:cNvPr>
+          <p:cNvSpPr/>
+          <p:nvPr/>
+        </p:nvSpPr>
+        <p:spPr>
+          <a:xfrm>
+            <a:off x="544151" y="2542772"/>
+            <a:ext cx="2310353" cy="219266"/>
+          </a:xfrm>
+          <a:prstGeom prst="roundRect">
+            <a:avLst>
+              <a:gd name="adj" fmla="val 48995"/>
+            </a:avLst>
+          </a:prstGeom>
+          <a:noFill/>
+          <a:ln>
+            <a:solidFill>
+              <a:schemeClr val="tx1"/>
+            </a:solidFill>
+          </a:ln>
+        </p:spPr>
+        <p:style>
+          <a:lnRef idx="2">
+            <a:schemeClr val="accent6">
+              <a:shade val="15000"/>
+            </a:schemeClr>
+          </a:lnRef>
+          <a:fillRef idx="1">
+            <a:schemeClr val="accent6"/>
+          </a:fillRef>
+          <a:effectRef idx="0">
+            <a:schemeClr val="accent6"/>
+          </a:effectRef>
+          <a:fontRef idx="minor">
+            <a:schemeClr val="lt1"/>
+          </a:fontRef>
+        </p:style>
+        <p:txBody>
+          <a:bodyPr rtlCol="0" anchor="ctr"/>
+          <a:lstStyle/>
+          <a:p>
+            <a:pPr algn="ctr"/>
+            <a:endParaRPr lang="ko-KR" altLang="en-US"/>
+          </a:p>
+        </p:txBody>
+      </p:sp>
+      <p:sp>
+        <p:nvSpPr>
+          <p:cNvPr id="6" name="사각형: 둥근 모서리 5">
+            <a:extLst>
+              <a:ext uri="{FF2B5EF4-FFF2-40B4-BE49-F238E27FC236}">
+                <a16:creationId xmlns:a16="http://schemas.microsoft.com/office/drawing/2014/main" id="{19896B14-574E-4C6B-967F-31DEAD64D5EF}"/>
+              </a:ext>
+            </a:extLst>
+          </p:cNvPr>
+          <p:cNvSpPr/>
+          <p:nvPr/>
+        </p:nvSpPr>
+        <p:spPr>
+          <a:xfrm>
+            <a:off x="562758" y="2859248"/>
+            <a:ext cx="2310353" cy="219266"/>
+          </a:xfrm>
+          <a:prstGeom prst="roundRect">
+            <a:avLst>
+              <a:gd name="adj" fmla="val 48995"/>
+            </a:avLst>
+          </a:prstGeom>
+          <a:noFill/>
+          <a:ln>
+            <a:solidFill>
+              <a:schemeClr val="tx1"/>
+            </a:solidFill>
+          </a:ln>
+        </p:spPr>
+        <p:style>
+          <a:lnRef idx="2">
+            <a:schemeClr val="accent6">
+              <a:shade val="15000"/>
+            </a:schemeClr>
+          </a:lnRef>
+          <a:fillRef idx="1">
+            <a:schemeClr val="accent6"/>
+          </a:fillRef>
+          <a:effectRef idx="0">
+            <a:schemeClr val="accent6"/>
+          </a:effectRef>
+          <a:fontRef idx="minor">
+            <a:schemeClr val="lt1"/>
+          </a:fontRef>
+        </p:style>
+        <p:txBody>
+          <a:bodyPr rtlCol="0" anchor="ctr"/>
+          <a:lstStyle/>
+          <a:p>
+            <a:pPr algn="ctr"/>
+            <a:endParaRPr lang="ko-KR" altLang="en-US"/>
+          </a:p>
+        </p:txBody>
+      </p:sp>
+      <p:sp>
+        <p:nvSpPr>
+          <p:cNvPr id="9" name="사각형: 둥근 모서리 8">
+            <a:extLst>
+              <a:ext uri="{FF2B5EF4-FFF2-40B4-BE49-F238E27FC236}">
+                <a16:creationId xmlns:a16="http://schemas.microsoft.com/office/drawing/2014/main" id="{11AA64DA-32AE-59CE-7391-1EFDD67B18A5}"/>
+              </a:ext>
+            </a:extLst>
+          </p:cNvPr>
+          <p:cNvSpPr/>
+          <p:nvPr/>
+        </p:nvSpPr>
+        <p:spPr>
+          <a:xfrm>
+            <a:off x="559576" y="2226296"/>
+            <a:ext cx="2310353" cy="219266"/>
+          </a:xfrm>
+          <a:prstGeom prst="roundRect">
+            <a:avLst>
+              <a:gd name="adj" fmla="val 48995"/>
+            </a:avLst>
+          </a:prstGeom>
+          <a:noFill/>
+          <a:ln>
+            <a:solidFill>
+              <a:schemeClr val="tx1"/>
+            </a:solidFill>
+          </a:ln>
+        </p:spPr>
+        <p:style>
+          <a:lnRef idx="2">
+            <a:schemeClr val="accent6">
+              <a:shade val="15000"/>
+            </a:schemeClr>
+          </a:lnRef>
+          <a:fillRef idx="1">
+            <a:schemeClr val="accent6"/>
+          </a:fillRef>
+          <a:effectRef idx="0">
+            <a:schemeClr val="accent6"/>
+          </a:effectRef>
+          <a:fontRef idx="minor">
+            <a:schemeClr val="lt1"/>
+          </a:fontRef>
+        </p:style>
+        <p:txBody>
+          <a:bodyPr rtlCol="0" anchor="ctr"/>
+          <a:lstStyle/>
+          <a:p>
+            <a:pPr algn="ctr"/>
+            <a:endParaRPr lang="ko-KR" altLang="en-US"/>
+          </a:p>
+        </p:txBody>
+      </p:sp>
+      <p:sp>
+        <p:nvSpPr>
+          <p:cNvPr id="10" name="사각형: 둥근 모서리 9">
+            <a:extLst>
+              <a:ext uri="{FF2B5EF4-FFF2-40B4-BE49-F238E27FC236}">
+                <a16:creationId xmlns:a16="http://schemas.microsoft.com/office/drawing/2014/main" id="{8F64D35C-D45E-CEAE-CB54-7D22FECAFAD8}"/>
+              </a:ext>
+            </a:extLst>
+          </p:cNvPr>
+          <p:cNvSpPr/>
+          <p:nvPr/>
+        </p:nvSpPr>
+        <p:spPr>
+          <a:xfrm>
+            <a:off x="558898" y="3173183"/>
+            <a:ext cx="2310353" cy="219266"/>
+          </a:xfrm>
+          <a:prstGeom prst="roundRect">
+            <a:avLst>
+              <a:gd name="adj" fmla="val 48995"/>
+            </a:avLst>
+          </a:prstGeom>
+          <a:noFill/>
+          <a:ln>
+            <a:solidFill>
+              <a:schemeClr val="tx1"/>
+            </a:solidFill>
+          </a:ln>
+        </p:spPr>
+        <p:style>
+          <a:lnRef idx="2">
+            <a:schemeClr val="accent6">
+              <a:shade val="15000"/>
+            </a:schemeClr>
+          </a:lnRef>
+          <a:fillRef idx="1">
+            <a:schemeClr val="accent6"/>
+          </a:fillRef>
+          <a:effectRef idx="0">
+            <a:schemeClr val="accent6"/>
+          </a:effectRef>
+          <a:fontRef idx="minor">
+            <a:schemeClr val="lt1"/>
+          </a:fontRef>
+        </p:style>
+        <p:txBody>
+          <a:bodyPr rtlCol="0" anchor="ctr"/>
+          <a:lstStyle/>
+          <a:p>
+            <a:pPr algn="ctr"/>
+            <a:endParaRPr lang="ko-KR" altLang="en-US"/>
+          </a:p>
+        </p:txBody>
+      </p:sp>
+      <p:sp>
+        <p:nvSpPr>
+          <p:cNvPr id="11" name="사각형: 둥근 모서리 10">
+            <a:extLst>
+              <a:ext uri="{FF2B5EF4-FFF2-40B4-BE49-F238E27FC236}">
+                <a16:creationId xmlns:a16="http://schemas.microsoft.com/office/drawing/2014/main" id="{ED6E0A67-06F0-BA5C-81D3-5D59F0F64C20}"/>
+              </a:ext>
+            </a:extLst>
+          </p:cNvPr>
+          <p:cNvSpPr/>
+          <p:nvPr/>
+        </p:nvSpPr>
+        <p:spPr>
+          <a:xfrm>
+            <a:off x="577505" y="3489659"/>
+            <a:ext cx="2310353" cy="219266"/>
+          </a:xfrm>
+          <a:prstGeom prst="roundRect">
+            <a:avLst>
+              <a:gd name="adj" fmla="val 48995"/>
+            </a:avLst>
+          </a:prstGeom>
+          <a:noFill/>
+          <a:ln>
+            <a:solidFill>
+              <a:schemeClr val="tx1"/>
+            </a:solidFill>
+          </a:ln>
+        </p:spPr>
+        <p:style>
+          <a:lnRef idx="2">
+            <a:schemeClr val="accent6">
+              <a:shade val="15000"/>
+            </a:schemeClr>
+          </a:lnRef>
+          <a:fillRef idx="1">
+            <a:schemeClr val="accent6"/>
+          </a:fillRef>
+          <a:effectRef idx="0">
+            <a:schemeClr val="accent6"/>
+          </a:effectRef>
+          <a:fontRef idx="minor">
+            <a:schemeClr val="lt1"/>
+          </a:fontRef>
+        </p:style>
+        <p:txBody>
+          <a:bodyPr rtlCol="0" anchor="ctr"/>
+          <a:lstStyle/>
+          <a:p>
+            <a:pPr algn="ctr"/>
+            <a:endParaRPr lang="ko-KR" altLang="en-US"/>
+          </a:p>
+        </p:txBody>
+      </p:sp>
+      <p:sp>
+        <p:nvSpPr>
+          <p:cNvPr id="13" name="TextBox 12">
+            <a:extLst>
+              <a:ext uri="{FF2B5EF4-FFF2-40B4-BE49-F238E27FC236}">
+                <a16:creationId xmlns:a16="http://schemas.microsoft.com/office/drawing/2014/main" id="{D072CC4E-8C14-EBCD-F478-A97C402C997F}"/>
+              </a:ext>
+            </a:extLst>
+          </p:cNvPr>
+          <p:cNvSpPr txBox="1"/>
+          <p:nvPr/>
+        </p:nvSpPr>
+        <p:spPr>
+          <a:xfrm>
+            <a:off x="586024" y="1282123"/>
+            <a:ext cx="673608" cy="230832"/>
+          </a:xfrm>
+          <a:prstGeom prst="rect">
+            <a:avLst/>
+          </a:prstGeom>
+          <a:noFill/>
+        </p:spPr>
+        <p:txBody>
+          <a:bodyPr wrap="square" rtlCol="0">
+            <a:spAutoFit/>
+          </a:bodyPr>
+          <a:lstStyle/>
+          <a:p>
+            <a:r>
+              <a:rPr lang="ko-KR" altLang="en-US" sz="900"/>
+              <a:t>대분류</a:t>
+            </a:r>
+            <a:endParaRPr lang="ko-KR" altLang="en-US" sz="900" dirty="0"/>
+          </a:p>
+        </p:txBody>
+      </p:sp>
+      <p:sp>
+        <p:nvSpPr>
+          <p:cNvPr id="14" name="TextBox 13">
+            <a:extLst>
+              <a:ext uri="{FF2B5EF4-FFF2-40B4-BE49-F238E27FC236}">
+                <a16:creationId xmlns:a16="http://schemas.microsoft.com/office/drawing/2014/main" id="{16D5291C-8CBB-6A23-9926-5FDBE9445C6F}"/>
+              </a:ext>
+            </a:extLst>
+          </p:cNvPr>
+          <p:cNvSpPr txBox="1"/>
+          <p:nvPr/>
+        </p:nvSpPr>
+        <p:spPr>
+          <a:xfrm>
+            <a:off x="586024" y="1603111"/>
+            <a:ext cx="673608" cy="230832"/>
+          </a:xfrm>
+          <a:prstGeom prst="rect">
+            <a:avLst/>
+          </a:prstGeom>
+          <a:noFill/>
+        </p:spPr>
+        <p:txBody>
+          <a:bodyPr wrap="square" rtlCol="0">
+            <a:spAutoFit/>
+          </a:bodyPr>
+          <a:lstStyle/>
+          <a:p>
+            <a:r>
+              <a:rPr lang="ko-KR" altLang="en-US" sz="900"/>
+              <a:t>대분류</a:t>
+            </a:r>
+            <a:endParaRPr lang="ko-KR" altLang="en-US" sz="900" dirty="0"/>
+          </a:p>
+        </p:txBody>
+      </p:sp>
+      <p:sp>
+        <p:nvSpPr>
+          <p:cNvPr id="15" name="TextBox 14">
+            <a:extLst>
+              <a:ext uri="{FF2B5EF4-FFF2-40B4-BE49-F238E27FC236}">
+                <a16:creationId xmlns:a16="http://schemas.microsoft.com/office/drawing/2014/main" id="{9A1F6940-31C8-B6BA-E7FB-58FCC707A25B}"/>
+              </a:ext>
+            </a:extLst>
+          </p:cNvPr>
+          <p:cNvSpPr txBox="1"/>
+          <p:nvPr/>
+        </p:nvSpPr>
+        <p:spPr>
+          <a:xfrm>
+            <a:off x="558898" y="1924099"/>
+            <a:ext cx="673608" cy="230832"/>
+          </a:xfrm>
+          <a:prstGeom prst="rect">
+            <a:avLst/>
+          </a:prstGeom>
+          <a:noFill/>
+        </p:spPr>
+        <p:txBody>
+          <a:bodyPr wrap="square" rtlCol="0">
+            <a:spAutoFit/>
+          </a:bodyPr>
+          <a:lstStyle/>
+          <a:p>
+            <a:r>
+              <a:rPr lang="ko-KR" altLang="en-US" sz="900"/>
+              <a:t>대분류</a:t>
+            </a:r>
+            <a:endParaRPr lang="ko-KR" altLang="en-US" sz="900" dirty="0"/>
+          </a:p>
+        </p:txBody>
+      </p:sp>
+      <p:sp>
+        <p:nvSpPr>
+          <p:cNvPr id="16" name="TextBox 15">
+            <a:extLst>
+              <a:ext uri="{FF2B5EF4-FFF2-40B4-BE49-F238E27FC236}">
+                <a16:creationId xmlns:a16="http://schemas.microsoft.com/office/drawing/2014/main" id="{AF9A0BA7-CE1E-4AB9-C91B-70378550EE21}"/>
+              </a:ext>
+            </a:extLst>
+          </p:cNvPr>
+          <p:cNvSpPr txBox="1"/>
+          <p:nvPr/>
+        </p:nvSpPr>
+        <p:spPr>
+          <a:xfrm>
+            <a:off x="583723" y="2244278"/>
+            <a:ext cx="673608" cy="230832"/>
+          </a:xfrm>
+          <a:prstGeom prst="rect">
+            <a:avLst/>
+          </a:prstGeom>
+          <a:noFill/>
+        </p:spPr>
+        <p:txBody>
+          <a:bodyPr wrap="square" rtlCol="0">
+            <a:spAutoFit/>
+          </a:bodyPr>
+          <a:lstStyle/>
+          <a:p>
+            <a:r>
+              <a:rPr lang="ko-KR" altLang="en-US" sz="900"/>
+              <a:t>대분류</a:t>
+            </a:r>
+            <a:endParaRPr lang="ko-KR" altLang="en-US" sz="900" dirty="0"/>
+          </a:p>
+        </p:txBody>
+      </p:sp>
+      <p:sp>
+        <p:nvSpPr>
+          <p:cNvPr id="17" name="TextBox 16">
+            <a:extLst>
+              <a:ext uri="{FF2B5EF4-FFF2-40B4-BE49-F238E27FC236}">
+                <a16:creationId xmlns:a16="http://schemas.microsoft.com/office/drawing/2014/main" id="{60D8EBF9-34A2-8F50-013D-E9EC4AEF8CE7}"/>
+              </a:ext>
+            </a:extLst>
+          </p:cNvPr>
+          <p:cNvSpPr txBox="1"/>
+          <p:nvPr/>
+        </p:nvSpPr>
+        <p:spPr>
+          <a:xfrm>
+            <a:off x="569546" y="2549933"/>
+            <a:ext cx="673608" cy="230832"/>
+          </a:xfrm>
+          <a:prstGeom prst="rect">
+            <a:avLst/>
+          </a:prstGeom>
+          <a:noFill/>
+        </p:spPr>
+        <p:txBody>
+          <a:bodyPr wrap="square" rtlCol="0">
+            <a:spAutoFit/>
+          </a:bodyPr>
+          <a:lstStyle/>
+          <a:p>
+            <a:r>
+              <a:rPr lang="ko-KR" altLang="en-US" sz="900"/>
+              <a:t>대분류</a:t>
+            </a:r>
+            <a:endParaRPr lang="ko-KR" altLang="en-US" sz="900" dirty="0"/>
+          </a:p>
+        </p:txBody>
+      </p:sp>
+      <p:sp>
+        <p:nvSpPr>
+          <p:cNvPr id="24" name="TextBox 23">
+            <a:extLst>
+              <a:ext uri="{FF2B5EF4-FFF2-40B4-BE49-F238E27FC236}">
+                <a16:creationId xmlns:a16="http://schemas.microsoft.com/office/drawing/2014/main" id="{BCB57204-8B9F-EB2F-17CA-50B2C69CAA91}"/>
+              </a:ext>
+            </a:extLst>
+          </p:cNvPr>
+          <p:cNvSpPr txBox="1"/>
+          <p:nvPr/>
+        </p:nvSpPr>
+        <p:spPr>
+          <a:xfrm>
+            <a:off x="558898" y="2859248"/>
+            <a:ext cx="673608" cy="230832"/>
+          </a:xfrm>
+          <a:prstGeom prst="rect">
+            <a:avLst/>
+          </a:prstGeom>
+          <a:noFill/>
+        </p:spPr>
+        <p:txBody>
+          <a:bodyPr wrap="square" rtlCol="0">
+            <a:spAutoFit/>
+          </a:bodyPr>
+          <a:lstStyle/>
+          <a:p>
+            <a:r>
+              <a:rPr lang="ko-KR" altLang="en-US" sz="900"/>
+              <a:t>대분류</a:t>
+            </a:r>
+            <a:endParaRPr lang="ko-KR" altLang="en-US" sz="900" dirty="0"/>
+          </a:p>
+        </p:txBody>
+      </p:sp>
+      <p:sp>
+        <p:nvSpPr>
+          <p:cNvPr id="26" name="TextBox 25">
+            <a:extLst>
+              <a:ext uri="{FF2B5EF4-FFF2-40B4-BE49-F238E27FC236}">
+                <a16:creationId xmlns:a16="http://schemas.microsoft.com/office/drawing/2014/main" id="{B498BD8C-5AE4-68C1-525A-0805864659BE}"/>
+              </a:ext>
+            </a:extLst>
+          </p:cNvPr>
+          <p:cNvSpPr txBox="1"/>
+          <p:nvPr/>
+        </p:nvSpPr>
+        <p:spPr>
+          <a:xfrm>
+            <a:off x="558929" y="3187290"/>
+            <a:ext cx="673608" cy="230832"/>
+          </a:xfrm>
+          <a:prstGeom prst="rect">
+            <a:avLst/>
+          </a:prstGeom>
+          <a:noFill/>
+        </p:spPr>
+        <p:txBody>
+          <a:bodyPr wrap="square" rtlCol="0">
+            <a:spAutoFit/>
+          </a:bodyPr>
+          <a:lstStyle/>
+          <a:p>
+            <a:r>
+              <a:rPr lang="ko-KR" altLang="en-US" sz="900"/>
+              <a:t>대분류</a:t>
+            </a:r>
+            <a:endParaRPr lang="ko-KR" altLang="en-US" sz="900" dirty="0"/>
+          </a:p>
+        </p:txBody>
+      </p:sp>
+      <p:sp>
+        <p:nvSpPr>
+          <p:cNvPr id="28" name="TextBox 27">
+            <a:extLst>
+              <a:ext uri="{FF2B5EF4-FFF2-40B4-BE49-F238E27FC236}">
+                <a16:creationId xmlns:a16="http://schemas.microsoft.com/office/drawing/2014/main" id="{C7C89BF8-A577-4D51-B1A1-82BB1AA90B3F}"/>
+              </a:ext>
+            </a:extLst>
+          </p:cNvPr>
+          <p:cNvSpPr txBox="1"/>
+          <p:nvPr/>
+        </p:nvSpPr>
+        <p:spPr>
+          <a:xfrm>
+            <a:off x="544151" y="3483876"/>
+            <a:ext cx="673608" cy="230832"/>
+          </a:xfrm>
+          <a:prstGeom prst="rect">
+            <a:avLst/>
+          </a:prstGeom>
+          <a:noFill/>
+        </p:spPr>
+        <p:txBody>
+          <a:bodyPr wrap="square" rtlCol="0">
+            <a:spAutoFit/>
+          </a:bodyPr>
+          <a:lstStyle/>
+          <a:p>
+            <a:r>
+              <a:rPr lang="ko-KR" altLang="en-US" sz="900"/>
+              <a:t>대분류</a:t>
+            </a:r>
+            <a:endParaRPr lang="ko-KR" altLang="en-US" sz="900" dirty="0"/>
+          </a:p>
+        </p:txBody>
+      </p:sp>
+      <p:sp>
+        <p:nvSpPr>
+          <p:cNvPr id="34" name="TextBox 33">
+            <a:extLst>
+              <a:ext uri="{FF2B5EF4-FFF2-40B4-BE49-F238E27FC236}">
+                <a16:creationId xmlns:a16="http://schemas.microsoft.com/office/drawing/2014/main" id="{A647716F-5AE5-0A38-B4B4-F0597837044A}"/>
+              </a:ext>
+            </a:extLst>
+          </p:cNvPr>
+          <p:cNvSpPr txBox="1"/>
+          <p:nvPr/>
+        </p:nvSpPr>
+        <p:spPr>
+          <a:xfrm>
+            <a:off x="1338898" y="1292938"/>
+            <a:ext cx="673608" cy="200055"/>
+          </a:xfrm>
+          <a:prstGeom prst="rect">
+            <a:avLst/>
+          </a:prstGeom>
+          <a:noFill/>
+        </p:spPr>
+        <p:txBody>
+          <a:bodyPr wrap="square" rtlCol="0">
+            <a:spAutoFit/>
+          </a:bodyPr>
+          <a:lstStyle/>
+          <a:p>
+            <a:r>
+              <a:rPr lang="ko-KR" altLang="en-US" sz="700" dirty="0">
+                <a:solidFill>
+                  <a:schemeClr val="bg1">
+                    <a:lumMod val="50000"/>
+                  </a:schemeClr>
+                </a:solidFill>
+              </a:rPr>
+              <a:t>소분류 표시</a:t>
+            </a:r>
+          </a:p>
+        </p:txBody>
+      </p:sp>
+      <p:sp>
+        <p:nvSpPr>
+          <p:cNvPr id="36" name="TextBox 35">
+            <a:extLst>
+              <a:ext uri="{FF2B5EF4-FFF2-40B4-BE49-F238E27FC236}">
+                <a16:creationId xmlns:a16="http://schemas.microsoft.com/office/drawing/2014/main" id="{0DE98EF5-3D03-96ED-8EF6-BB48F8C9757A}"/>
+              </a:ext>
+            </a:extLst>
+          </p:cNvPr>
+          <p:cNvSpPr txBox="1"/>
+          <p:nvPr/>
+        </p:nvSpPr>
+        <p:spPr>
+          <a:xfrm>
+            <a:off x="1338898" y="1629726"/>
+            <a:ext cx="673608" cy="200055"/>
+          </a:xfrm>
+          <a:prstGeom prst="rect">
+            <a:avLst/>
+          </a:prstGeom>
+          <a:noFill/>
+        </p:spPr>
+        <p:txBody>
+          <a:bodyPr wrap="square" rtlCol="0">
+            <a:spAutoFit/>
+          </a:bodyPr>
+          <a:lstStyle/>
+          <a:p>
+            <a:r>
+              <a:rPr lang="ko-KR" altLang="en-US" sz="700" dirty="0">
+                <a:solidFill>
+                  <a:schemeClr val="bg1">
+                    <a:lumMod val="50000"/>
+                  </a:schemeClr>
+                </a:solidFill>
+              </a:rPr>
+              <a:t>소분류 표시</a:t>
+            </a:r>
+          </a:p>
+        </p:txBody>
+      </p:sp>
+      <p:sp>
+        <p:nvSpPr>
+          <p:cNvPr id="37" name="TextBox 36">
+            <a:extLst>
+              <a:ext uri="{FF2B5EF4-FFF2-40B4-BE49-F238E27FC236}">
+                <a16:creationId xmlns:a16="http://schemas.microsoft.com/office/drawing/2014/main" id="{295DC890-BEBB-0CED-2E66-98B8E1C45BD0}"/>
+              </a:ext>
+            </a:extLst>
+          </p:cNvPr>
+          <p:cNvSpPr txBox="1"/>
+          <p:nvPr/>
+        </p:nvSpPr>
+        <p:spPr>
+          <a:xfrm>
+            <a:off x="1333802" y="1923678"/>
+            <a:ext cx="673608" cy="200055"/>
+          </a:xfrm>
+          <a:prstGeom prst="rect">
+            <a:avLst/>
+          </a:prstGeom>
+          <a:noFill/>
+        </p:spPr>
+        <p:txBody>
+          <a:bodyPr wrap="square" rtlCol="0">
+            <a:spAutoFit/>
+          </a:bodyPr>
+          <a:lstStyle/>
+          <a:p>
+            <a:r>
+              <a:rPr lang="ko-KR" altLang="en-US" sz="700" dirty="0">
+                <a:solidFill>
+                  <a:schemeClr val="bg1">
+                    <a:lumMod val="50000"/>
+                  </a:schemeClr>
+                </a:solidFill>
+              </a:rPr>
+              <a:t>소분류 표시</a:t>
+            </a:r>
+          </a:p>
+        </p:txBody>
+      </p:sp>
+      <p:sp>
+        <p:nvSpPr>
+          <p:cNvPr id="38" name="TextBox 37">
+            <a:extLst>
+              <a:ext uri="{FF2B5EF4-FFF2-40B4-BE49-F238E27FC236}">
+                <a16:creationId xmlns:a16="http://schemas.microsoft.com/office/drawing/2014/main" id="{10694F90-CB8D-6953-F4FA-E5F6B3131FC8}"/>
+              </a:ext>
+            </a:extLst>
+          </p:cNvPr>
+          <p:cNvSpPr txBox="1"/>
+          <p:nvPr/>
+        </p:nvSpPr>
+        <p:spPr>
+          <a:xfrm>
+            <a:off x="1347633" y="2246398"/>
+            <a:ext cx="673608" cy="200055"/>
+          </a:xfrm>
+          <a:prstGeom prst="rect">
+            <a:avLst/>
+          </a:prstGeom>
+          <a:noFill/>
+        </p:spPr>
+        <p:txBody>
+          <a:bodyPr wrap="square" rtlCol="0">
+            <a:spAutoFit/>
+          </a:bodyPr>
+          <a:lstStyle/>
+          <a:p>
+            <a:r>
+              <a:rPr lang="ko-KR" altLang="en-US" sz="700" dirty="0">
+                <a:solidFill>
+                  <a:schemeClr val="bg1">
+                    <a:lumMod val="50000"/>
+                  </a:schemeClr>
+                </a:solidFill>
+              </a:rPr>
+              <a:t>소분류 표시</a:t>
+            </a:r>
+          </a:p>
+        </p:txBody>
+      </p:sp>
+      <p:sp>
+        <p:nvSpPr>
+          <p:cNvPr id="39" name="TextBox 38">
+            <a:extLst>
+              <a:ext uri="{FF2B5EF4-FFF2-40B4-BE49-F238E27FC236}">
+                <a16:creationId xmlns:a16="http://schemas.microsoft.com/office/drawing/2014/main" id="{58B8966C-97D8-1A09-91BC-055012C71C97}"/>
+              </a:ext>
+            </a:extLst>
+          </p:cNvPr>
+          <p:cNvSpPr txBox="1"/>
+          <p:nvPr/>
+        </p:nvSpPr>
+        <p:spPr>
+          <a:xfrm>
+            <a:off x="1354876" y="2571849"/>
+            <a:ext cx="673608" cy="200055"/>
+          </a:xfrm>
+          <a:prstGeom prst="rect">
+            <a:avLst/>
+          </a:prstGeom>
+          <a:noFill/>
+        </p:spPr>
+        <p:txBody>
+          <a:bodyPr wrap="square" rtlCol="0">
+            <a:spAutoFit/>
+          </a:bodyPr>
+          <a:lstStyle/>
+          <a:p>
+            <a:r>
+              <a:rPr lang="ko-KR" altLang="en-US" sz="700" dirty="0">
+                <a:solidFill>
+                  <a:schemeClr val="bg1">
+                    <a:lumMod val="50000"/>
+                  </a:schemeClr>
+                </a:solidFill>
+              </a:rPr>
+              <a:t>소분류 표시</a:t>
+            </a:r>
+          </a:p>
+        </p:txBody>
+      </p:sp>
+      <p:sp>
+        <p:nvSpPr>
+          <p:cNvPr id="40" name="TextBox 39">
+            <a:extLst>
+              <a:ext uri="{FF2B5EF4-FFF2-40B4-BE49-F238E27FC236}">
+                <a16:creationId xmlns:a16="http://schemas.microsoft.com/office/drawing/2014/main" id="{FB4B62C2-1714-D31E-570A-15CBB8AD51C4}"/>
+              </a:ext>
+            </a:extLst>
+          </p:cNvPr>
+          <p:cNvSpPr txBox="1"/>
+          <p:nvPr/>
+        </p:nvSpPr>
+        <p:spPr>
+          <a:xfrm>
+            <a:off x="1347633" y="2869429"/>
+            <a:ext cx="673608" cy="200055"/>
+          </a:xfrm>
+          <a:prstGeom prst="rect">
+            <a:avLst/>
+          </a:prstGeom>
+          <a:noFill/>
+        </p:spPr>
+        <p:txBody>
+          <a:bodyPr wrap="square" rtlCol="0">
+            <a:spAutoFit/>
+          </a:bodyPr>
+          <a:lstStyle/>
+          <a:p>
+            <a:r>
+              <a:rPr lang="ko-KR" altLang="en-US" sz="700" dirty="0">
+                <a:solidFill>
+                  <a:schemeClr val="bg1">
+                    <a:lumMod val="50000"/>
+                  </a:schemeClr>
+                </a:solidFill>
+              </a:rPr>
+              <a:t>소분류 표시</a:t>
+            </a:r>
+          </a:p>
+        </p:txBody>
+      </p:sp>
+      <p:sp>
+        <p:nvSpPr>
+          <p:cNvPr id="41" name="TextBox 40">
+            <a:extLst>
+              <a:ext uri="{FF2B5EF4-FFF2-40B4-BE49-F238E27FC236}">
+                <a16:creationId xmlns:a16="http://schemas.microsoft.com/office/drawing/2014/main" id="{E6EFBB10-F60C-5C8D-6152-A4C0155FAC7D}"/>
+              </a:ext>
+            </a:extLst>
+          </p:cNvPr>
+          <p:cNvSpPr txBox="1"/>
+          <p:nvPr/>
+        </p:nvSpPr>
+        <p:spPr>
+          <a:xfrm>
+            <a:off x="1347633" y="3199364"/>
+            <a:ext cx="673608" cy="200055"/>
+          </a:xfrm>
+          <a:prstGeom prst="rect">
+            <a:avLst/>
+          </a:prstGeom>
+          <a:noFill/>
+        </p:spPr>
+        <p:txBody>
+          <a:bodyPr wrap="square" rtlCol="0">
+            <a:spAutoFit/>
+          </a:bodyPr>
+          <a:lstStyle/>
+          <a:p>
+            <a:r>
+              <a:rPr lang="ko-KR" altLang="en-US" sz="700" dirty="0">
+                <a:solidFill>
+                  <a:schemeClr val="bg1">
+                    <a:lumMod val="50000"/>
+                  </a:schemeClr>
+                </a:solidFill>
+              </a:rPr>
+              <a:t>소분류 표시</a:t>
+            </a:r>
+          </a:p>
+        </p:txBody>
+      </p:sp>
+      <p:sp>
+        <p:nvSpPr>
+          <p:cNvPr id="42" name="TextBox 41">
+            <a:extLst>
+              <a:ext uri="{FF2B5EF4-FFF2-40B4-BE49-F238E27FC236}">
+                <a16:creationId xmlns:a16="http://schemas.microsoft.com/office/drawing/2014/main" id="{3F92573C-FBE3-7B23-929F-A3BB30031BEB}"/>
+              </a:ext>
+            </a:extLst>
+          </p:cNvPr>
+          <p:cNvSpPr txBox="1"/>
+          <p:nvPr/>
+        </p:nvSpPr>
+        <p:spPr>
+          <a:xfrm>
+            <a:off x="1362523" y="3508870"/>
+            <a:ext cx="673608" cy="200055"/>
+          </a:xfrm>
+          <a:prstGeom prst="rect">
+            <a:avLst/>
+          </a:prstGeom>
+          <a:noFill/>
+        </p:spPr>
+        <p:txBody>
+          <a:bodyPr wrap="square" rtlCol="0">
+            <a:spAutoFit/>
+          </a:bodyPr>
+          <a:lstStyle/>
+          <a:p>
+            <a:r>
+              <a:rPr lang="ko-KR" altLang="en-US" sz="700" dirty="0">
+                <a:solidFill>
+                  <a:schemeClr val="bg1">
+                    <a:lumMod val="50000"/>
+                  </a:schemeClr>
+                </a:solidFill>
+              </a:rPr>
+              <a:t>소분류 표시</a:t>
+            </a:r>
+          </a:p>
+        </p:txBody>
+      </p:sp>
+      <p:sp>
+        <p:nvSpPr>
+          <p:cNvPr id="45" name="TextBox 44">
+            <a:extLst>
+              <a:ext uri="{FF2B5EF4-FFF2-40B4-BE49-F238E27FC236}">
+                <a16:creationId xmlns:a16="http://schemas.microsoft.com/office/drawing/2014/main" id="{305B3365-85BB-0821-9872-8AC7112E5B29}"/>
+              </a:ext>
+            </a:extLst>
+          </p:cNvPr>
+          <p:cNvSpPr txBox="1"/>
+          <p:nvPr/>
+        </p:nvSpPr>
+        <p:spPr>
+          <a:xfrm>
+            <a:off x="3238153" y="398640"/>
+            <a:ext cx="505188" cy="230832"/>
+          </a:xfrm>
+          <a:prstGeom prst="rect">
+            <a:avLst/>
+          </a:prstGeom>
+          <a:noFill/>
+        </p:spPr>
+        <p:txBody>
+          <a:bodyPr wrap="square" rtlCol="0">
+            <a:spAutoFit/>
+          </a:bodyPr>
+          <a:lstStyle/>
+          <a:p>
+            <a:r>
+              <a:rPr lang="en-US" altLang="ko-KR" sz="900" dirty="0"/>
+              <a:t>image</a:t>
+            </a:r>
+            <a:endParaRPr lang="ko-KR" altLang="en-US" sz="900" dirty="0"/>
+          </a:p>
+        </p:txBody>
+      </p:sp>
+      <p:sp>
+        <p:nvSpPr>
+          <p:cNvPr id="50" name="사각형: 둥근 모서리 49">
+            <a:extLst>
+              <a:ext uri="{FF2B5EF4-FFF2-40B4-BE49-F238E27FC236}">
+                <a16:creationId xmlns:a16="http://schemas.microsoft.com/office/drawing/2014/main" id="{8A297757-4ADC-8DA1-4FDE-6A1CE15EB6DC}"/>
+              </a:ext>
+            </a:extLst>
+          </p:cNvPr>
+          <p:cNvSpPr/>
+          <p:nvPr/>
+        </p:nvSpPr>
+        <p:spPr>
+          <a:xfrm>
+            <a:off x="249303" y="303384"/>
+            <a:ext cx="6432447" cy="525650"/>
+          </a:xfrm>
+          <a:prstGeom prst="roundRect">
+            <a:avLst/>
+          </a:prstGeom>
+        </p:spPr>
+        <p:style>
+          <a:lnRef idx="2">
+            <a:schemeClr val="dk1"/>
+          </a:lnRef>
+          <a:fillRef idx="1">
+            <a:schemeClr val="lt1"/>
+          </a:fillRef>
+          <a:effectRef idx="0">
+            <a:schemeClr val="dk1"/>
+          </a:effectRef>
+          <a:fontRef idx="minor">
+            <a:schemeClr val="dk1"/>
+          </a:fontRef>
+        </p:style>
+        <p:txBody>
+          <a:bodyPr rtlCol="0" anchor="ctr"/>
+          <a:lstStyle/>
+          <a:p>
+            <a:pPr algn="ctr"/>
+            <a:r>
+              <a:rPr lang="en-US" altLang="ko-KR" dirty="0"/>
+              <a:t>header</a:t>
+            </a:r>
+            <a:endParaRPr lang="ko-KR" altLang="en-US" dirty="0"/>
+          </a:p>
+        </p:txBody>
+      </p:sp>
+      <p:sp>
+        <p:nvSpPr>
+          <p:cNvPr id="52" name="직사각형 51">
+            <a:extLst>
+              <a:ext uri="{FF2B5EF4-FFF2-40B4-BE49-F238E27FC236}">
+                <a16:creationId xmlns:a16="http://schemas.microsoft.com/office/drawing/2014/main" id="{3D710551-F1D9-369E-6DC1-273AA31EC4F1}"/>
+              </a:ext>
+            </a:extLst>
+          </p:cNvPr>
+          <p:cNvSpPr/>
+          <p:nvPr/>
+        </p:nvSpPr>
+        <p:spPr>
+          <a:xfrm>
+            <a:off x="4572000" y="1222578"/>
+            <a:ext cx="1944212" cy="197044"/>
+          </a:xfrm>
+          <a:prstGeom prst="rect">
+            <a:avLst/>
+          </a:prstGeom>
+          <a:noFill/>
+        </p:spPr>
+        <p:style>
+          <a:lnRef idx="2">
+            <a:schemeClr val="accent1">
+              <a:shade val="15000"/>
+            </a:schemeClr>
+          </a:lnRef>
+          <a:fillRef idx="1">
+            <a:schemeClr val="accent1"/>
+          </a:fillRef>
+          <a:effectRef idx="0">
+            <a:schemeClr val="accent1"/>
+          </a:effectRef>
+          <a:fontRef idx="minor">
+            <a:schemeClr val="lt1"/>
+          </a:fontRef>
+        </p:style>
+        <p:txBody>
+          <a:bodyPr rtlCol="0" anchor="ctr"/>
+          <a:lstStyle/>
+          <a:p>
+            <a:pPr algn="ctr"/>
+            <a:endParaRPr lang="ko-KR" altLang="en-US"/>
+          </a:p>
+        </p:txBody>
+      </p:sp>
+      <p:sp>
+        <p:nvSpPr>
+          <p:cNvPr id="53" name="직사각형 52">
+            <a:extLst>
+              <a:ext uri="{FF2B5EF4-FFF2-40B4-BE49-F238E27FC236}">
+                <a16:creationId xmlns:a16="http://schemas.microsoft.com/office/drawing/2014/main" id="{4B3C2E15-7080-861D-51FB-ED5DB168F837}"/>
+              </a:ext>
+            </a:extLst>
+          </p:cNvPr>
+          <p:cNvSpPr/>
+          <p:nvPr/>
+        </p:nvSpPr>
+        <p:spPr>
+          <a:xfrm>
+            <a:off x="4572000" y="1504463"/>
+            <a:ext cx="1944212" cy="197044"/>
+          </a:xfrm>
+          <a:prstGeom prst="rect">
+            <a:avLst/>
+          </a:prstGeom>
+          <a:noFill/>
+        </p:spPr>
+        <p:style>
+          <a:lnRef idx="2">
+            <a:schemeClr val="accent1">
+              <a:shade val="15000"/>
+            </a:schemeClr>
+          </a:lnRef>
+          <a:fillRef idx="1">
+            <a:schemeClr val="accent1"/>
+          </a:fillRef>
+          <a:effectRef idx="0">
+            <a:schemeClr val="accent1"/>
+          </a:effectRef>
+          <a:fontRef idx="minor">
+            <a:schemeClr val="lt1"/>
+          </a:fontRef>
+        </p:style>
+        <p:txBody>
+          <a:bodyPr rtlCol="0" anchor="ctr"/>
+          <a:lstStyle/>
+          <a:p>
+            <a:pPr algn="ctr"/>
+            <a:endParaRPr lang="ko-KR" altLang="en-US"/>
+          </a:p>
+        </p:txBody>
+      </p:sp>
+      <p:sp>
+        <p:nvSpPr>
+          <p:cNvPr id="54" name="직사각형 53">
+            <a:extLst>
+              <a:ext uri="{FF2B5EF4-FFF2-40B4-BE49-F238E27FC236}">
+                <a16:creationId xmlns:a16="http://schemas.microsoft.com/office/drawing/2014/main" id="{4BFE0434-8612-B673-5CF0-52CF31F75FC9}"/>
+              </a:ext>
+            </a:extLst>
+          </p:cNvPr>
+          <p:cNvSpPr/>
+          <p:nvPr/>
+        </p:nvSpPr>
+        <p:spPr>
+          <a:xfrm>
+            <a:off x="4581374" y="1786348"/>
+            <a:ext cx="1944212" cy="197044"/>
+          </a:xfrm>
+          <a:prstGeom prst="rect">
+            <a:avLst/>
+          </a:prstGeom>
+          <a:noFill/>
+        </p:spPr>
+        <p:style>
+          <a:lnRef idx="2">
+            <a:schemeClr val="accent1">
+              <a:shade val="15000"/>
+            </a:schemeClr>
+          </a:lnRef>
+          <a:fillRef idx="1">
+            <a:schemeClr val="accent1"/>
+          </a:fillRef>
+          <a:effectRef idx="0">
+            <a:schemeClr val="accent1"/>
+          </a:effectRef>
+          <a:fontRef idx="minor">
+            <a:schemeClr val="lt1"/>
+          </a:fontRef>
+        </p:style>
+        <p:txBody>
+          <a:bodyPr rtlCol="0" anchor="ctr"/>
+          <a:lstStyle/>
+          <a:p>
+            <a:pPr algn="ctr"/>
+            <a:endParaRPr lang="ko-KR" altLang="en-US"/>
+          </a:p>
+        </p:txBody>
+      </p:sp>
+      <p:sp>
+        <p:nvSpPr>
+          <p:cNvPr id="55" name="직사각형 54">
+            <a:extLst>
+              <a:ext uri="{FF2B5EF4-FFF2-40B4-BE49-F238E27FC236}">
+                <a16:creationId xmlns:a16="http://schemas.microsoft.com/office/drawing/2014/main" id="{C3FEED70-8089-85BE-47E6-16CF18343F66}"/>
+              </a:ext>
+            </a:extLst>
+          </p:cNvPr>
+          <p:cNvSpPr/>
+          <p:nvPr/>
+        </p:nvSpPr>
+        <p:spPr>
+          <a:xfrm>
+            <a:off x="4572000" y="2070874"/>
+            <a:ext cx="1944212" cy="197044"/>
+          </a:xfrm>
+          <a:prstGeom prst="rect">
+            <a:avLst/>
+          </a:prstGeom>
+          <a:noFill/>
+        </p:spPr>
+        <p:style>
+          <a:lnRef idx="2">
+            <a:schemeClr val="accent1">
+              <a:shade val="15000"/>
+            </a:schemeClr>
+          </a:lnRef>
+          <a:fillRef idx="1">
+            <a:schemeClr val="accent1"/>
+          </a:fillRef>
+          <a:effectRef idx="0">
+            <a:schemeClr val="accent1"/>
+          </a:effectRef>
+          <a:fontRef idx="minor">
+            <a:schemeClr val="lt1"/>
+          </a:fontRef>
+        </p:style>
+        <p:txBody>
+          <a:bodyPr rtlCol="0" anchor="ctr"/>
+          <a:lstStyle/>
+          <a:p>
+            <a:pPr algn="ctr"/>
+            <a:endParaRPr lang="ko-KR" altLang="en-US"/>
+          </a:p>
+        </p:txBody>
+      </p:sp>
+      <p:sp>
+        <p:nvSpPr>
+          <p:cNvPr id="56" name="직사각형 55">
+            <a:extLst>
+              <a:ext uri="{FF2B5EF4-FFF2-40B4-BE49-F238E27FC236}">
+                <a16:creationId xmlns:a16="http://schemas.microsoft.com/office/drawing/2014/main" id="{C362EFB3-FB44-8C83-27C2-D7842C7FFF79}"/>
+              </a:ext>
+            </a:extLst>
+          </p:cNvPr>
+          <p:cNvSpPr/>
+          <p:nvPr/>
+        </p:nvSpPr>
+        <p:spPr>
+          <a:xfrm>
+            <a:off x="4572000" y="2355400"/>
+            <a:ext cx="1944212" cy="197044"/>
+          </a:xfrm>
+          <a:prstGeom prst="rect">
+            <a:avLst/>
+          </a:prstGeom>
+          <a:noFill/>
+        </p:spPr>
+        <p:style>
+          <a:lnRef idx="2">
+            <a:schemeClr val="accent1">
+              <a:shade val="15000"/>
+            </a:schemeClr>
+          </a:lnRef>
+          <a:fillRef idx="1">
+            <a:schemeClr val="accent1"/>
+          </a:fillRef>
+          <a:effectRef idx="0">
+            <a:schemeClr val="accent1"/>
+          </a:effectRef>
+          <a:fontRef idx="minor">
+            <a:schemeClr val="lt1"/>
+          </a:fontRef>
+        </p:style>
+        <p:txBody>
+          <a:bodyPr rtlCol="0" anchor="ctr"/>
+          <a:lstStyle/>
+          <a:p>
+            <a:pPr algn="ctr"/>
+            <a:endParaRPr lang="ko-KR" altLang="en-US"/>
+          </a:p>
+        </p:txBody>
+      </p:sp>
+      <p:sp>
+        <p:nvSpPr>
+          <p:cNvPr id="57" name="직사각형 56">
+            <a:extLst>
+              <a:ext uri="{FF2B5EF4-FFF2-40B4-BE49-F238E27FC236}">
+                <a16:creationId xmlns:a16="http://schemas.microsoft.com/office/drawing/2014/main" id="{9498A884-C089-F36F-4EA6-733CD746CF1B}"/>
+              </a:ext>
+            </a:extLst>
+          </p:cNvPr>
+          <p:cNvSpPr/>
+          <p:nvPr/>
+        </p:nvSpPr>
+        <p:spPr>
+          <a:xfrm>
+            <a:off x="3923928" y="2632112"/>
+            <a:ext cx="2595007" cy="1178077"/>
+          </a:xfrm>
+          <a:prstGeom prst="rect">
+            <a:avLst/>
+          </a:prstGeom>
+          <a:noFill/>
+        </p:spPr>
+        <p:style>
+          <a:lnRef idx="2">
+            <a:schemeClr val="accent1">
+              <a:shade val="15000"/>
+            </a:schemeClr>
+          </a:lnRef>
+          <a:fillRef idx="1">
+            <a:schemeClr val="accent1"/>
+          </a:fillRef>
+          <a:effectRef idx="0">
+            <a:schemeClr val="accent1"/>
+          </a:effectRef>
+          <a:fontRef idx="minor">
+            <a:schemeClr val="lt1"/>
+          </a:fontRef>
+        </p:style>
+        <p:txBody>
+          <a:bodyPr rtlCol="0" anchor="ctr"/>
+          <a:lstStyle/>
+          <a:p>
+            <a:pPr algn="ctr"/>
+            <a:endParaRPr lang="ko-KR" altLang="en-US"/>
+          </a:p>
+        </p:txBody>
+      </p:sp>
+      <p:sp>
+        <p:nvSpPr>
+          <p:cNvPr id="59" name="직사각형 58">
+            <a:extLst>
+              <a:ext uri="{FF2B5EF4-FFF2-40B4-BE49-F238E27FC236}">
+                <a16:creationId xmlns:a16="http://schemas.microsoft.com/office/drawing/2014/main" id="{8085D3C7-5C75-B01D-24CA-C220E32A41E1}"/>
+              </a:ext>
+            </a:extLst>
+          </p:cNvPr>
+          <p:cNvSpPr/>
+          <p:nvPr/>
+        </p:nvSpPr>
+        <p:spPr>
+          <a:xfrm>
+            <a:off x="2455745" y="4256377"/>
+            <a:ext cx="864226" cy="259441"/>
+          </a:xfrm>
+          <a:prstGeom prst="rect">
+            <a:avLst/>
+          </a:prstGeom>
+          <a:noFill/>
+          <a:ln w="12700"/>
+        </p:spPr>
+        <p:style>
+          <a:lnRef idx="2">
+            <a:schemeClr val="accent1">
+              <a:shade val="15000"/>
+            </a:schemeClr>
+          </a:lnRef>
+          <a:fillRef idx="1">
+            <a:schemeClr val="accent1"/>
+          </a:fillRef>
+          <a:effectRef idx="0">
+            <a:schemeClr val="accent1"/>
+          </a:effectRef>
+          <a:fontRef idx="minor">
+            <a:schemeClr val="lt1"/>
+          </a:fontRef>
+        </p:style>
+        <p:txBody>
+          <a:bodyPr rtlCol="0" anchor="ctr"/>
+          <a:lstStyle/>
+          <a:p>
+            <a:pPr algn="ctr"/>
+            <a:endParaRPr lang="ko-KR" altLang="en-US"/>
+          </a:p>
+        </p:txBody>
+      </p:sp>
+      <p:sp>
+        <p:nvSpPr>
+          <p:cNvPr id="60" name="직사각형 59">
+            <a:extLst>
+              <a:ext uri="{FF2B5EF4-FFF2-40B4-BE49-F238E27FC236}">
+                <a16:creationId xmlns:a16="http://schemas.microsoft.com/office/drawing/2014/main" id="{C8A51EA8-28B2-2685-B372-5D930BFAB89A}"/>
+              </a:ext>
+            </a:extLst>
+          </p:cNvPr>
+          <p:cNvSpPr/>
+          <p:nvPr/>
+        </p:nvSpPr>
+        <p:spPr>
+          <a:xfrm>
+            <a:off x="3746973" y="4256377"/>
+            <a:ext cx="864226" cy="259441"/>
+          </a:xfrm>
+          <a:prstGeom prst="rect">
+            <a:avLst/>
+          </a:prstGeom>
+          <a:noFill/>
+          <a:ln w="12700"/>
+        </p:spPr>
+        <p:style>
+          <a:lnRef idx="2">
+            <a:schemeClr val="accent1">
+              <a:shade val="15000"/>
+            </a:schemeClr>
+          </a:lnRef>
+          <a:fillRef idx="1">
+            <a:schemeClr val="accent1"/>
+          </a:fillRef>
+          <a:effectRef idx="0">
+            <a:schemeClr val="accent1"/>
+          </a:effectRef>
+          <a:fontRef idx="minor">
+            <a:schemeClr val="lt1"/>
+          </a:fontRef>
+        </p:style>
+        <p:txBody>
+          <a:bodyPr rtlCol="0" anchor="ctr"/>
+          <a:lstStyle/>
+          <a:p>
+            <a:pPr algn="ctr"/>
+            <a:endParaRPr lang="ko-KR" altLang="en-US"/>
+          </a:p>
+        </p:txBody>
+      </p:sp>
+      <p:sp>
+        <p:nvSpPr>
+          <p:cNvPr id="61" name="TextBox 60">
+            <a:extLst>
+              <a:ext uri="{FF2B5EF4-FFF2-40B4-BE49-F238E27FC236}">
+                <a16:creationId xmlns:a16="http://schemas.microsoft.com/office/drawing/2014/main" id="{EDE2339A-A04D-4643-65B8-9EC7F4E64B21}"/>
+              </a:ext>
+            </a:extLst>
+          </p:cNvPr>
+          <p:cNvSpPr txBox="1"/>
+          <p:nvPr/>
+        </p:nvSpPr>
+        <p:spPr>
+          <a:xfrm>
+            <a:off x="2531146" y="4278375"/>
+            <a:ext cx="818493" cy="215444"/>
+          </a:xfrm>
+          <a:prstGeom prst="rect">
+            <a:avLst/>
+          </a:prstGeom>
+          <a:noFill/>
+        </p:spPr>
+        <p:txBody>
+          <a:bodyPr wrap="square" rtlCol="0">
+            <a:spAutoFit/>
+          </a:bodyPr>
+          <a:lstStyle/>
+          <a:p>
+            <a:r>
+              <a:rPr lang="ko-KR" altLang="en-US" sz="800" dirty="0"/>
+              <a:t>파일 버튼 </a:t>
+            </a:r>
+            <a:r>
+              <a:rPr lang="en-US" altLang="ko-KR" sz="800" dirty="0"/>
+              <a:t>1</a:t>
+            </a:r>
+            <a:endParaRPr lang="ko-KR" altLang="en-US" sz="800" dirty="0"/>
+          </a:p>
+        </p:txBody>
+      </p:sp>
+      <p:sp>
+        <p:nvSpPr>
+          <p:cNvPr id="63" name="TextBox 62">
+            <a:extLst>
+              <a:ext uri="{FF2B5EF4-FFF2-40B4-BE49-F238E27FC236}">
+                <a16:creationId xmlns:a16="http://schemas.microsoft.com/office/drawing/2014/main" id="{27FA6FC9-04B9-494E-3294-BFCE266E241C}"/>
+              </a:ext>
+            </a:extLst>
+          </p:cNvPr>
+          <p:cNvSpPr txBox="1"/>
+          <p:nvPr/>
+        </p:nvSpPr>
+        <p:spPr>
+          <a:xfrm>
+            <a:off x="3776641" y="4279310"/>
+            <a:ext cx="920017" cy="215444"/>
+          </a:xfrm>
+          <a:prstGeom prst="rect">
+            <a:avLst/>
+          </a:prstGeom>
+          <a:noFill/>
+        </p:spPr>
+        <p:txBody>
+          <a:bodyPr wrap="square" rtlCol="0">
+            <a:spAutoFit/>
+          </a:bodyPr>
+          <a:lstStyle/>
+          <a:p>
+            <a:r>
+              <a:rPr lang="ko-KR" altLang="en-US" sz="800"/>
+              <a:t>모임 생성 버튼</a:t>
+            </a:r>
+            <a:endParaRPr lang="ko-KR" altLang="en-US" sz="800" dirty="0"/>
+          </a:p>
+        </p:txBody>
+      </p:sp>
+      <p:sp>
+        <p:nvSpPr>
+          <p:cNvPr id="64" name="사각형: 둥근 모서리 63">
+            <a:extLst>
+              <a:ext uri="{FF2B5EF4-FFF2-40B4-BE49-F238E27FC236}">
+                <a16:creationId xmlns:a16="http://schemas.microsoft.com/office/drawing/2014/main" id="{A8C39342-88DA-1948-F4AD-C317D5F87B07}"/>
+              </a:ext>
+            </a:extLst>
+          </p:cNvPr>
+          <p:cNvSpPr/>
+          <p:nvPr/>
+        </p:nvSpPr>
+        <p:spPr>
+          <a:xfrm>
+            <a:off x="249495" y="4731990"/>
+            <a:ext cx="6432447" cy="300182"/>
+          </a:xfrm>
+          <a:prstGeom prst="roundRect">
+            <a:avLst/>
+          </a:prstGeom>
+        </p:spPr>
+        <p:style>
+          <a:lnRef idx="2">
+            <a:schemeClr val="dk1"/>
+          </a:lnRef>
+          <a:fillRef idx="1">
+            <a:schemeClr val="lt1"/>
+          </a:fillRef>
+          <a:effectRef idx="0">
+            <a:schemeClr val="dk1"/>
+          </a:effectRef>
+          <a:fontRef idx="minor">
+            <a:schemeClr val="dk1"/>
+          </a:fontRef>
+        </p:style>
+        <p:txBody>
+          <a:bodyPr rtlCol="0" anchor="ctr"/>
+          <a:lstStyle/>
+          <a:p>
+            <a:pPr algn="ctr"/>
+            <a:r>
+              <a:rPr lang="en-US" altLang="ko-KR" dirty="0"/>
+              <a:t>text</a:t>
+            </a:r>
+            <a:endParaRPr lang="ko-KR" altLang="en-US" dirty="0"/>
+          </a:p>
+        </p:txBody>
+      </p:sp>
+    </p:spTree>
+    <p:extLst>
+      <p:ext uri="{BB962C8B-B14F-4D97-AF65-F5344CB8AC3E}">
+        <p14:creationId xmlns:p14="http://schemas.microsoft.com/office/powerpoint/2010/main" val="2408041528"/>
+      </p:ext>
+    </p:extLst>
+  </p:cSld>
+  <p:clrMapOvr>
+    <a:masterClrMapping/>
+  </p:clrMapOvr>
+</p:sld>
+</file>
+
+<file path=ppt/slides/slide4.xml><?xml version="1.0" encoding="utf-8"?>
+<p:sld xmlns:a="http://schemas.openxmlformats.org/drawingml/2006/main" xmlns:r="http://schemas.openxmlformats.org/officeDocument/2006/relationships" xmlns:p="http://schemas.openxmlformats.org/presentationml/2006/main">
+  <p:cSld>
+    <p:spTree>
+      <p:nvGrpSpPr>
+        <p:cNvPr id="1" name="">
+          <a:extLst>
+            <a:ext uri="{FF2B5EF4-FFF2-40B4-BE49-F238E27FC236}">
+              <a16:creationId xmlns:a16="http://schemas.microsoft.com/office/drawing/2014/main" id="{E130B51A-F1F2-F17E-1324-6D4AACEBA700}"/>
+            </a:ext>
+          </a:extLst>
+        </p:cNvPr>
+        <p:cNvGrpSpPr/>
+        <p:nvPr/>
+      </p:nvGrpSpPr>
+      <p:grpSpPr>
+        <a:xfrm>
+          <a:off x="0" y="0"/>
+          <a:ext cx="0" cy="0"/>
+          <a:chOff x="0" y="0"/>
+          <a:chExt cx="0" cy="0"/>
+        </a:xfrm>
+      </p:grpSpPr>
+      <p:sp>
+        <p:nvSpPr>
+          <p:cNvPr id="32" name="텍스트 개체 틀 31">
+            <a:extLst>
+              <a:ext uri="{FF2B5EF4-FFF2-40B4-BE49-F238E27FC236}">
+                <a16:creationId xmlns:a16="http://schemas.microsoft.com/office/drawing/2014/main" id="{B0C02C75-0E83-7783-6510-D0266D9F4191}"/>
+              </a:ext>
+            </a:extLst>
+          </p:cNvPr>
+          <p:cNvSpPr>
+            <a:spLocks noGrp="1"/>
+          </p:cNvSpPr>
+          <p:nvPr>
+            <p:ph type="body" sz="quarter" idx="10"/>
+          </p:nvPr>
+        </p:nvSpPr>
+        <p:spPr/>
+        <p:txBody>
+          <a:bodyPr/>
+          <a:lstStyle/>
+          <a:p>
+            <a:r>
+              <a:rPr lang="ko-KR" altLang="en-US" dirty="0"/>
+              <a:t>호스트가 업로드한 모임 대표 이미지</a:t>
+            </a:r>
+            <a:endParaRPr lang="en-US" altLang="ko-KR" dirty="0"/>
+          </a:p>
+          <a:p>
+            <a:r>
+              <a:rPr lang="ko-KR" altLang="en-US" dirty="0" err="1"/>
+              <a:t>목록겸</a:t>
+            </a:r>
+            <a:r>
+              <a:rPr lang="en-US" altLang="ko-KR" dirty="0"/>
+              <a:t>, 3</a:t>
+            </a:r>
+            <a:r>
+              <a:rPr lang="ko-KR" altLang="en-US" dirty="0"/>
+              <a:t>에 대한 앵커</a:t>
+            </a:r>
+            <a:r>
+              <a:rPr lang="en-US" altLang="ko-KR" dirty="0"/>
+              <a:t>? </a:t>
+            </a:r>
+            <a:r>
+              <a:rPr lang="ko-KR" altLang="en-US" dirty="0"/>
+              <a:t>링크</a:t>
+            </a:r>
+            <a:r>
+              <a:rPr lang="en-US" altLang="ko-KR" dirty="0"/>
+              <a:t>?</a:t>
+            </a:r>
+            <a:br>
+              <a:rPr lang="en-US" altLang="ko-KR" dirty="0"/>
+            </a:br>
+            <a:r>
+              <a:rPr lang="ko-KR" altLang="en-US" dirty="0"/>
+              <a:t>해당 목록을 누르면 </a:t>
+            </a:r>
+            <a:r>
+              <a:rPr lang="en-US" altLang="ko-KR" dirty="0"/>
+              <a:t>3</a:t>
+            </a:r>
+            <a:r>
+              <a:rPr lang="ko-KR" altLang="en-US" dirty="0"/>
+              <a:t>번 </a:t>
+            </a:r>
+            <a:r>
+              <a:rPr lang="ko-KR" altLang="en-US" dirty="0" err="1"/>
+              <a:t>영역중</a:t>
+            </a:r>
+            <a:r>
+              <a:rPr lang="ko-KR" altLang="en-US" dirty="0"/>
+              <a:t> 해당 </a:t>
+            </a:r>
+            <a:r>
+              <a:rPr lang="ko-KR" altLang="en-US" dirty="0" err="1"/>
+              <a:t>페이지쪽으로</a:t>
+            </a:r>
+            <a:r>
+              <a:rPr lang="ko-KR" altLang="en-US" dirty="0"/>
+              <a:t> 스크롤 이동</a:t>
+            </a:r>
+            <a:endParaRPr lang="en-US" altLang="ko-KR" dirty="0"/>
+          </a:p>
+          <a:p>
+            <a:r>
+              <a:rPr lang="ko-KR" altLang="en-US" dirty="0"/>
+              <a:t>호스트가 작성한 모임에 대한 </a:t>
+            </a:r>
+            <a:r>
+              <a:rPr lang="ko-KR" altLang="en-US" dirty="0" err="1"/>
+              <a:t>소개글</a:t>
+            </a:r>
+            <a:r>
+              <a:rPr lang="en-US" altLang="ko-KR" dirty="0"/>
+              <a:t>,</a:t>
+            </a:r>
+            <a:br>
+              <a:rPr lang="en-US" altLang="ko-KR" dirty="0"/>
+            </a:br>
+            <a:r>
+              <a:rPr lang="ko-KR" altLang="en-US" dirty="0"/>
+              <a:t>가장 부모 영역은 내용만큼 스크롤</a:t>
+            </a:r>
+            <a:endParaRPr lang="en-US" altLang="ko-KR" dirty="0"/>
+          </a:p>
+          <a:p>
+            <a:r>
+              <a:rPr lang="ko-KR" altLang="en-US" dirty="0"/>
+              <a:t>모임 신청 영역</a:t>
+            </a:r>
+            <a:endParaRPr lang="en-US" altLang="ko-KR" dirty="0"/>
+          </a:p>
+          <a:p>
+            <a:r>
+              <a:rPr lang="ko-KR" altLang="en-US" dirty="0"/>
+              <a:t>호스트가 작성한 모임에 대한 간략한 정보</a:t>
+            </a:r>
+            <a:br>
+              <a:rPr lang="en-US" altLang="ko-KR" dirty="0"/>
+            </a:br>
+            <a:r>
+              <a:rPr lang="en-US" altLang="ko-KR" dirty="0"/>
+              <a:t>position fixed</a:t>
+            </a:r>
+            <a:br>
+              <a:rPr lang="en-US" altLang="ko-KR" dirty="0"/>
+            </a:br>
+            <a:endParaRPr lang="en-US" altLang="ko-KR" dirty="0"/>
+          </a:p>
+          <a:p>
+            <a:r>
+              <a:rPr lang="ko-KR" altLang="en-US" dirty="0"/>
+              <a:t>해당 모임 관심버튼</a:t>
+            </a:r>
+            <a:endParaRPr lang="en-US" altLang="ko-KR" dirty="0"/>
+          </a:p>
+          <a:p>
+            <a:r>
+              <a:rPr lang="ko-KR" altLang="en-US" dirty="0"/>
+              <a:t>해당 버튼을 누르면 </a:t>
+            </a:r>
+            <a:r>
+              <a:rPr lang="ko-KR" altLang="en-US" dirty="0" err="1"/>
+              <a:t>로그인된</a:t>
+            </a:r>
+            <a:r>
+              <a:rPr lang="ko-KR" altLang="en-US" dirty="0"/>
+              <a:t> 신청자 정보로 신청 페이지로 이동</a:t>
+            </a:r>
+            <a:endParaRPr lang="en-US" altLang="ko-KR" dirty="0"/>
+          </a:p>
+        </p:txBody>
+      </p:sp>
+      <p:sp>
+        <p:nvSpPr>
+          <p:cNvPr id="33" name="텍스트 개체 틀 32">
+            <a:extLst>
+              <a:ext uri="{FF2B5EF4-FFF2-40B4-BE49-F238E27FC236}">
+                <a16:creationId xmlns:a16="http://schemas.microsoft.com/office/drawing/2014/main" id="{4D228288-C515-E5EF-2604-4595F33AAF10}"/>
+              </a:ext>
+            </a:extLst>
+          </p:cNvPr>
+          <p:cNvSpPr>
+            <a:spLocks noGrp="1"/>
+          </p:cNvSpPr>
+          <p:nvPr>
+            <p:ph type="body" sz="quarter" idx="11"/>
+          </p:nvPr>
+        </p:nvSpPr>
+        <p:spPr/>
+        <p:txBody>
+          <a:bodyPr/>
+          <a:lstStyle/>
+          <a:p>
+            <a:r>
+              <a:rPr lang="en-US" altLang="ko-KR" dirty="0"/>
+              <a:t>3.1</a:t>
+            </a:r>
+            <a:endParaRPr lang="ko-KR" altLang="en-US" dirty="0"/>
+          </a:p>
+        </p:txBody>
+      </p:sp>
+      <p:sp>
+        <p:nvSpPr>
+          <p:cNvPr id="111" name="모서리가 둥근 직사각형 110">
+            <a:extLst>
+              <a:ext uri="{FF2B5EF4-FFF2-40B4-BE49-F238E27FC236}">
+                <a16:creationId xmlns:a16="http://schemas.microsoft.com/office/drawing/2014/main" id="{65170709-4014-EBBA-9C7D-E43A73220B17}"/>
+              </a:ext>
+            </a:extLst>
+          </p:cNvPr>
+          <p:cNvSpPr/>
+          <p:nvPr/>
+        </p:nvSpPr>
+        <p:spPr>
+          <a:xfrm>
+            <a:off x="299794" y="4159689"/>
+            <a:ext cx="709387" cy="229725"/>
+          </a:xfrm>
+          <a:prstGeom prst="roundRect">
+            <a:avLst>
+              <a:gd name="adj" fmla="val 9813"/>
+            </a:avLst>
+          </a:prstGeom>
+          <a:noFill/>
+          <a:ln w="6350">
+            <a:noFill/>
+          </a:ln>
+        </p:spPr>
+        <p:style>
+          <a:lnRef idx="2">
+            <a:schemeClr val="accent1">
+              <a:shade val="50000"/>
+            </a:schemeClr>
+          </a:lnRef>
+          <a:fillRef idx="1">
+            <a:schemeClr val="accent1"/>
+          </a:fillRef>
+          <a:effectRef idx="0">
+            <a:schemeClr val="accent1"/>
+          </a:effectRef>
+          <a:fontRef idx="minor">
+            <a:schemeClr val="lt1"/>
+          </a:fontRef>
+        </p:style>
+        <p:txBody>
+          <a:bodyPr rtlCol="0" anchor="ctr"/>
+          <a:lstStyle/>
+          <a:p>
+            <a:r>
+              <a:rPr lang="ko-KR" altLang="en-US" sz="900" b="1" dirty="0">
+                <a:solidFill>
+                  <a:schemeClr val="bg1"/>
+                </a:solidFill>
+                <a:latin typeface="+mn-ea"/>
+              </a:rPr>
+              <a:t>공지사항</a:t>
+            </a:r>
+            <a:endParaRPr lang="en-US" altLang="ko-KR" sz="900" b="1" dirty="0">
+              <a:solidFill>
+                <a:schemeClr val="bg1"/>
+              </a:solidFill>
+              <a:latin typeface="+mn-ea"/>
+            </a:endParaRPr>
+          </a:p>
+        </p:txBody>
+      </p:sp>
+      <p:sp>
+        <p:nvSpPr>
+          <p:cNvPr id="4" name="사각형: 둥근 모서리 3">
+            <a:extLst>
+              <a:ext uri="{FF2B5EF4-FFF2-40B4-BE49-F238E27FC236}">
+                <a16:creationId xmlns:a16="http://schemas.microsoft.com/office/drawing/2014/main" id="{5B847BCC-9ACE-74B2-DE4D-7D6EF79792F5}"/>
+              </a:ext>
+            </a:extLst>
+          </p:cNvPr>
+          <p:cNvSpPr/>
+          <p:nvPr/>
+        </p:nvSpPr>
+        <p:spPr>
+          <a:xfrm>
+            <a:off x="250364" y="314747"/>
+            <a:ext cx="6432447" cy="525650"/>
+          </a:xfrm>
+          <a:prstGeom prst="roundRect">
+            <a:avLst/>
+          </a:prstGeom>
+        </p:spPr>
+        <p:style>
+          <a:lnRef idx="2">
+            <a:schemeClr val="dk1"/>
+          </a:lnRef>
+          <a:fillRef idx="1">
+            <a:schemeClr val="lt1"/>
+          </a:fillRef>
+          <a:effectRef idx="0">
+            <a:schemeClr val="dk1"/>
+          </a:effectRef>
+          <a:fontRef idx="minor">
+            <a:schemeClr val="dk1"/>
+          </a:fontRef>
+        </p:style>
+        <p:txBody>
+          <a:bodyPr rtlCol="0" anchor="ctr"/>
+          <a:lstStyle/>
+          <a:p>
+            <a:pPr algn="ctr"/>
+            <a:r>
+              <a:rPr lang="en-US" altLang="ko-KR" dirty="0"/>
+              <a:t>header</a:t>
+            </a:r>
+            <a:endParaRPr lang="ko-KR" altLang="en-US" dirty="0"/>
+          </a:p>
+        </p:txBody>
+      </p:sp>
+      <p:sp>
+        <p:nvSpPr>
+          <p:cNvPr id="6" name="텍스트 개체 틀 26">
+            <a:extLst>
+              <a:ext uri="{FF2B5EF4-FFF2-40B4-BE49-F238E27FC236}">
+                <a16:creationId xmlns:a16="http://schemas.microsoft.com/office/drawing/2014/main" id="{84019000-6FEF-E5DE-4CF9-F43AF5FEB053}"/>
+              </a:ext>
+            </a:extLst>
+          </p:cNvPr>
+          <p:cNvSpPr txBox="1">
+            <a:spLocks/>
+          </p:cNvSpPr>
+          <p:nvPr/>
+        </p:nvSpPr>
+        <p:spPr>
+          <a:xfrm>
+            <a:off x="150592" y="-8888"/>
+            <a:ext cx="1007790" cy="287486"/>
+          </a:xfrm>
+          <a:prstGeom prst="rect">
+            <a:avLst/>
+          </a:prstGeom>
+        </p:spPr>
+        <p:txBody>
+          <a:bodyPr lIns="0" rIns="0"/>
+          <a:lstStyle>
+            <a:lvl1pPr marL="342900" indent="-342900" algn="l" defTabSz="914400" rtl="0" eaLnBrk="1" latinLnBrk="1" hangingPunct="1">
+              <a:spcBef>
+                <a:spcPct val="20000"/>
+              </a:spcBef>
+              <a:buFont typeface="Arial" pitchFamily="34" charset="0"/>
+              <a:buNone/>
+              <a:defRPr sz="1000" b="1" kern="1200">
+                <a:solidFill>
+                  <a:schemeClr val="bg1"/>
+                </a:solidFill>
+                <a:latin typeface="+mj-ea"/>
+                <a:ea typeface="+mj-ea"/>
+                <a:cs typeface="+mn-cs"/>
+              </a:defRPr>
+            </a:lvl1pPr>
+            <a:lvl2pPr marL="742950" indent="-285750" algn="l" defTabSz="914400" rtl="0" eaLnBrk="1" latinLnBrk="1" hangingPunct="1">
+              <a:spcBef>
+                <a:spcPct val="20000"/>
+              </a:spcBef>
+              <a:buFont typeface="Arial" pitchFamily="34" charset="0"/>
+              <a:buChar char="–"/>
+              <a:defRPr sz="2800" kern="1200">
+                <a:solidFill>
+                  <a:schemeClr val="tx1"/>
+                </a:solidFill>
+                <a:latin typeface="+mn-lt"/>
+                <a:ea typeface="+mn-ea"/>
+                <a:cs typeface="+mn-cs"/>
+              </a:defRPr>
+            </a:lvl2pPr>
+            <a:lvl3pPr marL="1143000" indent="-228600" algn="l" defTabSz="914400" rtl="0" eaLnBrk="1" latinLnBrk="1" hangingPunct="1">
+              <a:spcBef>
+                <a:spcPct val="20000"/>
+              </a:spcBef>
+              <a:buFont typeface="Arial" pitchFamily="34" charset="0"/>
+              <a:buChar char="•"/>
+              <a:defRPr sz="2400" kern="1200">
+                <a:solidFill>
+                  <a:schemeClr val="tx1"/>
+                </a:solidFill>
+                <a:latin typeface="+mn-lt"/>
+                <a:ea typeface="+mn-ea"/>
+                <a:cs typeface="+mn-cs"/>
+              </a:defRPr>
+            </a:lvl3pPr>
+            <a:lvl4pPr marL="1600200" indent="-228600" algn="l" defTabSz="914400" rtl="0" eaLnBrk="1" latinLnBrk="1" hangingPunct="1">
+              <a:spcBef>
+                <a:spcPct val="20000"/>
+              </a:spcBef>
+              <a:buFont typeface="Arial" pitchFamily="34" charset="0"/>
+              <a:buChar char="–"/>
+              <a:defRPr sz="2000" kern="1200">
+                <a:solidFill>
+                  <a:schemeClr val="tx1"/>
+                </a:solidFill>
+                <a:latin typeface="+mn-lt"/>
+                <a:ea typeface="+mn-ea"/>
+                <a:cs typeface="+mn-cs"/>
+              </a:defRPr>
+            </a:lvl4pPr>
+            <a:lvl5pPr marL="2057400" indent="-228600" algn="l" defTabSz="914400" rtl="0" eaLnBrk="1" latinLnBrk="1" hangingPunct="1">
+              <a:spcBef>
+                <a:spcPct val="20000"/>
+              </a:spcBef>
+              <a:buFont typeface="Arial" pitchFamily="34" charset="0"/>
+              <a:buChar char="»"/>
+              <a:defRPr sz="2000" kern="1200">
+                <a:solidFill>
+                  <a:schemeClr val="tx1"/>
+                </a:solidFill>
+                <a:latin typeface="+mn-lt"/>
+                <a:ea typeface="+mn-ea"/>
+                <a:cs typeface="+mn-cs"/>
+              </a:defRPr>
+            </a:lvl5pPr>
+            <a:lvl6pPr marL="2514600" indent="-228600" algn="l" defTabSz="914400" rtl="0" eaLnBrk="1" latinLnBrk="1" hangingPunct="1">
+              <a:spcBef>
+                <a:spcPct val="20000"/>
+              </a:spcBef>
+              <a:buFont typeface="Arial" pitchFamily="34" charset="0"/>
+              <a:buChar char="•"/>
+              <a:defRPr sz="2000" kern="1200">
+                <a:solidFill>
+                  <a:schemeClr val="tx1"/>
+                </a:solidFill>
+                <a:latin typeface="+mn-lt"/>
+                <a:ea typeface="+mn-ea"/>
+                <a:cs typeface="+mn-cs"/>
+              </a:defRPr>
+            </a:lvl6pPr>
+            <a:lvl7pPr marL="2971800" indent="-228600" algn="l" defTabSz="914400" rtl="0" eaLnBrk="1" latinLnBrk="1" hangingPunct="1">
+              <a:spcBef>
+                <a:spcPct val="20000"/>
+              </a:spcBef>
+              <a:buFont typeface="Arial" pitchFamily="34" charset="0"/>
+              <a:buChar char="•"/>
+              <a:defRPr sz="2000" kern="1200">
+                <a:solidFill>
+                  <a:schemeClr val="tx1"/>
+                </a:solidFill>
+                <a:latin typeface="+mn-lt"/>
+                <a:ea typeface="+mn-ea"/>
+                <a:cs typeface="+mn-cs"/>
+              </a:defRPr>
+            </a:lvl7pPr>
+            <a:lvl8pPr marL="3429000" indent="-228600" algn="l" defTabSz="914400" rtl="0" eaLnBrk="1" latinLnBrk="1" hangingPunct="1">
+              <a:spcBef>
+                <a:spcPct val="20000"/>
+              </a:spcBef>
+              <a:buFont typeface="Arial" pitchFamily="34" charset="0"/>
+              <a:buChar char="•"/>
+              <a:defRPr sz="2000" kern="1200">
+                <a:solidFill>
+                  <a:schemeClr val="tx1"/>
+                </a:solidFill>
+                <a:latin typeface="+mn-lt"/>
+                <a:ea typeface="+mn-ea"/>
+                <a:cs typeface="+mn-cs"/>
+              </a:defRPr>
+            </a:lvl8pPr>
+            <a:lvl9pPr marL="3886200" indent="-228600" algn="l" defTabSz="914400" rtl="0" eaLnBrk="1" latinLnBrk="1" hangingPunct="1">
+              <a:spcBef>
+                <a:spcPct val="20000"/>
+              </a:spcBef>
+              <a:buFont typeface="Arial" pitchFamily="34" charset="0"/>
+              <a:buChar char="•"/>
+              <a:defRPr sz="2000" kern="1200">
+                <a:solidFill>
+                  <a:schemeClr val="tx1"/>
+                </a:solidFill>
+                <a:latin typeface="+mn-lt"/>
+                <a:ea typeface="+mn-ea"/>
+                <a:cs typeface="+mn-cs"/>
+              </a:defRPr>
+            </a:lvl9pPr>
+          </a:lstStyle>
+          <a:p>
+            <a:r>
+              <a:rPr lang="ko-KR" altLang="en-US" sz="800" dirty="0">
+                <a:solidFill>
+                  <a:schemeClr val="tx1"/>
+                </a:solidFill>
+                <a:highlight>
+                  <a:srgbClr val="FFFF00"/>
+                </a:highlight>
+              </a:rPr>
+              <a:t>모임 참가 신청</a:t>
+            </a:r>
+            <a:r>
+              <a:rPr lang="en-US" altLang="ko-KR" sz="800" dirty="0">
+                <a:solidFill>
+                  <a:schemeClr val="tx1"/>
+                </a:solidFill>
+                <a:highlight>
+                  <a:srgbClr val="FFFF00"/>
+                </a:highlight>
+              </a:rPr>
+              <a:t>-1</a:t>
+            </a:r>
+          </a:p>
+          <a:p>
+            <a:r>
+              <a:rPr lang="en-US" altLang="ko-KR" sz="800" dirty="0" err="1">
+                <a:solidFill>
+                  <a:schemeClr val="tx1"/>
+                </a:solidFill>
+                <a:highlight>
+                  <a:srgbClr val="FFFF00"/>
+                </a:highlight>
+              </a:rPr>
+              <a:t>JoinMoim</a:t>
+            </a:r>
+            <a:endParaRPr lang="ko-KR" altLang="en-US" sz="800" dirty="0">
+              <a:solidFill>
+                <a:schemeClr val="tx1"/>
+              </a:solidFill>
+              <a:highlight>
+                <a:srgbClr val="FFFF00"/>
+              </a:highlight>
+            </a:endParaRPr>
+          </a:p>
+        </p:txBody>
+      </p:sp>
+      <p:sp>
+        <p:nvSpPr>
+          <p:cNvPr id="7" name="사각형: 둥근 모서리 6">
+            <a:extLst>
+              <a:ext uri="{FF2B5EF4-FFF2-40B4-BE49-F238E27FC236}">
+                <a16:creationId xmlns:a16="http://schemas.microsoft.com/office/drawing/2014/main" id="{EF579F5A-DC37-4C31-0387-4DC0E6E0C199}"/>
+              </a:ext>
+            </a:extLst>
+          </p:cNvPr>
+          <p:cNvSpPr/>
+          <p:nvPr/>
+        </p:nvSpPr>
+        <p:spPr>
+          <a:xfrm>
+            <a:off x="249495" y="4731990"/>
+            <a:ext cx="6432447" cy="300182"/>
+          </a:xfrm>
+          <a:prstGeom prst="roundRect">
+            <a:avLst/>
+          </a:prstGeom>
+        </p:spPr>
+        <p:style>
+          <a:lnRef idx="2">
+            <a:schemeClr val="dk1"/>
+          </a:lnRef>
+          <a:fillRef idx="1">
+            <a:schemeClr val="lt1"/>
+          </a:fillRef>
+          <a:effectRef idx="0">
+            <a:schemeClr val="dk1"/>
+          </a:effectRef>
+          <a:fontRef idx="minor">
+            <a:schemeClr val="dk1"/>
+          </a:fontRef>
+        </p:style>
+        <p:txBody>
+          <a:bodyPr rtlCol="0" anchor="ctr"/>
+          <a:lstStyle/>
+          <a:p>
+            <a:pPr algn="ctr"/>
+            <a:r>
+              <a:rPr lang="en-US" altLang="ko-KR" dirty="0"/>
+              <a:t>text</a:t>
+            </a:r>
+            <a:endParaRPr lang="ko-KR" altLang="en-US" dirty="0"/>
+          </a:p>
+        </p:txBody>
+      </p:sp>
+      <p:sp>
+        <p:nvSpPr>
+          <p:cNvPr id="8" name="직사각형 7">
+            <a:extLst>
+              <a:ext uri="{FF2B5EF4-FFF2-40B4-BE49-F238E27FC236}">
+                <a16:creationId xmlns:a16="http://schemas.microsoft.com/office/drawing/2014/main" id="{F508453E-10EC-EF66-1637-708726E0D3DC}"/>
+              </a:ext>
+            </a:extLst>
+          </p:cNvPr>
+          <p:cNvSpPr/>
+          <p:nvPr/>
+        </p:nvSpPr>
+        <p:spPr>
+          <a:xfrm>
+            <a:off x="299793" y="1117351"/>
+            <a:ext cx="3048071" cy="3470623"/>
+          </a:xfrm>
+          <a:prstGeom prst="rect">
+            <a:avLst/>
+          </a:prstGeom>
+          <a:noFill/>
+          <a:ln w="25400">
+            <a:solidFill>
+              <a:schemeClr val="tx1"/>
+            </a:solidFill>
+          </a:ln>
+          <a:effectLst>
+            <a:softEdge rad="12700"/>
+          </a:effectLst>
+        </p:spPr>
+        <p:style>
+          <a:lnRef idx="2">
+            <a:schemeClr val="dk1"/>
+          </a:lnRef>
+          <a:fillRef idx="1">
+            <a:schemeClr val="lt1"/>
+          </a:fillRef>
+          <a:effectRef idx="0">
+            <a:schemeClr val="dk1"/>
+          </a:effectRef>
+          <a:fontRef idx="minor">
+            <a:schemeClr val="dk1"/>
+          </a:fontRef>
+        </p:style>
+        <p:txBody>
+          <a:bodyPr rtlCol="0" anchor="ctr"/>
+          <a:lstStyle/>
+          <a:p>
+            <a:pPr algn="ctr"/>
+            <a:endParaRPr lang="ko-KR" altLang="en-US" dirty="0">
+              <a:ln w="0"/>
+              <a:solidFill>
+                <a:schemeClr val="tx1"/>
+              </a:solidFill>
+              <a:effectLst>
+                <a:outerShdw blurRad="38100" dist="19050" dir="2700000" algn="tl" rotWithShape="0">
+                  <a:schemeClr val="dk1">
+                    <a:alpha val="40000"/>
+                  </a:schemeClr>
+                </a:outerShdw>
+              </a:effectLst>
+              <a:latin typeface="+mn-ea"/>
+              <a:ea typeface="+mn-ea"/>
+            </a:endParaRPr>
+          </a:p>
+        </p:txBody>
+      </p:sp>
+      <p:sp>
+        <p:nvSpPr>
+          <p:cNvPr id="9" name="직사각형 8">
+            <a:extLst>
+              <a:ext uri="{FF2B5EF4-FFF2-40B4-BE49-F238E27FC236}">
+                <a16:creationId xmlns:a16="http://schemas.microsoft.com/office/drawing/2014/main" id="{0E878AFD-B97F-952B-D2BB-B0B3D27DAACC}"/>
+              </a:ext>
+            </a:extLst>
+          </p:cNvPr>
+          <p:cNvSpPr/>
+          <p:nvPr/>
+        </p:nvSpPr>
+        <p:spPr>
+          <a:xfrm>
+            <a:off x="3707904" y="1117351"/>
+            <a:ext cx="2976063" cy="2030463"/>
+          </a:xfrm>
+          <a:prstGeom prst="rect">
+            <a:avLst/>
+          </a:prstGeom>
+          <a:noFill/>
+          <a:ln w="25400">
+            <a:solidFill>
+              <a:schemeClr val="tx1"/>
+            </a:solidFill>
+          </a:ln>
+          <a:effectLst>
+            <a:softEdge rad="12700"/>
+          </a:effectLst>
+        </p:spPr>
+        <p:style>
+          <a:lnRef idx="2">
+            <a:schemeClr val="dk1"/>
+          </a:lnRef>
+          <a:fillRef idx="1">
+            <a:schemeClr val="lt1"/>
+          </a:fillRef>
+          <a:effectRef idx="0">
+            <a:schemeClr val="dk1"/>
+          </a:effectRef>
+          <a:fontRef idx="minor">
+            <a:schemeClr val="dk1"/>
+          </a:fontRef>
+        </p:style>
+        <p:txBody>
+          <a:bodyPr rtlCol="0" anchor="ctr"/>
+          <a:lstStyle/>
+          <a:p>
+            <a:pPr algn="ctr"/>
+            <a:endParaRPr lang="ko-KR" altLang="en-US" dirty="0">
+              <a:ln w="0"/>
+              <a:solidFill>
+                <a:schemeClr val="tx1"/>
+              </a:solidFill>
+              <a:effectLst>
+                <a:outerShdw blurRad="38100" dist="19050" dir="2700000" algn="tl" rotWithShape="0">
+                  <a:schemeClr val="dk1">
+                    <a:alpha val="40000"/>
+                  </a:schemeClr>
+                </a:outerShdw>
+              </a:effectLst>
+              <a:latin typeface="+mn-ea"/>
+              <a:ea typeface="+mn-ea"/>
+            </a:endParaRPr>
+          </a:p>
+        </p:txBody>
+      </p:sp>
       <p:grpSp>
         <p:nvGrpSpPr>
-          <p:cNvPr id="86" name="그룹 85"/>
+          <p:cNvPr id="15" name="그룹 14">
+            <a:extLst>
+              <a:ext uri="{FF2B5EF4-FFF2-40B4-BE49-F238E27FC236}">
+                <a16:creationId xmlns:a16="http://schemas.microsoft.com/office/drawing/2014/main" id="{BCBAE95F-F612-AE0F-DFB9-F04B64C25352}"/>
+              </a:ext>
+            </a:extLst>
+          </p:cNvPr>
           <p:cNvGrpSpPr/>
           <p:nvPr/>
         </p:nvGrpSpPr>
         <p:grpSpPr>
           <a:xfrm>
-            <a:off x="99752" y="898788"/>
-            <a:ext cx="6708373" cy="2021043"/>
+            <a:off x="355672" y="1148517"/>
+            <a:ext cx="2920184" cy="1855281"/>
             <a:chOff x="99752" y="915566"/>
             <a:chExt cx="6708373" cy="2021043"/>
           </a:xfrm>
         </p:grpSpPr>
         <p:sp>
           <p:nvSpPr>
-            <p:cNvPr id="47" name="직사각형 46"/>
+            <p:cNvPr id="16" name="직사각형 15">
+              <a:extLst>
+                <a:ext uri="{FF2B5EF4-FFF2-40B4-BE49-F238E27FC236}">
+                  <a16:creationId xmlns:a16="http://schemas.microsoft.com/office/drawing/2014/main" id="{BAC4741A-EBEE-4318-213B-D04140623BCF}"/>
+                </a:ext>
+              </a:extLst>
+            </p:cNvPr>
             <p:cNvSpPr/>
             <p:nvPr/>
           </p:nvSpPr>
@@ -9165,7 +14637,13 @@
         </p:sp>
         <p:cxnSp>
           <p:nvCxnSpPr>
-            <p:cNvPr id="83" name="직선 연결선 82"/>
+            <p:cNvPr id="17" name="직선 연결선 16">
+              <a:extLst>
+                <a:ext uri="{FF2B5EF4-FFF2-40B4-BE49-F238E27FC236}">
+                  <a16:creationId xmlns:a16="http://schemas.microsoft.com/office/drawing/2014/main" id="{BAC29F19-9847-65C8-C892-7060380D56BE}"/>
+                </a:ext>
+              </a:extLst>
+            </p:cNvPr>
             <p:cNvCxnSpPr/>
             <p:nvPr/>
           </p:nvCxnSpPr>
@@ -9203,155 +14681,61 @@
       </p:grpSp>
       <p:sp>
         <p:nvSpPr>
-          <p:cNvPr id="32" name="텍스트 개체 틀 31"/>
-          <p:cNvSpPr>
-            <a:spLocks noGrp="1"/>
-          </p:cNvSpPr>
-          <p:nvPr>
-            <p:ph type="body" sz="quarter" idx="10"/>
-          </p:nvPr>
-        </p:nvSpPr>
-        <p:spPr/>
-        <p:txBody>
-          <a:bodyPr/>
-          <a:lstStyle/>
-          <a:p>
-            <a:r>
-              <a:rPr lang="ko-KR" altLang="en-US" dirty="0"/>
-              <a:t>주요 홍보이미지 롤링 </a:t>
-            </a:r>
-            <a:r>
-              <a:rPr lang="en-US" altLang="ko-KR" dirty="0"/>
-              <a:t>(Max. 5</a:t>
-            </a:r>
-            <a:r>
-              <a:rPr lang="ko-KR" altLang="en-US" dirty="0"/>
-              <a:t>개</a:t>
-            </a:r>
-            <a:r>
-              <a:rPr lang="en-US" altLang="ko-KR" dirty="0"/>
-              <a:t>)</a:t>
-            </a:r>
-          </a:p>
-          <a:p>
-            <a:r>
-              <a:rPr lang="ko-KR" altLang="en-US" dirty="0"/>
-              <a:t>주요 제품 </a:t>
-            </a:r>
-            <a:r>
-              <a:rPr lang="ko-KR" altLang="en-US" dirty="0" err="1"/>
-              <a:t>바로가기</a:t>
-            </a:r>
-            <a:r>
-              <a:rPr lang="ko-KR" altLang="en-US" dirty="0"/>
-              <a:t> </a:t>
-            </a:r>
-            <a:r>
-              <a:rPr lang="en-US" altLang="ko-KR" dirty="0"/>
-              <a:t>Icon</a:t>
-            </a:r>
-            <a:br>
-              <a:rPr lang="en-US" altLang="ko-KR" dirty="0"/>
-            </a:br>
-            <a:r>
-              <a:rPr lang="ko-KR" altLang="en-US" dirty="0" err="1"/>
-              <a:t>클릭시</a:t>
-            </a:r>
-            <a:r>
-              <a:rPr lang="en-US" altLang="ko-KR" dirty="0"/>
-              <a:t>, </a:t>
-            </a:r>
-            <a:r>
-              <a:rPr lang="ko-KR" altLang="en-US" dirty="0"/>
-              <a:t>해당 제품소개로 </a:t>
-            </a:r>
-            <a:r>
-              <a:rPr lang="ko-KR" altLang="en-US" dirty="0" err="1"/>
-              <a:t>바로가기</a:t>
-            </a:r>
-            <a:r>
-              <a:rPr lang="en-US" altLang="ko-KR" dirty="0"/>
-              <a:t>link</a:t>
-            </a:r>
-          </a:p>
-          <a:p>
-            <a:r>
-              <a:rPr lang="ko-KR" altLang="en-US" dirty="0"/>
-              <a:t>공지사항 </a:t>
-            </a:r>
-            <a:r>
-              <a:rPr lang="en-US" altLang="ko-KR" dirty="0"/>
-              <a:t>(Max. 3 line)</a:t>
-            </a:r>
-            <a:endParaRPr lang="ko-KR" altLang="en-US" dirty="0"/>
-          </a:p>
-        </p:txBody>
-      </p:sp>
-      <p:sp>
-        <p:nvSpPr>
-          <p:cNvPr id="31" name="제목 30"/>
-          <p:cNvSpPr>
-            <a:spLocks noGrp="1"/>
-          </p:cNvSpPr>
-          <p:nvPr>
-            <p:ph type="title"/>
-          </p:nvPr>
-        </p:nvSpPr>
-        <p:spPr/>
-        <p:txBody>
-          <a:bodyPr>
-            <a:normAutofit fontScale="90000"/>
+          <p:cNvPr id="18" name="TextBox 17">
+            <a:extLst>
+              <a:ext uri="{FF2B5EF4-FFF2-40B4-BE49-F238E27FC236}">
+                <a16:creationId xmlns:a16="http://schemas.microsoft.com/office/drawing/2014/main" id="{24C477FF-6E1C-DE55-BFF8-03D3E5A4A0DB}"/>
+              </a:ext>
+            </a:extLst>
+          </p:cNvPr>
+          <p:cNvSpPr txBox="1"/>
+          <p:nvPr/>
+        </p:nvSpPr>
+        <p:spPr>
+          <a:xfrm>
+            <a:off x="1259632" y="1806076"/>
+            <a:ext cx="1834627" cy="523220"/>
+          </a:xfrm>
+          <a:prstGeom prst="rect">
+            <a:avLst/>
+          </a:prstGeom>
+          <a:noFill/>
+        </p:spPr>
+        <p:txBody>
+          <a:bodyPr wrap="square" rtlCol="0">
+            <a:spAutoFit/>
           </a:bodyPr>
           <a:lstStyle/>
           <a:p>
             <a:r>
-              <a:rPr lang="en-US" altLang="ko-KR" dirty="0"/>
-              <a:t>Case A</a:t>
-            </a:r>
-            <a:endParaRPr lang="ko-KR" altLang="en-US" dirty="0"/>
-          </a:p>
-        </p:txBody>
-      </p:sp>
-      <p:sp>
-        <p:nvSpPr>
-          <p:cNvPr id="33" name="텍스트 개체 틀 32"/>
-          <p:cNvSpPr>
-            <a:spLocks noGrp="1"/>
-          </p:cNvSpPr>
-          <p:nvPr>
-            <p:ph type="body" sz="quarter" idx="11"/>
-          </p:nvPr>
-        </p:nvSpPr>
-        <p:spPr/>
-        <p:txBody>
-          <a:bodyPr/>
-          <a:lstStyle/>
-          <a:p>
-            <a:r>
-              <a:rPr lang="en-US" altLang="ko-KR" dirty="0"/>
-              <a:t>3.1</a:t>
-            </a:r>
-            <a:endParaRPr lang="ko-KR" altLang="en-US" dirty="0"/>
-          </a:p>
-        </p:txBody>
-      </p:sp>
-      <p:sp>
-        <p:nvSpPr>
-          <p:cNvPr id="70" name="갈매기형 수장 69"/>
+              <a:rPr lang="en-US" altLang="ko-KR" sz="2800" dirty="0"/>
+              <a:t>image</a:t>
+            </a:r>
+            <a:endParaRPr lang="ko-KR" altLang="en-US" sz="2800" dirty="0"/>
+          </a:p>
+        </p:txBody>
+      </p:sp>
+      <p:sp>
+        <p:nvSpPr>
+          <p:cNvPr id="20" name="직사각형 19">
+            <a:extLst>
+              <a:ext uri="{FF2B5EF4-FFF2-40B4-BE49-F238E27FC236}">
+                <a16:creationId xmlns:a16="http://schemas.microsoft.com/office/drawing/2014/main" id="{24A69E11-FABE-388A-ABBB-982AC3340C1C}"/>
+              </a:ext>
+            </a:extLst>
+          </p:cNvPr>
           <p:cNvSpPr/>
           <p:nvPr/>
         </p:nvSpPr>
         <p:spPr>
           <a:xfrm>
-            <a:off x="6513942" y="1646637"/>
-            <a:ext cx="117594" cy="546931"/>
-          </a:xfrm>
-          <a:prstGeom prst="chevron">
-            <a:avLst/>
-          </a:prstGeom>
-          <a:solidFill>
-            <a:schemeClr val="bg1"/>
-          </a:solidFill>
+            <a:off x="353984" y="3086025"/>
+            <a:ext cx="2920184" cy="277813"/>
+          </a:xfrm>
+          <a:prstGeom prst="rect">
+            <a:avLst/>
+          </a:prstGeom>
+          <a:noFill/>
           <a:ln w="9525">
             <a:solidFill>
               <a:schemeClr val="bg1">
@@ -9381,31 +14765,47 @@
           <a:lstStyle/>
           <a:p>
             <a:pPr algn="ctr"/>
-            <a:endParaRPr lang="ko-KR" altLang="en-US">
+            <a:r>
+              <a:rPr lang="en-US" altLang="ko-KR" b="1" dirty="0">
+                <a:solidFill>
+                  <a:prstClr val="white"/>
+                </a:solidFill>
+                <a:latin typeface="+mn-ea"/>
+                <a:ea typeface="+mn-ea"/>
+              </a:rPr>
+              <a:t>`</a:t>
+            </a:r>
+            <a:endParaRPr lang="ko-KR" altLang="en-US" b="1" dirty="0">
               <a:solidFill>
-                <a:schemeClr val="tx1"/>
+                <a:prstClr val="white"/>
               </a:solidFill>
+              <a:latin typeface="+mn-ea"/>
+              <a:ea typeface="+mn-ea"/>
             </a:endParaRPr>
           </a:p>
         </p:txBody>
       </p:sp>
       <p:sp>
         <p:nvSpPr>
-          <p:cNvPr id="71" name="갈매기형 수장 70"/>
+          <p:cNvPr id="22" name="직사각형 21">
+            <a:extLst>
+              <a:ext uri="{FF2B5EF4-FFF2-40B4-BE49-F238E27FC236}">
+                <a16:creationId xmlns:a16="http://schemas.microsoft.com/office/drawing/2014/main" id="{0C34F6C5-33A1-6A91-DBCA-38BAB57E8DBA}"/>
+              </a:ext>
+            </a:extLst>
+          </p:cNvPr>
           <p:cNvSpPr/>
           <p:nvPr/>
         </p:nvSpPr>
         <p:spPr>
-          <a:xfrm flipH="1">
-            <a:off x="196553" y="1646637"/>
-            <a:ext cx="121688" cy="546931"/>
-          </a:xfrm>
-          <a:prstGeom prst="chevron">
-            <a:avLst/>
-          </a:prstGeom>
-          <a:solidFill>
-            <a:schemeClr val="bg1"/>
-          </a:solidFill>
+          <a:xfrm>
+            <a:off x="363736" y="3450489"/>
+            <a:ext cx="2920184" cy="1065477"/>
+          </a:xfrm>
+          <a:prstGeom prst="rect">
+            <a:avLst/>
+          </a:prstGeom>
+          <a:noFill/>
           <a:ln w="9525">
             <a:solidFill>
               <a:schemeClr val="bg1">
@@ -9435,33 +14835,99 @@
           <a:lstStyle/>
           <a:p>
             <a:pPr algn="ctr"/>
-            <a:endParaRPr lang="ko-KR" altLang="en-US">
+            <a:r>
+              <a:rPr lang="en-US" altLang="ko-KR" b="1" dirty="0">
+                <a:solidFill>
+                  <a:prstClr val="white"/>
+                </a:solidFill>
+                <a:latin typeface="+mn-ea"/>
+                <a:ea typeface="+mn-ea"/>
+              </a:rPr>
+              <a:t>`</a:t>
+            </a:r>
+            <a:endParaRPr lang="ko-KR" altLang="en-US" b="1" dirty="0">
               <a:solidFill>
-                <a:schemeClr val="tx1"/>
+                <a:prstClr val="white"/>
               </a:solidFill>
+              <a:latin typeface="+mn-ea"/>
+              <a:ea typeface="+mn-ea"/>
             </a:endParaRPr>
           </a:p>
         </p:txBody>
       </p:sp>
       <p:sp>
         <p:nvSpPr>
-          <p:cNvPr id="74" name="직사각형 73"/>
+          <p:cNvPr id="23" name="TextBox 22">
+            <a:extLst>
+              <a:ext uri="{FF2B5EF4-FFF2-40B4-BE49-F238E27FC236}">
+                <a16:creationId xmlns:a16="http://schemas.microsoft.com/office/drawing/2014/main" id="{700CAEFB-4BAB-8D7A-E889-2F327D6ACAFC}"/>
+              </a:ext>
+            </a:extLst>
+          </p:cNvPr>
+          <p:cNvSpPr txBox="1"/>
+          <p:nvPr/>
+        </p:nvSpPr>
+        <p:spPr>
+          <a:xfrm>
+            <a:off x="419833" y="3106377"/>
+            <a:ext cx="2807990" cy="230832"/>
+          </a:xfrm>
+          <a:prstGeom prst="rect">
+            <a:avLst/>
+          </a:prstGeom>
+          <a:noFill/>
+        </p:spPr>
+        <p:txBody>
+          <a:bodyPr wrap="square" rtlCol="0">
+            <a:spAutoFit/>
+          </a:bodyPr>
+          <a:lstStyle/>
+          <a:p>
+            <a:pPr algn="ctr"/>
+            <a:r>
+              <a:rPr lang="ko-KR" altLang="en-US" sz="900" dirty="0"/>
+              <a:t>모임정보 </a:t>
+            </a:r>
+            <a:r>
+              <a:rPr lang="en-US" altLang="ko-KR" sz="900" dirty="0"/>
+              <a:t>/ </a:t>
+            </a:r>
+            <a:r>
+              <a:rPr lang="ko-KR" altLang="en-US" sz="900" dirty="0"/>
+              <a:t>호스트 </a:t>
+            </a:r>
+            <a:r>
+              <a:rPr lang="en-US" altLang="ko-KR" sz="900" dirty="0"/>
+              <a:t>/ </a:t>
+            </a:r>
+            <a:r>
+              <a:rPr lang="ko-KR" altLang="en-US" sz="900" dirty="0"/>
+              <a:t>모임후기</a:t>
+            </a:r>
+          </a:p>
+        </p:txBody>
+      </p:sp>
+      <p:sp>
+        <p:nvSpPr>
+          <p:cNvPr id="24" name="직사각형 23">
+            <a:extLst>
+              <a:ext uri="{FF2B5EF4-FFF2-40B4-BE49-F238E27FC236}">
+                <a16:creationId xmlns:a16="http://schemas.microsoft.com/office/drawing/2014/main" id="{BCE8FF2D-A4C7-B9C4-9778-37DD5C8A5425}"/>
+              </a:ext>
+            </a:extLst>
+          </p:cNvPr>
           <p:cNvSpPr/>
           <p:nvPr/>
         </p:nvSpPr>
         <p:spPr>
           <a:xfrm>
-            <a:off x="99752" y="319935"/>
-            <a:ext cx="6708373" cy="576064"/>
+            <a:off x="3805748" y="1215765"/>
+            <a:ext cx="2780373" cy="439517"/>
           </a:xfrm>
           <a:prstGeom prst="rect">
             <a:avLst/>
           </a:prstGeom>
-          <a:solidFill>
-            <a:schemeClr val="bg1">
-              <a:alpha val="70000"/>
-            </a:schemeClr>
-          </a:solidFill>
+          <a:noFill/>
           <a:ln w="9525">
             <a:solidFill>
               <a:schemeClr val="bg1">
@@ -9491,7 +14957,17 @@
           <a:lstStyle/>
           <a:p>
             <a:pPr algn="ctr"/>
-            <a:endParaRPr lang="ko-KR" altLang="en-US" dirty="0">
+            <a:r>
+              <a:rPr lang="en-US" altLang="ko-KR" b="1" dirty="0">
+                <a:solidFill>
+                  <a:prstClr val="white"/>
+                </a:solidFill>
+                <a:latin typeface="+mn-ea"/>
+                <a:ea typeface="+mn-ea"/>
+              </a:rPr>
+              <a:t>`</a:t>
+            </a:r>
+            <a:endParaRPr lang="ko-KR" altLang="en-US" b="1" dirty="0">
               <a:solidFill>
                 <a:prstClr val="white"/>
               </a:solidFill>
@@ -9503,23 +14979,25 @@
       </p:sp>
       <p:sp>
         <p:nvSpPr>
-          <p:cNvPr id="75" name="직사각형 74"/>
+          <p:cNvPr id="25" name="직사각형 24">
+            <a:extLst>
+              <a:ext uri="{FF2B5EF4-FFF2-40B4-BE49-F238E27FC236}">
+                <a16:creationId xmlns:a16="http://schemas.microsoft.com/office/drawing/2014/main" id="{695A758E-B5E5-9F7B-723A-A5F420AC266B}"/>
+              </a:ext>
+            </a:extLst>
+          </p:cNvPr>
           <p:cNvSpPr/>
           <p:nvPr/>
         </p:nvSpPr>
         <p:spPr>
           <a:xfrm>
-            <a:off x="99752" y="319935"/>
-            <a:ext cx="6708373" cy="576064"/>
+            <a:off x="3805747" y="1767983"/>
+            <a:ext cx="2780373" cy="195473"/>
           </a:xfrm>
           <a:prstGeom prst="rect">
             <a:avLst/>
           </a:prstGeom>
-          <a:solidFill>
-            <a:schemeClr val="bg1">
-              <a:alpha val="70000"/>
-            </a:schemeClr>
-          </a:solidFill>
+          <a:noFill/>
           <a:ln w="9525">
             <a:solidFill>
               <a:schemeClr val="bg1">
@@ -9550,7 +15028,7 @@
           <a:p>
             <a:pPr algn="ctr"/>
             <a:r>
-              <a:rPr lang="en-US" altLang="ko-KR" dirty="0">
+              <a:rPr lang="en-US" altLang="ko-KR" b="1" dirty="0">
                 <a:solidFill>
                   <a:prstClr val="white"/>
                 </a:solidFill>
@@ -9559,7 +15037,7 @@
               </a:rPr>
               <a:t>`</a:t>
             </a:r>
-            <a:endParaRPr lang="ko-KR" altLang="en-US" dirty="0">
+            <a:endParaRPr lang="ko-KR" altLang="en-US" b="1" dirty="0">
               <a:solidFill>
                 <a:prstClr val="white"/>
               </a:solidFill>
@@ -9571,848 +15049,31 @@
       </p:sp>
       <p:sp>
         <p:nvSpPr>
-          <p:cNvPr id="76" name="TextBox 75"/>
-          <p:cNvSpPr txBox="1"/>
+          <p:cNvPr id="26" name="직사각형 25">
+            <a:extLst>
+              <a:ext uri="{FF2B5EF4-FFF2-40B4-BE49-F238E27FC236}">
+                <a16:creationId xmlns:a16="http://schemas.microsoft.com/office/drawing/2014/main" id="{44EEBC73-02C6-8983-D328-2424D5C91967}"/>
+              </a:ext>
+            </a:extLst>
+          </p:cNvPr>
+          <p:cNvSpPr/>
           <p:nvPr/>
         </p:nvSpPr>
         <p:spPr>
           <a:xfrm>
-            <a:off x="3885113" y="552737"/>
-            <a:ext cx="2832827" cy="253916"/>
+            <a:off x="3805747" y="2076157"/>
+            <a:ext cx="2780373" cy="195473"/>
           </a:xfrm>
           <a:prstGeom prst="rect">
             <a:avLst/>
           </a:prstGeom>
           <a:noFill/>
-        </p:spPr>
-        <p:txBody>
-          <a:bodyPr wrap="none" rtlCol="0">
-            <a:spAutoFit/>
-          </a:bodyPr>
-          <a:lstStyle/>
-          <a:p>
-            <a:r>
-              <a:rPr lang="en-US" altLang="ko-KR" sz="1050" dirty="0">
-                <a:solidFill>
-                  <a:schemeClr val="tx1"/>
-                </a:solidFill>
-                <a:latin typeface="+mn-ea"/>
-                <a:ea typeface="+mn-ea"/>
-              </a:rPr>
-              <a:t>About US | </a:t>
-            </a:r>
-            <a:r>
-              <a:rPr lang="ko-KR" altLang="en-US" sz="1050" dirty="0">
-                <a:solidFill>
-                  <a:schemeClr val="tx1"/>
-                </a:solidFill>
-                <a:latin typeface="+mn-ea"/>
-                <a:ea typeface="+mn-ea"/>
-              </a:rPr>
-              <a:t>사업소개 </a:t>
-            </a:r>
-            <a:r>
-              <a:rPr lang="en-US" altLang="ko-KR" sz="1050" dirty="0">
-                <a:solidFill>
-                  <a:schemeClr val="tx1"/>
-                </a:solidFill>
-                <a:latin typeface="+mn-ea"/>
-                <a:ea typeface="+mn-ea"/>
-              </a:rPr>
-              <a:t>| </a:t>
-            </a:r>
-            <a:r>
-              <a:rPr lang="ko-KR" altLang="en-US" sz="1050" dirty="0">
-                <a:solidFill>
-                  <a:schemeClr val="tx1"/>
-                </a:solidFill>
-                <a:latin typeface="+mn-ea"/>
-                <a:ea typeface="+mn-ea"/>
-              </a:rPr>
-              <a:t>제품소개 </a:t>
-            </a:r>
-            <a:r>
-              <a:rPr lang="en-US" altLang="ko-KR" sz="1050" dirty="0">
-                <a:solidFill>
-                  <a:schemeClr val="tx1"/>
-                </a:solidFill>
-                <a:latin typeface="+mn-ea"/>
-                <a:ea typeface="+mn-ea"/>
-              </a:rPr>
-              <a:t>| </a:t>
-            </a:r>
-            <a:r>
-              <a:rPr lang="ko-KR" altLang="en-US" sz="1050" dirty="0">
-                <a:solidFill>
-                  <a:schemeClr val="tx1"/>
-                </a:solidFill>
-                <a:latin typeface="+mn-ea"/>
-                <a:ea typeface="+mn-ea"/>
-              </a:rPr>
-              <a:t>고객센터</a:t>
-            </a:r>
-          </a:p>
-        </p:txBody>
-      </p:sp>
-      <p:sp>
-        <p:nvSpPr>
-          <p:cNvPr id="77" name="TextBox 76"/>
-          <p:cNvSpPr txBox="1"/>
-          <p:nvPr/>
-        </p:nvSpPr>
-        <p:spPr>
-          <a:xfrm>
-            <a:off x="5868144" y="306307"/>
-            <a:ext cx="712054" cy="184666"/>
-          </a:xfrm>
-          <a:prstGeom prst="rect">
-            <a:avLst/>
-          </a:prstGeom>
-          <a:noFill/>
-        </p:spPr>
-        <p:txBody>
-          <a:bodyPr wrap="none" rtlCol="0">
-            <a:spAutoFit/>
-          </a:bodyPr>
-          <a:lstStyle/>
-          <a:p>
-            <a:r>
-              <a:rPr lang="en-US" altLang="ko-KR" sz="600" b="0" dirty="0">
-                <a:solidFill>
-                  <a:schemeClr val="tx1"/>
-                </a:solidFill>
-                <a:latin typeface="+mn-ea"/>
-                <a:ea typeface="+mn-ea"/>
-              </a:rPr>
-              <a:t>Login | Join US</a:t>
-            </a:r>
-            <a:endParaRPr lang="ko-KR" altLang="en-US" sz="600" b="0" dirty="0">
-              <a:solidFill>
-                <a:schemeClr val="tx1"/>
-              </a:solidFill>
-              <a:latin typeface="+mn-ea"/>
-              <a:ea typeface="+mn-ea"/>
-            </a:endParaRPr>
-          </a:p>
-        </p:txBody>
-      </p:sp>
-      <p:grpSp>
-        <p:nvGrpSpPr>
-          <p:cNvPr id="78" name="그룹 77"/>
-          <p:cNvGrpSpPr/>
-          <p:nvPr/>
-        </p:nvGrpSpPr>
-        <p:grpSpPr>
-          <a:xfrm>
-            <a:off x="179512" y="391943"/>
-            <a:ext cx="1296144" cy="432049"/>
-            <a:chOff x="179512" y="411510"/>
-            <a:chExt cx="1296144" cy="432049"/>
-          </a:xfrm>
-        </p:grpSpPr>
-        <p:sp>
-          <p:nvSpPr>
-            <p:cNvPr id="79" name="직사각형 78"/>
-            <p:cNvSpPr/>
-            <p:nvPr/>
-          </p:nvSpPr>
-          <p:spPr>
-            <a:xfrm>
-              <a:off x="179512" y="411511"/>
-              <a:ext cx="1296144" cy="432048"/>
-            </a:xfrm>
-            <a:prstGeom prst="rect">
-              <a:avLst/>
-            </a:prstGeom>
+          <a:ln w="9525">
             <a:solidFill>
               <a:schemeClr val="bg1">
-                <a:lumMod val="95000"/>
-                <a:alpha val="70000"/>
+                <a:lumMod val="65000"/>
               </a:schemeClr>
             </a:solidFill>
-            <a:ln w="9525">
-              <a:solidFill>
-                <a:schemeClr val="bg1">
-                  <a:lumMod val="65000"/>
-                </a:schemeClr>
-              </a:solidFill>
-            </a:ln>
-          </p:spPr>
-          <p:style>
-            <a:lnRef idx="2">
-              <a:schemeClr val="accent1">
-                <a:shade val="50000"/>
-              </a:schemeClr>
-            </a:lnRef>
-            <a:fillRef idx="1">
-              <a:schemeClr val="accent1"/>
-            </a:fillRef>
-            <a:effectRef idx="0">
-              <a:schemeClr val="accent1"/>
-            </a:effectRef>
-            <a:fontRef idx="minor">
-              <a:schemeClr val="lt1"/>
-            </a:fontRef>
-          </p:style>
-          <p:txBody>
-            <a:bodyPr rtlCol="0" anchor="ctr"/>
-            <a:lstStyle/>
-            <a:p>
-              <a:pPr algn="ctr"/>
-              <a:r>
-                <a:rPr lang="en-US" altLang="ko-KR" dirty="0">
-                  <a:solidFill>
-                    <a:prstClr val="white"/>
-                  </a:solidFill>
-                  <a:latin typeface="+mn-ea"/>
-                  <a:ea typeface="+mn-ea"/>
-                </a:rPr>
-                <a:t>`</a:t>
-              </a:r>
-              <a:endParaRPr lang="ko-KR" altLang="en-US" dirty="0">
-                <a:solidFill>
-                  <a:prstClr val="white"/>
-                </a:solidFill>
-                <a:latin typeface="+mn-ea"/>
-                <a:ea typeface="+mn-ea"/>
-              </a:endParaRPr>
-            </a:p>
-          </p:txBody>
-        </p:sp>
-        <p:cxnSp>
-          <p:nvCxnSpPr>
-            <p:cNvPr id="80" name="직선 연결선 79"/>
-            <p:cNvCxnSpPr/>
-            <p:nvPr/>
-          </p:nvCxnSpPr>
-          <p:spPr>
-            <a:xfrm flipH="1">
-              <a:off x="179512" y="411510"/>
-              <a:ext cx="1296144" cy="432048"/>
-            </a:xfrm>
-            <a:prstGeom prst="line">
-              <a:avLst/>
-            </a:prstGeom>
-            <a:ln>
-              <a:solidFill>
-                <a:schemeClr val="bg1">
-                  <a:lumMod val="50000"/>
-                </a:schemeClr>
-              </a:solidFill>
-            </a:ln>
-          </p:spPr>
-          <p:style>
-            <a:lnRef idx="1">
-              <a:schemeClr val="accent1"/>
-            </a:lnRef>
-            <a:fillRef idx="0">
-              <a:schemeClr val="accent1"/>
-            </a:fillRef>
-            <a:effectRef idx="0">
-              <a:schemeClr val="accent1"/>
-            </a:effectRef>
-            <a:fontRef idx="minor">
-              <a:schemeClr val="tx1"/>
-            </a:fontRef>
-          </p:style>
-        </p:cxnSp>
-      </p:grpSp>
-      <p:sp>
-        <p:nvSpPr>
-          <p:cNvPr id="81" name="TextBox 80"/>
-          <p:cNvSpPr txBox="1"/>
-          <p:nvPr/>
-        </p:nvSpPr>
-        <p:spPr>
-          <a:xfrm>
-            <a:off x="185633" y="463951"/>
-            <a:ext cx="679801" cy="307777"/>
-          </a:xfrm>
-          <a:prstGeom prst="rect">
-            <a:avLst/>
-          </a:prstGeom>
-          <a:noFill/>
-        </p:spPr>
-        <p:txBody>
-          <a:bodyPr wrap="none" rtlCol="0">
-            <a:spAutoFit/>
-          </a:bodyPr>
-          <a:lstStyle/>
-          <a:p>
-            <a:r>
-              <a:rPr lang="en-US" altLang="ko-KR" sz="1400" b="1" dirty="0">
-                <a:solidFill>
-                  <a:schemeClr val="tx1"/>
-                </a:solidFill>
-                <a:latin typeface="+mn-ea"/>
-                <a:ea typeface="+mn-ea"/>
-              </a:rPr>
-              <a:t>LOGO</a:t>
-            </a:r>
-            <a:endParaRPr lang="ko-KR" altLang="en-US" sz="1400" b="1" dirty="0">
-              <a:solidFill>
-                <a:schemeClr val="tx1"/>
-              </a:solidFill>
-              <a:latin typeface="+mn-ea"/>
-              <a:ea typeface="+mn-ea"/>
-            </a:endParaRPr>
-          </a:p>
-        </p:txBody>
-      </p:sp>
-      <p:grpSp>
-        <p:nvGrpSpPr>
-          <p:cNvPr id="93" name="그룹 92"/>
-          <p:cNvGrpSpPr/>
-          <p:nvPr/>
-        </p:nvGrpSpPr>
-        <p:grpSpPr>
-          <a:xfrm>
-            <a:off x="1331640" y="3075806"/>
-            <a:ext cx="648072" cy="648072"/>
-            <a:chOff x="323528" y="3075806"/>
-            <a:chExt cx="648072" cy="648072"/>
-          </a:xfrm>
-        </p:grpSpPr>
-        <p:sp>
-          <p:nvSpPr>
-            <p:cNvPr id="87" name="타원 86"/>
-            <p:cNvSpPr/>
-            <p:nvPr/>
-          </p:nvSpPr>
-          <p:spPr>
-            <a:xfrm>
-              <a:off x="323528" y="3075806"/>
-              <a:ext cx="648072" cy="648072"/>
-            </a:xfrm>
-            <a:prstGeom prst="ellipse">
-              <a:avLst/>
-            </a:prstGeom>
-            <a:solidFill>
-              <a:schemeClr val="bg1">
-                <a:lumMod val="95000"/>
-              </a:schemeClr>
-            </a:solidFill>
-            <a:ln w="6350">
-              <a:solidFill>
-                <a:schemeClr val="bg1">
-                  <a:lumMod val="50000"/>
-                </a:schemeClr>
-              </a:solidFill>
-            </a:ln>
-          </p:spPr>
-          <p:style>
-            <a:lnRef idx="2">
-              <a:schemeClr val="accent1">
-                <a:shade val="50000"/>
-              </a:schemeClr>
-            </a:lnRef>
-            <a:fillRef idx="1">
-              <a:schemeClr val="accent1"/>
-            </a:fillRef>
-            <a:effectRef idx="0">
-              <a:schemeClr val="accent1"/>
-            </a:effectRef>
-            <a:fontRef idx="minor">
-              <a:schemeClr val="lt1"/>
-            </a:fontRef>
-          </p:style>
-          <p:txBody>
-            <a:bodyPr rtlCol="0" anchor="ctr"/>
-            <a:lstStyle/>
-            <a:p>
-              <a:pPr algn="ctr"/>
-              <a:endParaRPr lang="ko-KR" altLang="en-US"/>
-            </a:p>
-          </p:txBody>
-        </p:sp>
-        <p:cxnSp>
-          <p:nvCxnSpPr>
-            <p:cNvPr id="90" name="직선 연결선 89"/>
-            <p:cNvCxnSpPr>
-              <a:stCxn id="87" idx="7"/>
-              <a:endCxn id="87" idx="3"/>
-            </p:cNvCxnSpPr>
-            <p:nvPr/>
-          </p:nvCxnSpPr>
-          <p:spPr>
-            <a:xfrm flipH="1">
-              <a:off x="418436" y="3170714"/>
-              <a:ext cx="458256" cy="458256"/>
-            </a:xfrm>
-            <a:prstGeom prst="line">
-              <a:avLst/>
-            </a:prstGeom>
-            <a:ln>
-              <a:solidFill>
-                <a:schemeClr val="bg1">
-                  <a:lumMod val="50000"/>
-                </a:schemeClr>
-              </a:solidFill>
-            </a:ln>
-          </p:spPr>
-          <p:style>
-            <a:lnRef idx="1">
-              <a:schemeClr val="accent1"/>
-            </a:lnRef>
-            <a:fillRef idx="0">
-              <a:schemeClr val="accent1"/>
-            </a:fillRef>
-            <a:effectRef idx="0">
-              <a:schemeClr val="accent1"/>
-            </a:effectRef>
-            <a:fontRef idx="minor">
-              <a:schemeClr val="tx1"/>
-            </a:fontRef>
-          </p:style>
-        </p:cxnSp>
-      </p:grpSp>
-      <p:grpSp>
-        <p:nvGrpSpPr>
-          <p:cNvPr id="94" name="그룹 93"/>
-          <p:cNvGrpSpPr/>
-          <p:nvPr/>
-        </p:nvGrpSpPr>
-        <p:grpSpPr>
-          <a:xfrm>
-            <a:off x="2246040" y="3075806"/>
-            <a:ext cx="648072" cy="648072"/>
-            <a:chOff x="323528" y="3075806"/>
-            <a:chExt cx="648072" cy="648072"/>
-          </a:xfrm>
-        </p:grpSpPr>
-        <p:sp>
-          <p:nvSpPr>
-            <p:cNvPr id="95" name="타원 94"/>
-            <p:cNvSpPr/>
-            <p:nvPr/>
-          </p:nvSpPr>
-          <p:spPr>
-            <a:xfrm>
-              <a:off x="323528" y="3075806"/>
-              <a:ext cx="648072" cy="648072"/>
-            </a:xfrm>
-            <a:prstGeom prst="ellipse">
-              <a:avLst/>
-            </a:prstGeom>
-            <a:solidFill>
-              <a:schemeClr val="bg1">
-                <a:lumMod val="95000"/>
-              </a:schemeClr>
-            </a:solidFill>
-            <a:ln w="6350">
-              <a:solidFill>
-                <a:schemeClr val="bg1">
-                  <a:lumMod val="50000"/>
-                </a:schemeClr>
-              </a:solidFill>
-            </a:ln>
-          </p:spPr>
-          <p:style>
-            <a:lnRef idx="2">
-              <a:schemeClr val="accent1">
-                <a:shade val="50000"/>
-              </a:schemeClr>
-            </a:lnRef>
-            <a:fillRef idx="1">
-              <a:schemeClr val="accent1"/>
-            </a:fillRef>
-            <a:effectRef idx="0">
-              <a:schemeClr val="accent1"/>
-            </a:effectRef>
-            <a:fontRef idx="minor">
-              <a:schemeClr val="lt1"/>
-            </a:fontRef>
-          </p:style>
-          <p:txBody>
-            <a:bodyPr rtlCol="0" anchor="ctr"/>
-            <a:lstStyle/>
-            <a:p>
-              <a:pPr algn="ctr"/>
-              <a:endParaRPr lang="ko-KR" altLang="en-US"/>
-            </a:p>
-          </p:txBody>
-        </p:sp>
-        <p:cxnSp>
-          <p:nvCxnSpPr>
-            <p:cNvPr id="96" name="직선 연결선 95"/>
-            <p:cNvCxnSpPr>
-              <a:stCxn id="95" idx="7"/>
-              <a:endCxn id="95" idx="3"/>
-            </p:cNvCxnSpPr>
-            <p:nvPr/>
-          </p:nvCxnSpPr>
-          <p:spPr>
-            <a:xfrm flipH="1">
-              <a:off x="418436" y="3170714"/>
-              <a:ext cx="458256" cy="458256"/>
-            </a:xfrm>
-            <a:prstGeom prst="line">
-              <a:avLst/>
-            </a:prstGeom>
-            <a:ln>
-              <a:solidFill>
-                <a:schemeClr val="bg1">
-                  <a:lumMod val="50000"/>
-                </a:schemeClr>
-              </a:solidFill>
-            </a:ln>
-          </p:spPr>
-          <p:style>
-            <a:lnRef idx="1">
-              <a:schemeClr val="accent1"/>
-            </a:lnRef>
-            <a:fillRef idx="0">
-              <a:schemeClr val="accent1"/>
-            </a:fillRef>
-            <a:effectRef idx="0">
-              <a:schemeClr val="accent1"/>
-            </a:effectRef>
-            <a:fontRef idx="minor">
-              <a:schemeClr val="tx1"/>
-            </a:fontRef>
-          </p:style>
-        </p:cxnSp>
-      </p:grpSp>
-      <p:grpSp>
-        <p:nvGrpSpPr>
-          <p:cNvPr id="97" name="그룹 96"/>
-          <p:cNvGrpSpPr/>
-          <p:nvPr/>
-        </p:nvGrpSpPr>
-        <p:grpSpPr>
-          <a:xfrm>
-            <a:off x="3203848" y="3075806"/>
-            <a:ext cx="648072" cy="648072"/>
-            <a:chOff x="323528" y="3075806"/>
-            <a:chExt cx="648072" cy="648072"/>
-          </a:xfrm>
-        </p:grpSpPr>
-        <p:sp>
-          <p:nvSpPr>
-            <p:cNvPr id="98" name="타원 97"/>
-            <p:cNvSpPr/>
-            <p:nvPr/>
-          </p:nvSpPr>
-          <p:spPr>
-            <a:xfrm>
-              <a:off x="323528" y="3075806"/>
-              <a:ext cx="648072" cy="648072"/>
-            </a:xfrm>
-            <a:prstGeom prst="ellipse">
-              <a:avLst/>
-            </a:prstGeom>
-            <a:solidFill>
-              <a:schemeClr val="bg1">
-                <a:lumMod val="95000"/>
-              </a:schemeClr>
-            </a:solidFill>
-            <a:ln w="6350">
-              <a:solidFill>
-                <a:schemeClr val="bg1">
-                  <a:lumMod val="50000"/>
-                </a:schemeClr>
-              </a:solidFill>
-            </a:ln>
-          </p:spPr>
-          <p:style>
-            <a:lnRef idx="2">
-              <a:schemeClr val="accent1">
-                <a:shade val="50000"/>
-              </a:schemeClr>
-            </a:lnRef>
-            <a:fillRef idx="1">
-              <a:schemeClr val="accent1"/>
-            </a:fillRef>
-            <a:effectRef idx="0">
-              <a:schemeClr val="accent1"/>
-            </a:effectRef>
-            <a:fontRef idx="minor">
-              <a:schemeClr val="lt1"/>
-            </a:fontRef>
-          </p:style>
-          <p:txBody>
-            <a:bodyPr rtlCol="0" anchor="ctr"/>
-            <a:lstStyle/>
-            <a:p>
-              <a:pPr algn="ctr"/>
-              <a:endParaRPr lang="ko-KR" altLang="en-US"/>
-            </a:p>
-          </p:txBody>
-        </p:sp>
-        <p:cxnSp>
-          <p:nvCxnSpPr>
-            <p:cNvPr id="99" name="직선 연결선 98"/>
-            <p:cNvCxnSpPr>
-              <a:stCxn id="98" idx="7"/>
-              <a:endCxn id="98" idx="3"/>
-            </p:cNvCxnSpPr>
-            <p:nvPr/>
-          </p:nvCxnSpPr>
-          <p:spPr>
-            <a:xfrm flipH="1">
-              <a:off x="418436" y="3170714"/>
-              <a:ext cx="458256" cy="458256"/>
-            </a:xfrm>
-            <a:prstGeom prst="line">
-              <a:avLst/>
-            </a:prstGeom>
-            <a:ln>
-              <a:solidFill>
-                <a:schemeClr val="bg1">
-                  <a:lumMod val="50000"/>
-                </a:schemeClr>
-              </a:solidFill>
-            </a:ln>
-          </p:spPr>
-          <p:style>
-            <a:lnRef idx="1">
-              <a:schemeClr val="accent1"/>
-            </a:lnRef>
-            <a:fillRef idx="0">
-              <a:schemeClr val="accent1"/>
-            </a:fillRef>
-            <a:effectRef idx="0">
-              <a:schemeClr val="accent1"/>
-            </a:effectRef>
-            <a:fontRef idx="minor">
-              <a:schemeClr val="tx1"/>
-            </a:fontRef>
-          </p:style>
-        </p:cxnSp>
-      </p:grpSp>
-      <p:grpSp>
-        <p:nvGrpSpPr>
-          <p:cNvPr id="100" name="그룹 99"/>
-          <p:cNvGrpSpPr/>
-          <p:nvPr/>
-        </p:nvGrpSpPr>
-        <p:grpSpPr>
-          <a:xfrm>
-            <a:off x="4139952" y="3075806"/>
-            <a:ext cx="648072" cy="648072"/>
-            <a:chOff x="323528" y="3075806"/>
-            <a:chExt cx="648072" cy="648072"/>
-          </a:xfrm>
-        </p:grpSpPr>
-        <p:sp>
-          <p:nvSpPr>
-            <p:cNvPr id="101" name="타원 100"/>
-            <p:cNvSpPr/>
-            <p:nvPr/>
-          </p:nvSpPr>
-          <p:spPr>
-            <a:xfrm>
-              <a:off x="323528" y="3075806"/>
-              <a:ext cx="648072" cy="648072"/>
-            </a:xfrm>
-            <a:prstGeom prst="ellipse">
-              <a:avLst/>
-            </a:prstGeom>
-            <a:solidFill>
-              <a:schemeClr val="bg1">
-                <a:lumMod val="95000"/>
-              </a:schemeClr>
-            </a:solidFill>
-            <a:ln w="6350">
-              <a:solidFill>
-                <a:schemeClr val="bg1">
-                  <a:lumMod val="50000"/>
-                </a:schemeClr>
-              </a:solidFill>
-            </a:ln>
-          </p:spPr>
-          <p:style>
-            <a:lnRef idx="2">
-              <a:schemeClr val="accent1">
-                <a:shade val="50000"/>
-              </a:schemeClr>
-            </a:lnRef>
-            <a:fillRef idx="1">
-              <a:schemeClr val="accent1"/>
-            </a:fillRef>
-            <a:effectRef idx="0">
-              <a:schemeClr val="accent1"/>
-            </a:effectRef>
-            <a:fontRef idx="minor">
-              <a:schemeClr val="lt1"/>
-            </a:fontRef>
-          </p:style>
-          <p:txBody>
-            <a:bodyPr rtlCol="0" anchor="ctr"/>
-            <a:lstStyle/>
-            <a:p>
-              <a:pPr algn="ctr"/>
-              <a:endParaRPr lang="ko-KR" altLang="en-US"/>
-            </a:p>
-          </p:txBody>
-        </p:sp>
-        <p:cxnSp>
-          <p:nvCxnSpPr>
-            <p:cNvPr id="102" name="직선 연결선 101"/>
-            <p:cNvCxnSpPr>
-              <a:stCxn id="101" idx="7"/>
-              <a:endCxn id="101" idx="3"/>
-            </p:cNvCxnSpPr>
-            <p:nvPr/>
-          </p:nvCxnSpPr>
-          <p:spPr>
-            <a:xfrm flipH="1">
-              <a:off x="418436" y="3170714"/>
-              <a:ext cx="458256" cy="458256"/>
-            </a:xfrm>
-            <a:prstGeom prst="line">
-              <a:avLst/>
-            </a:prstGeom>
-            <a:ln>
-              <a:solidFill>
-                <a:schemeClr val="bg1">
-                  <a:lumMod val="50000"/>
-                </a:schemeClr>
-              </a:solidFill>
-            </a:ln>
-          </p:spPr>
-          <p:style>
-            <a:lnRef idx="1">
-              <a:schemeClr val="accent1"/>
-            </a:lnRef>
-            <a:fillRef idx="0">
-              <a:schemeClr val="accent1"/>
-            </a:fillRef>
-            <a:effectRef idx="0">
-              <a:schemeClr val="accent1"/>
-            </a:effectRef>
-            <a:fontRef idx="minor">
-              <a:schemeClr val="tx1"/>
-            </a:fontRef>
-          </p:style>
-        </p:cxnSp>
-      </p:grpSp>
-      <p:grpSp>
-        <p:nvGrpSpPr>
-          <p:cNvPr id="103" name="그룹 102"/>
-          <p:cNvGrpSpPr/>
-          <p:nvPr/>
-        </p:nvGrpSpPr>
-        <p:grpSpPr>
-          <a:xfrm>
-            <a:off x="5076056" y="3075806"/>
-            <a:ext cx="648072" cy="648072"/>
-            <a:chOff x="323528" y="3075806"/>
-            <a:chExt cx="648072" cy="648072"/>
-          </a:xfrm>
-        </p:grpSpPr>
-        <p:sp>
-          <p:nvSpPr>
-            <p:cNvPr id="104" name="타원 103"/>
-            <p:cNvSpPr/>
-            <p:nvPr/>
-          </p:nvSpPr>
-          <p:spPr>
-            <a:xfrm>
-              <a:off x="323528" y="3075806"/>
-              <a:ext cx="648072" cy="648072"/>
-            </a:xfrm>
-            <a:prstGeom prst="ellipse">
-              <a:avLst/>
-            </a:prstGeom>
-            <a:solidFill>
-              <a:schemeClr val="bg1">
-                <a:lumMod val="95000"/>
-              </a:schemeClr>
-            </a:solidFill>
-            <a:ln w="6350">
-              <a:solidFill>
-                <a:schemeClr val="bg1">
-                  <a:lumMod val="50000"/>
-                </a:schemeClr>
-              </a:solidFill>
-            </a:ln>
-          </p:spPr>
-          <p:style>
-            <a:lnRef idx="2">
-              <a:schemeClr val="accent1">
-                <a:shade val="50000"/>
-              </a:schemeClr>
-            </a:lnRef>
-            <a:fillRef idx="1">
-              <a:schemeClr val="accent1"/>
-            </a:fillRef>
-            <a:effectRef idx="0">
-              <a:schemeClr val="accent1"/>
-            </a:effectRef>
-            <a:fontRef idx="minor">
-              <a:schemeClr val="lt1"/>
-            </a:fontRef>
-          </p:style>
-          <p:txBody>
-            <a:bodyPr rtlCol="0" anchor="ctr"/>
-            <a:lstStyle/>
-            <a:p>
-              <a:pPr algn="ctr"/>
-              <a:endParaRPr lang="ko-KR" altLang="en-US"/>
-            </a:p>
-          </p:txBody>
-        </p:sp>
-        <p:cxnSp>
-          <p:nvCxnSpPr>
-            <p:cNvPr id="105" name="직선 연결선 104"/>
-            <p:cNvCxnSpPr>
-              <a:stCxn id="104" idx="7"/>
-              <a:endCxn id="104" idx="3"/>
-            </p:cNvCxnSpPr>
-            <p:nvPr/>
-          </p:nvCxnSpPr>
-          <p:spPr>
-            <a:xfrm flipH="1">
-              <a:off x="418436" y="3170714"/>
-              <a:ext cx="458256" cy="458256"/>
-            </a:xfrm>
-            <a:prstGeom prst="line">
-              <a:avLst/>
-            </a:prstGeom>
-            <a:ln>
-              <a:solidFill>
-                <a:schemeClr val="bg1">
-                  <a:lumMod val="50000"/>
-                </a:schemeClr>
-              </a:solidFill>
-            </a:ln>
-          </p:spPr>
-          <p:style>
-            <a:lnRef idx="1">
-              <a:schemeClr val="accent1"/>
-            </a:lnRef>
-            <a:fillRef idx="0">
-              <a:schemeClr val="accent1"/>
-            </a:fillRef>
-            <a:effectRef idx="0">
-              <a:schemeClr val="accent1"/>
-            </a:effectRef>
-            <a:fontRef idx="minor">
-              <a:schemeClr val="tx1"/>
-            </a:fontRef>
-          </p:style>
-        </p:cxnSp>
-      </p:grpSp>
-      <p:sp>
-        <p:nvSpPr>
-          <p:cNvPr id="106" name="모서리가 둥근 직사각형 105"/>
-          <p:cNvSpPr/>
-          <p:nvPr/>
-        </p:nvSpPr>
-        <p:spPr>
-          <a:xfrm>
-            <a:off x="1365196" y="3757018"/>
-            <a:ext cx="709387" cy="229725"/>
-          </a:xfrm>
-          <a:prstGeom prst="roundRect">
-            <a:avLst>
-              <a:gd name="adj" fmla="val 9813"/>
-            </a:avLst>
-          </a:prstGeom>
-          <a:noFill/>
-          <a:ln w="6350">
-            <a:noFill/>
           </a:ln>
         </p:spPr>
         <p:style>
@@ -10435,51 +15096,391 @@
           <a:bodyPr rtlCol="0" anchor="ctr"/>
           <a:lstStyle/>
           <a:p>
-            <a:r>
-              <a:rPr lang="ko-KR" altLang="en-US" sz="700" dirty="0">
-                <a:solidFill>
-                  <a:schemeClr val="tx1">
-                    <a:lumMod val="65000"/>
-                    <a:lumOff val="35000"/>
-                  </a:schemeClr>
+            <a:pPr algn="ctr"/>
+            <a:r>
+              <a:rPr lang="en-US" altLang="ko-KR" b="1" dirty="0">
+                <a:solidFill>
+                  <a:prstClr val="white"/>
                 </a:solidFill>
                 <a:latin typeface="+mn-ea"/>
+                <a:ea typeface="+mn-ea"/>
               </a:rPr>
-              <a:t>주요제품</a:t>
-            </a:r>
-            <a:r>
-              <a:rPr lang="en-US" altLang="ko-KR" sz="700" dirty="0">
-                <a:solidFill>
-                  <a:schemeClr val="tx1">
-                    <a:lumMod val="65000"/>
-                    <a:lumOff val="35000"/>
-                  </a:schemeClr>
-                </a:solidFill>
-                <a:latin typeface="+mn-ea"/>
-              </a:rPr>
-              <a:t>1</a:t>
-            </a:r>
-          </a:p>
-        </p:txBody>
-      </p:sp>
-      <p:sp>
-        <p:nvSpPr>
-          <p:cNvPr id="107" name="모서리가 둥근 직사각형 106"/>
+              <a:t>`</a:t>
+            </a:r>
+            <a:endParaRPr lang="ko-KR" altLang="en-US" b="1" dirty="0">
+              <a:solidFill>
+                <a:prstClr val="white"/>
+              </a:solidFill>
+              <a:latin typeface="+mn-ea"/>
+              <a:ea typeface="+mn-ea"/>
+            </a:endParaRPr>
+          </a:p>
+        </p:txBody>
+      </p:sp>
+      <p:sp>
+        <p:nvSpPr>
+          <p:cNvPr id="27" name="사각형: 둥근 모서리 26">
+            <a:extLst>
+              <a:ext uri="{FF2B5EF4-FFF2-40B4-BE49-F238E27FC236}">
+                <a16:creationId xmlns:a16="http://schemas.microsoft.com/office/drawing/2014/main" id="{0F8FE86F-4CC2-4F53-862A-792525940A46}"/>
+              </a:ext>
+            </a:extLst>
+          </p:cNvPr>
           <p:cNvSpPr/>
           <p:nvPr/>
         </p:nvSpPr>
         <p:spPr>
           <a:xfrm>
-            <a:off x="2308500" y="3757018"/>
-            <a:ext cx="709387" cy="229725"/>
+            <a:off x="5195932" y="2736109"/>
+            <a:ext cx="1390187" cy="259441"/>
           </a:xfrm>
           <a:prstGeom prst="roundRect">
             <a:avLst>
-              <a:gd name="adj" fmla="val 9813"/>
+              <a:gd name="adj" fmla="val 50000"/>
             </a:avLst>
           </a:prstGeom>
           <a:noFill/>
-          <a:ln w="6350">
+          <a:ln w="12700">
+            <a:solidFill>
+              <a:schemeClr val="tx1"/>
+            </a:solidFill>
+          </a:ln>
+        </p:spPr>
+        <p:style>
+          <a:lnRef idx="2">
+            <a:schemeClr val="accent6">
+              <a:shade val="15000"/>
+            </a:schemeClr>
+          </a:lnRef>
+          <a:fillRef idx="1">
+            <a:schemeClr val="accent6"/>
+          </a:fillRef>
+          <a:effectRef idx="0">
+            <a:schemeClr val="accent6"/>
+          </a:effectRef>
+          <a:fontRef idx="minor">
+            <a:schemeClr val="lt1"/>
+          </a:fontRef>
+        </p:style>
+        <p:txBody>
+          <a:bodyPr rtlCol="0" anchor="ctr"/>
+          <a:lstStyle/>
+          <a:p>
+            <a:pPr algn="ctr"/>
+            <a:endParaRPr lang="ko-KR" altLang="en-US" dirty="0"/>
+          </a:p>
+        </p:txBody>
+      </p:sp>
+      <p:sp>
+        <p:nvSpPr>
+          <p:cNvPr id="29" name="타원 28">
+            <a:extLst>
+              <a:ext uri="{FF2B5EF4-FFF2-40B4-BE49-F238E27FC236}">
+                <a16:creationId xmlns:a16="http://schemas.microsoft.com/office/drawing/2014/main" id="{555F5CAA-F992-9BC4-DB42-15FF6CB56A9C}"/>
+              </a:ext>
+            </a:extLst>
+          </p:cNvPr>
+          <p:cNvSpPr/>
+          <p:nvPr/>
+        </p:nvSpPr>
+        <p:spPr>
+          <a:xfrm>
+            <a:off x="3995936" y="2770508"/>
+            <a:ext cx="216024" cy="195473"/>
+          </a:xfrm>
+          <a:prstGeom prst="ellipse">
+            <a:avLst/>
+          </a:prstGeom>
+          <a:noFill/>
+          <a:ln>
+            <a:solidFill>
+              <a:srgbClr val="FF0000"/>
+            </a:solidFill>
+          </a:ln>
+        </p:spPr>
+        <p:style>
+          <a:lnRef idx="2">
+            <a:schemeClr val="accent1">
+              <a:shade val="15000"/>
+            </a:schemeClr>
+          </a:lnRef>
+          <a:fillRef idx="1">
+            <a:schemeClr val="accent1"/>
+          </a:fillRef>
+          <a:effectRef idx="0">
+            <a:schemeClr val="accent1"/>
+          </a:effectRef>
+          <a:fontRef idx="minor">
+            <a:schemeClr val="lt1"/>
+          </a:fontRef>
+        </p:style>
+        <p:txBody>
+          <a:bodyPr rtlCol="0" anchor="ctr"/>
+          <a:lstStyle/>
+          <a:p>
+            <a:pPr algn="ctr"/>
+            <a:endParaRPr lang="ko-KR" altLang="en-US"/>
+          </a:p>
+        </p:txBody>
+      </p:sp>
+      <p:sp>
+        <p:nvSpPr>
+          <p:cNvPr id="35" name="TextBox 34">
+            <a:extLst>
+              <a:ext uri="{FF2B5EF4-FFF2-40B4-BE49-F238E27FC236}">
+                <a16:creationId xmlns:a16="http://schemas.microsoft.com/office/drawing/2014/main" id="{DEE2DF87-A420-A198-B128-666F5DC1A99C}"/>
+              </a:ext>
+            </a:extLst>
+          </p:cNvPr>
+          <p:cNvSpPr txBox="1"/>
+          <p:nvPr/>
+        </p:nvSpPr>
+        <p:spPr>
+          <a:xfrm>
+            <a:off x="4355976" y="1250857"/>
+            <a:ext cx="2592288" cy="369332"/>
+          </a:xfrm>
+          <a:prstGeom prst="rect">
+            <a:avLst/>
+          </a:prstGeom>
+          <a:noFill/>
+        </p:spPr>
+        <p:txBody>
+          <a:bodyPr wrap="square" rtlCol="0">
+            <a:spAutoFit/>
+          </a:bodyPr>
+          <a:lstStyle/>
+          <a:p>
+            <a:r>
+              <a:rPr lang="ko-KR" altLang="en-US" dirty="0"/>
+              <a:t>모임 제목 </a:t>
+            </a:r>
+            <a:r>
+              <a:rPr lang="en-US" altLang="ko-KR" dirty="0"/>
+              <a:t>text</a:t>
+            </a:r>
+            <a:endParaRPr lang="ko-KR" altLang="en-US" dirty="0"/>
+          </a:p>
+        </p:txBody>
+      </p:sp>
+      <p:sp>
+        <p:nvSpPr>
+          <p:cNvPr id="37" name="TextBox 36">
+            <a:extLst>
+              <a:ext uri="{FF2B5EF4-FFF2-40B4-BE49-F238E27FC236}">
+                <a16:creationId xmlns:a16="http://schemas.microsoft.com/office/drawing/2014/main" id="{59AD83FE-8A88-4D18-2B46-856D27267845}"/>
+              </a:ext>
+            </a:extLst>
+          </p:cNvPr>
+          <p:cNvSpPr txBox="1"/>
+          <p:nvPr/>
+        </p:nvSpPr>
+        <p:spPr>
+          <a:xfrm>
+            <a:off x="3899788" y="1757997"/>
+            <a:ext cx="2592288" cy="215444"/>
+          </a:xfrm>
+          <a:prstGeom prst="rect">
+            <a:avLst/>
+          </a:prstGeom>
+          <a:noFill/>
+        </p:spPr>
+        <p:txBody>
+          <a:bodyPr wrap="square" rtlCol="0">
+            <a:spAutoFit/>
+          </a:bodyPr>
+          <a:lstStyle/>
+          <a:p>
+            <a:r>
+              <a:rPr lang="ko-KR" altLang="en-US" sz="800" dirty="0" err="1"/>
+              <a:t>모임카테고리</a:t>
+            </a:r>
+            <a:r>
+              <a:rPr lang="ko-KR" altLang="en-US" sz="800" dirty="0"/>
+              <a:t> </a:t>
+            </a:r>
+            <a:r>
+              <a:rPr lang="en-US" altLang="ko-KR" sz="800" dirty="0"/>
+              <a:t>/</a:t>
+            </a:r>
+            <a:r>
+              <a:rPr lang="ko-KR" altLang="en-US" sz="800" dirty="0"/>
+              <a:t> 위치 </a:t>
+            </a:r>
+            <a:r>
+              <a:rPr lang="en-US" altLang="ko-KR" sz="800" dirty="0"/>
+              <a:t>/ </a:t>
+            </a:r>
+            <a:r>
+              <a:rPr lang="ko-KR" altLang="en-US" sz="800" dirty="0"/>
+              <a:t>날짜 </a:t>
+            </a:r>
+            <a:r>
+              <a:rPr lang="en-US" altLang="ko-KR" sz="800" dirty="0"/>
+              <a:t>/</a:t>
+            </a:r>
+            <a:r>
+              <a:rPr lang="ko-KR" altLang="en-US" sz="800" dirty="0"/>
+              <a:t>시간 </a:t>
+            </a:r>
+            <a:r>
+              <a:rPr lang="en-US" altLang="ko-KR" sz="800" dirty="0"/>
+              <a:t>text</a:t>
+            </a:r>
+            <a:endParaRPr lang="ko-KR" altLang="en-US" sz="800" dirty="0"/>
+          </a:p>
+        </p:txBody>
+      </p:sp>
+      <p:sp>
+        <p:nvSpPr>
+          <p:cNvPr id="38" name="TextBox 37">
+            <a:extLst>
+              <a:ext uri="{FF2B5EF4-FFF2-40B4-BE49-F238E27FC236}">
+                <a16:creationId xmlns:a16="http://schemas.microsoft.com/office/drawing/2014/main" id="{6796818A-79BB-8A07-ECAE-92F22BC144A4}"/>
+              </a:ext>
+            </a:extLst>
+          </p:cNvPr>
+          <p:cNvSpPr txBox="1"/>
+          <p:nvPr/>
+        </p:nvSpPr>
+        <p:spPr>
+          <a:xfrm>
+            <a:off x="3888416" y="2076577"/>
+            <a:ext cx="2592288" cy="215444"/>
+          </a:xfrm>
+          <a:prstGeom prst="rect">
+            <a:avLst/>
+          </a:prstGeom>
+          <a:noFill/>
+        </p:spPr>
+        <p:txBody>
+          <a:bodyPr wrap="square" rtlCol="0">
+            <a:spAutoFit/>
+          </a:bodyPr>
+          <a:lstStyle/>
+          <a:p>
+            <a:r>
+              <a:rPr lang="ko-KR" altLang="en-US" sz="800" dirty="0"/>
+              <a:t>참가비용                                          </a:t>
+            </a:r>
+            <a:r>
+              <a:rPr lang="en-US" altLang="ko-KR" sz="800" dirty="0"/>
+              <a:t>00,000 P</a:t>
+            </a:r>
+            <a:endParaRPr lang="ko-KR" altLang="en-US" sz="800" dirty="0"/>
+          </a:p>
+        </p:txBody>
+      </p:sp>
+      <p:sp>
+        <p:nvSpPr>
+          <p:cNvPr id="39" name="TextBox 38">
+            <a:extLst>
+              <a:ext uri="{FF2B5EF4-FFF2-40B4-BE49-F238E27FC236}">
+                <a16:creationId xmlns:a16="http://schemas.microsoft.com/office/drawing/2014/main" id="{BB5006EF-D80A-9F53-2CC7-6274BBA695AD}"/>
+              </a:ext>
+            </a:extLst>
+          </p:cNvPr>
+          <p:cNvSpPr txBox="1"/>
+          <p:nvPr/>
+        </p:nvSpPr>
+        <p:spPr>
+          <a:xfrm>
+            <a:off x="5420323" y="2742718"/>
+            <a:ext cx="1188624" cy="246221"/>
+          </a:xfrm>
+          <a:prstGeom prst="rect">
+            <a:avLst/>
+          </a:prstGeom>
+          <a:noFill/>
+        </p:spPr>
+        <p:txBody>
+          <a:bodyPr wrap="square" rtlCol="0">
+            <a:spAutoFit/>
+          </a:bodyPr>
+          <a:lstStyle/>
+          <a:p>
+            <a:r>
+              <a:rPr lang="ko-KR" altLang="en-US" sz="1000"/>
+              <a:t>모임 신청하기</a:t>
+            </a:r>
+          </a:p>
+        </p:txBody>
+      </p:sp>
+      <p:sp>
+        <p:nvSpPr>
+          <p:cNvPr id="40" name="TextBox 39">
+            <a:extLst>
+              <a:ext uri="{FF2B5EF4-FFF2-40B4-BE49-F238E27FC236}">
+                <a16:creationId xmlns:a16="http://schemas.microsoft.com/office/drawing/2014/main" id="{FCE29D5D-EA7D-7174-7735-28773AA5FBEA}"/>
+              </a:ext>
+            </a:extLst>
+          </p:cNvPr>
+          <p:cNvSpPr txBox="1"/>
+          <p:nvPr/>
+        </p:nvSpPr>
+        <p:spPr>
+          <a:xfrm>
+            <a:off x="419833" y="3507854"/>
+            <a:ext cx="2807990" cy="923330"/>
+          </a:xfrm>
+          <a:prstGeom prst="rect">
+            <a:avLst/>
+          </a:prstGeom>
+          <a:noFill/>
+        </p:spPr>
+        <p:txBody>
+          <a:bodyPr wrap="square" rtlCol="0">
+            <a:spAutoFit/>
+          </a:bodyPr>
+          <a:lstStyle/>
+          <a:p>
+            <a:r>
+              <a:rPr lang="en-US" altLang="ko-KR" dirty="0"/>
+              <a:t>Text</a:t>
+            </a:r>
+          </a:p>
+          <a:p>
+            <a:r>
+              <a:rPr lang="en-US" altLang="ko-KR" dirty="0" err="1"/>
+              <a:t>Img</a:t>
+            </a:r>
+            <a:endParaRPr lang="en-US" altLang="ko-KR" dirty="0"/>
+          </a:p>
+          <a:p>
+            <a:r>
+              <a:rPr lang="en-US" altLang="ko-KR" dirty="0"/>
+              <a:t>link</a:t>
+            </a:r>
+            <a:endParaRPr lang="ko-KR" altLang="en-US" dirty="0"/>
+          </a:p>
+        </p:txBody>
+      </p:sp>
+      <p:sp>
+        <p:nvSpPr>
+          <p:cNvPr id="124" name="모서리가 둥근 직사각형 123">
+            <a:extLst>
+              <a:ext uri="{FF2B5EF4-FFF2-40B4-BE49-F238E27FC236}">
+                <a16:creationId xmlns:a16="http://schemas.microsoft.com/office/drawing/2014/main" id="{08C06880-5455-4C95-9880-629316A10447}"/>
+              </a:ext>
+            </a:extLst>
+          </p:cNvPr>
+          <p:cNvSpPr/>
+          <p:nvPr/>
+        </p:nvSpPr>
+        <p:spPr>
+          <a:xfrm>
+            <a:off x="419833" y="1178857"/>
+            <a:ext cx="144000" cy="144000"/>
+          </a:xfrm>
+          <a:prstGeom prst="roundRect">
+            <a:avLst/>
+          </a:prstGeom>
+          <a:solidFill>
+            <a:schemeClr val="accent6">
+              <a:lumMod val="75000"/>
+            </a:schemeClr>
+          </a:solidFill>
+          <a:ln>
             <a:noFill/>
           </a:ln>
         </p:spPr>
@@ -10500,54 +15501,44 @@
           </a:fontRef>
         </p:style>
         <p:txBody>
-          <a:bodyPr rtlCol="0" anchor="ctr"/>
-          <a:lstStyle/>
-          <a:p>
-            <a:r>
-              <a:rPr lang="ko-KR" altLang="en-US" sz="700" dirty="0">
-                <a:solidFill>
-                  <a:schemeClr val="tx1">
-                    <a:lumMod val="65000"/>
-                    <a:lumOff val="35000"/>
-                  </a:schemeClr>
-                </a:solidFill>
-                <a:latin typeface="+mn-ea"/>
-              </a:rPr>
-              <a:t>주요제품</a:t>
-            </a:r>
-            <a:r>
-              <a:rPr lang="en-US" altLang="ko-KR" sz="700" dirty="0">
-                <a:solidFill>
-                  <a:schemeClr val="tx1">
-                    <a:lumMod val="65000"/>
-                    <a:lumOff val="35000"/>
-                  </a:schemeClr>
-                </a:solidFill>
-                <a:latin typeface="+mn-ea"/>
-              </a:rPr>
-              <a:t>2</a:t>
-            </a:r>
-          </a:p>
-        </p:txBody>
-      </p:sp>
-      <p:sp>
-        <p:nvSpPr>
-          <p:cNvPr id="108" name="모서리가 둥근 직사각형 107"/>
+          <a:bodyPr lIns="0" rIns="0" rtlCol="0" anchor="ctr"/>
+          <a:lstStyle/>
+          <a:p>
+            <a:pPr algn="ctr"/>
+            <a:r>
+              <a:rPr lang="en-US" altLang="ko-KR" sz="700" b="1" dirty="0"/>
+              <a:t>1</a:t>
+            </a:r>
+            <a:endParaRPr lang="ko-KR" altLang="en-US" sz="700" b="1" dirty="0"/>
+          </a:p>
+        </p:txBody>
+      </p:sp>
+      <p:sp>
+        <p:nvSpPr>
+          <p:cNvPr id="41" name="모서리가 둥근 직사각형 123">
+            <a:extLst>
+              <a:ext uri="{FF2B5EF4-FFF2-40B4-BE49-F238E27FC236}">
+                <a16:creationId xmlns:a16="http://schemas.microsoft.com/office/drawing/2014/main" id="{51834ADB-5DCB-F497-907C-AF56FA5A5DD2}"/>
+              </a:ext>
+            </a:extLst>
+          </p:cNvPr>
           <p:cNvSpPr/>
           <p:nvPr/>
         </p:nvSpPr>
         <p:spPr>
           <a:xfrm>
-            <a:off x="3269497" y="3757018"/>
-            <a:ext cx="709387" cy="229725"/>
+            <a:off x="395858" y="3153458"/>
+            <a:ext cx="144000" cy="144000"/>
           </a:xfrm>
           <a:prstGeom prst="roundRect">
-            <a:avLst>
-              <a:gd name="adj" fmla="val 9813"/>
-            </a:avLst>
-          </a:prstGeom>
-          <a:noFill/>
-          <a:ln w="6350">
+            <a:avLst/>
+          </a:prstGeom>
+          <a:solidFill>
+            <a:schemeClr val="accent6">
+              <a:lumMod val="75000"/>
+            </a:schemeClr>
+          </a:solidFill>
+          <a:ln>
             <a:noFill/>
           </a:ln>
         </p:spPr>
@@ -10568,54 +15559,44 @@
           </a:fontRef>
         </p:style>
         <p:txBody>
-          <a:bodyPr rtlCol="0" anchor="ctr"/>
-          <a:lstStyle/>
-          <a:p>
-            <a:r>
-              <a:rPr lang="ko-KR" altLang="en-US" sz="700" dirty="0">
-                <a:solidFill>
-                  <a:schemeClr val="tx1">
-                    <a:lumMod val="65000"/>
-                    <a:lumOff val="35000"/>
-                  </a:schemeClr>
-                </a:solidFill>
-                <a:latin typeface="+mn-ea"/>
-              </a:rPr>
-              <a:t>주요제품</a:t>
-            </a:r>
-            <a:r>
-              <a:rPr lang="en-US" altLang="ko-KR" sz="700" dirty="0">
-                <a:solidFill>
-                  <a:schemeClr val="tx1">
-                    <a:lumMod val="65000"/>
-                    <a:lumOff val="35000"/>
-                  </a:schemeClr>
-                </a:solidFill>
-                <a:latin typeface="+mn-ea"/>
-              </a:rPr>
-              <a:t>3</a:t>
-            </a:r>
-          </a:p>
-        </p:txBody>
-      </p:sp>
-      <p:sp>
-        <p:nvSpPr>
-          <p:cNvPr id="109" name="모서리가 둥근 직사각형 108"/>
+          <a:bodyPr lIns="0" rIns="0" rtlCol="0" anchor="ctr"/>
+          <a:lstStyle/>
+          <a:p>
+            <a:pPr algn="ctr"/>
+            <a:r>
+              <a:rPr lang="en-US" altLang="ko-KR" sz="700" b="1" dirty="0"/>
+              <a:t>2</a:t>
+            </a:r>
+            <a:endParaRPr lang="ko-KR" altLang="en-US" sz="700" b="1" dirty="0"/>
+          </a:p>
+        </p:txBody>
+      </p:sp>
+      <p:sp>
+        <p:nvSpPr>
+          <p:cNvPr id="42" name="모서리가 둥근 직사각형 123">
+            <a:extLst>
+              <a:ext uri="{FF2B5EF4-FFF2-40B4-BE49-F238E27FC236}">
+                <a16:creationId xmlns:a16="http://schemas.microsoft.com/office/drawing/2014/main" id="{29BE4BA3-F9BE-8666-3473-1CBD46CAB279}"/>
+              </a:ext>
+            </a:extLst>
+          </p:cNvPr>
           <p:cNvSpPr/>
           <p:nvPr/>
         </p:nvSpPr>
         <p:spPr>
           <a:xfrm>
-            <a:off x="4212801" y="3757018"/>
-            <a:ext cx="709387" cy="229725"/>
+            <a:off x="395858" y="3481225"/>
+            <a:ext cx="144000" cy="144000"/>
           </a:xfrm>
           <a:prstGeom prst="roundRect">
-            <a:avLst>
-              <a:gd name="adj" fmla="val 9813"/>
-            </a:avLst>
-          </a:prstGeom>
-          <a:noFill/>
-          <a:ln w="6350">
+            <a:avLst/>
+          </a:prstGeom>
+          <a:solidFill>
+            <a:schemeClr val="accent6">
+              <a:lumMod val="75000"/>
+            </a:schemeClr>
+          </a:solidFill>
+          <a:ln>
             <a:noFill/>
           </a:ln>
         </p:spPr>
@@ -10636,54 +15617,44 @@
           </a:fontRef>
         </p:style>
         <p:txBody>
-          <a:bodyPr rtlCol="0" anchor="ctr"/>
-          <a:lstStyle/>
-          <a:p>
-            <a:r>
-              <a:rPr lang="ko-KR" altLang="en-US" sz="700" dirty="0">
-                <a:solidFill>
-                  <a:schemeClr val="tx1">
-                    <a:lumMod val="65000"/>
-                    <a:lumOff val="35000"/>
-                  </a:schemeClr>
-                </a:solidFill>
-                <a:latin typeface="+mn-ea"/>
-              </a:rPr>
-              <a:t>주요제품</a:t>
-            </a:r>
-            <a:r>
-              <a:rPr lang="en-US" altLang="ko-KR" sz="700" dirty="0">
-                <a:solidFill>
-                  <a:schemeClr val="tx1">
-                    <a:lumMod val="65000"/>
-                    <a:lumOff val="35000"/>
-                  </a:schemeClr>
-                </a:solidFill>
-                <a:latin typeface="+mn-ea"/>
-              </a:rPr>
-              <a:t>4</a:t>
-            </a:r>
-          </a:p>
-        </p:txBody>
-      </p:sp>
-      <p:sp>
-        <p:nvSpPr>
-          <p:cNvPr id="110" name="모서리가 둥근 직사각형 109"/>
+          <a:bodyPr lIns="0" rIns="0" rtlCol="0" anchor="ctr"/>
+          <a:lstStyle/>
+          <a:p>
+            <a:pPr algn="ctr"/>
+            <a:r>
+              <a:rPr lang="en-US" altLang="ko-KR" sz="700" b="1" dirty="0"/>
+              <a:t>3</a:t>
+            </a:r>
+            <a:endParaRPr lang="ko-KR" altLang="en-US" sz="700" b="1" dirty="0"/>
+          </a:p>
+        </p:txBody>
+      </p:sp>
+      <p:sp>
+        <p:nvSpPr>
+          <p:cNvPr id="43" name="모서리가 둥근 직사각형 123">
+            <a:extLst>
+              <a:ext uri="{FF2B5EF4-FFF2-40B4-BE49-F238E27FC236}">
+                <a16:creationId xmlns:a16="http://schemas.microsoft.com/office/drawing/2014/main" id="{4805B2B7-D5F6-6B7E-E822-AB21AB62C7CE}"/>
+              </a:ext>
+            </a:extLst>
+          </p:cNvPr>
           <p:cNvSpPr/>
           <p:nvPr/>
         </p:nvSpPr>
         <p:spPr>
           <a:xfrm>
-            <a:off x="5110423" y="3757018"/>
-            <a:ext cx="709387" cy="229725"/>
+            <a:off x="3634208" y="1034854"/>
+            <a:ext cx="144000" cy="144000"/>
           </a:xfrm>
           <a:prstGeom prst="roundRect">
-            <a:avLst>
-              <a:gd name="adj" fmla="val 9813"/>
-            </a:avLst>
-          </a:prstGeom>
-          <a:noFill/>
-          <a:ln w="6350">
+            <a:avLst/>
+          </a:prstGeom>
+          <a:solidFill>
+            <a:schemeClr val="accent6">
+              <a:lumMod val="75000"/>
+            </a:schemeClr>
+          </a:solidFill>
+          <a:ln>
             <a:noFill/>
           </a:ln>
         </p:spPr>
@@ -10704,54 +15675,44 @@
           </a:fontRef>
         </p:style>
         <p:txBody>
-          <a:bodyPr rtlCol="0" anchor="ctr"/>
-          <a:lstStyle/>
-          <a:p>
-            <a:r>
-              <a:rPr lang="ko-KR" altLang="en-US" sz="700" dirty="0">
-                <a:solidFill>
-                  <a:schemeClr val="tx1">
-                    <a:lumMod val="65000"/>
-                    <a:lumOff val="35000"/>
-                  </a:schemeClr>
-                </a:solidFill>
-                <a:latin typeface="+mn-ea"/>
-              </a:rPr>
-              <a:t>주요제품</a:t>
-            </a:r>
-            <a:r>
-              <a:rPr lang="en-US" altLang="ko-KR" sz="700" dirty="0">
-                <a:solidFill>
-                  <a:schemeClr val="tx1">
-                    <a:lumMod val="65000"/>
-                    <a:lumOff val="35000"/>
-                  </a:schemeClr>
-                </a:solidFill>
-                <a:latin typeface="+mn-ea"/>
-              </a:rPr>
-              <a:t>5</a:t>
-            </a:r>
-          </a:p>
-        </p:txBody>
-      </p:sp>
-      <p:sp>
-        <p:nvSpPr>
-          <p:cNvPr id="111" name="모서리가 둥근 직사각형 110"/>
+          <a:bodyPr lIns="0" rIns="0" rtlCol="0" anchor="ctr"/>
+          <a:lstStyle/>
+          <a:p>
+            <a:pPr algn="ctr"/>
+            <a:r>
+              <a:rPr lang="en-US" altLang="ko-KR" sz="700" b="1" dirty="0"/>
+              <a:t>4</a:t>
+            </a:r>
+            <a:endParaRPr lang="ko-KR" altLang="en-US" sz="700" b="1" dirty="0"/>
+          </a:p>
+        </p:txBody>
+      </p:sp>
+      <p:sp>
+        <p:nvSpPr>
+          <p:cNvPr id="45" name="모서리가 둥근 직사각형 123">
+            <a:extLst>
+              <a:ext uri="{FF2B5EF4-FFF2-40B4-BE49-F238E27FC236}">
+                <a16:creationId xmlns:a16="http://schemas.microsoft.com/office/drawing/2014/main" id="{D8D40601-94F5-2398-434E-C6E64C3D7BBA}"/>
+              </a:ext>
+            </a:extLst>
+          </p:cNvPr>
           <p:cNvSpPr/>
           <p:nvPr/>
         </p:nvSpPr>
         <p:spPr>
           <a:xfrm>
-            <a:off x="299794" y="4159689"/>
-            <a:ext cx="709387" cy="229725"/>
+            <a:off x="3930369" y="2710842"/>
+            <a:ext cx="144000" cy="144000"/>
           </a:xfrm>
           <a:prstGeom prst="roundRect">
-            <a:avLst>
-              <a:gd name="adj" fmla="val 9813"/>
-            </a:avLst>
-          </a:prstGeom>
-          <a:noFill/>
-          <a:ln w="6350">
+            <a:avLst/>
+          </a:prstGeom>
+          <a:solidFill>
+            <a:schemeClr val="accent6">
+              <a:lumMod val="75000"/>
+            </a:schemeClr>
+          </a:solidFill>
+          <a:ln>
             <a:noFill/>
           </a:ln>
         </p:spPr>
@@ -10772,45 +15733,44 @@
           </a:fontRef>
         </p:style>
         <p:txBody>
-          <a:bodyPr rtlCol="0" anchor="ctr"/>
-          <a:lstStyle/>
-          <a:p>
-            <a:r>
-              <a:rPr lang="ko-KR" altLang="en-US" sz="900" b="1" dirty="0">
-                <a:solidFill>
-                  <a:schemeClr val="bg1"/>
-                </a:solidFill>
-                <a:latin typeface="+mn-ea"/>
-              </a:rPr>
-              <a:t>공지사항</a:t>
-            </a:r>
-            <a:endParaRPr lang="en-US" altLang="ko-KR" sz="900" b="1" dirty="0">
-              <a:solidFill>
-                <a:schemeClr val="bg1"/>
-              </a:solidFill>
-              <a:latin typeface="+mn-ea"/>
-            </a:endParaRPr>
-          </a:p>
-        </p:txBody>
-      </p:sp>
-      <p:sp>
-        <p:nvSpPr>
-          <p:cNvPr id="113" name="모서리가 둥근 직사각형 112"/>
+          <a:bodyPr lIns="0" rIns="0" rtlCol="0" anchor="ctr"/>
+          <a:lstStyle/>
+          <a:p>
+            <a:pPr algn="ctr"/>
+            <a:r>
+              <a:rPr lang="en-US" altLang="ko-KR" sz="700" b="1" dirty="0"/>
+              <a:t>6</a:t>
+            </a:r>
+            <a:endParaRPr lang="ko-KR" altLang="en-US" sz="700" b="1" dirty="0"/>
+          </a:p>
+        </p:txBody>
+      </p:sp>
+      <p:sp>
+        <p:nvSpPr>
+          <p:cNvPr id="44" name="모서리가 둥근 직사각형 123">
+            <a:extLst>
+              <a:ext uri="{FF2B5EF4-FFF2-40B4-BE49-F238E27FC236}">
+                <a16:creationId xmlns:a16="http://schemas.microsoft.com/office/drawing/2014/main" id="{CC765763-866D-B0BE-1506-3F0888600F0C}"/>
+              </a:ext>
+            </a:extLst>
+          </p:cNvPr>
           <p:cNvSpPr/>
           <p:nvPr/>
         </p:nvSpPr>
         <p:spPr>
           <a:xfrm>
-            <a:off x="286509" y="4411359"/>
-            <a:ext cx="3853443" cy="464647"/>
+            <a:off x="3754092" y="1253440"/>
+            <a:ext cx="144000" cy="144000"/>
           </a:xfrm>
           <a:prstGeom prst="roundRect">
-            <a:avLst>
-              <a:gd name="adj" fmla="val 9813"/>
-            </a:avLst>
-          </a:prstGeom>
-          <a:noFill/>
-          <a:ln w="6350">
+            <a:avLst/>
+          </a:prstGeom>
+          <a:solidFill>
+            <a:schemeClr val="accent6">
+              <a:lumMod val="75000"/>
+            </a:schemeClr>
+          </a:solidFill>
+          <a:ln>
             <a:noFill/>
           </a:ln>
         </p:spPr>
@@ -10831,137 +15791,34 @@
           </a:fontRef>
         </p:style>
         <p:txBody>
-          <a:bodyPr rtlCol="0" anchor="ctr"/>
-          <a:lstStyle/>
-          <a:p>
-            <a:pPr>
-              <a:lnSpc>
-                <a:spcPct val="150000"/>
-              </a:lnSpc>
-            </a:pPr>
-            <a:r>
-              <a:rPr lang="ko-KR" altLang="en-US" sz="700" dirty="0">
-                <a:solidFill>
-                  <a:schemeClr val="tx1">
-                    <a:lumMod val="65000"/>
-                    <a:lumOff val="35000"/>
-                  </a:schemeClr>
-                </a:solidFill>
-                <a:latin typeface="+mn-ea"/>
-              </a:rPr>
-              <a:t>주요 공지사항입니다</a:t>
-            </a:r>
-            <a:r>
-              <a:rPr lang="en-US" altLang="ko-KR" sz="700" dirty="0">
-                <a:solidFill>
-                  <a:schemeClr val="tx1">
-                    <a:lumMod val="65000"/>
-                    <a:lumOff val="35000"/>
-                  </a:schemeClr>
-                </a:solidFill>
-                <a:latin typeface="+mn-ea"/>
-              </a:rPr>
-              <a:t>.   2017.03.03</a:t>
-            </a:r>
-          </a:p>
-          <a:p>
-            <a:pPr>
-              <a:lnSpc>
-                <a:spcPct val="150000"/>
-              </a:lnSpc>
-            </a:pPr>
-            <a:r>
-              <a:rPr lang="ko-KR" altLang="en-US" sz="700" dirty="0" err="1">
-                <a:solidFill>
-                  <a:schemeClr val="tx1">
-                    <a:lumMod val="65000"/>
-                    <a:lumOff val="35000"/>
-                  </a:schemeClr>
-                </a:solidFill>
-                <a:latin typeface="+mn-ea"/>
-              </a:rPr>
-              <a:t>오픈이벤트입니다</a:t>
-            </a:r>
-            <a:r>
-              <a:rPr lang="en-US" altLang="ko-KR" sz="700" dirty="0">
-                <a:solidFill>
-                  <a:schemeClr val="tx1">
-                    <a:lumMod val="65000"/>
-                    <a:lumOff val="35000"/>
-                  </a:schemeClr>
-                </a:solidFill>
-                <a:latin typeface="+mn-ea"/>
-              </a:rPr>
-              <a:t>. 2017.02.03</a:t>
-            </a:r>
-          </a:p>
-          <a:p>
-            <a:pPr>
-              <a:lnSpc>
-                <a:spcPct val="150000"/>
-              </a:lnSpc>
-            </a:pPr>
-            <a:r>
-              <a:rPr lang="ko-KR" altLang="en-US" sz="700" dirty="0">
-                <a:solidFill>
-                  <a:schemeClr val="tx1">
-                    <a:lumMod val="65000"/>
-                    <a:lumOff val="35000"/>
-                  </a:schemeClr>
-                </a:solidFill>
-                <a:latin typeface="+mn-ea"/>
-              </a:rPr>
-              <a:t>홈페이지 </a:t>
-            </a:r>
-            <a:r>
-              <a:rPr lang="ko-KR" altLang="en-US" sz="700" dirty="0" err="1">
-                <a:solidFill>
-                  <a:schemeClr val="tx1">
-                    <a:lumMod val="65000"/>
-                    <a:lumOff val="35000"/>
-                  </a:schemeClr>
-                </a:solidFill>
-                <a:latin typeface="+mn-ea"/>
-              </a:rPr>
-              <a:t>오픈을</a:t>
-            </a:r>
-            <a:r>
-              <a:rPr lang="ko-KR" altLang="en-US" sz="700" dirty="0">
-                <a:solidFill>
-                  <a:schemeClr val="tx1">
-                    <a:lumMod val="65000"/>
-                    <a:lumOff val="35000"/>
-                  </a:schemeClr>
-                </a:solidFill>
-                <a:latin typeface="+mn-ea"/>
-              </a:rPr>
-              <a:t> 축하해 주세요</a:t>
-            </a:r>
-            <a:r>
-              <a:rPr lang="en-US" altLang="ko-KR" sz="700" dirty="0">
-                <a:solidFill>
-                  <a:schemeClr val="tx1">
-                    <a:lumMod val="65000"/>
-                    <a:lumOff val="35000"/>
-                  </a:schemeClr>
-                </a:solidFill>
-                <a:latin typeface="+mn-ea"/>
-              </a:rPr>
-              <a:t>. 2017.01.31</a:t>
-            </a:r>
-          </a:p>
-        </p:txBody>
-      </p:sp>
-      <p:sp>
-        <p:nvSpPr>
-          <p:cNvPr id="123" name="모서리가 둥근 직사각형 122"/>
+          <a:bodyPr lIns="0" rIns="0" rtlCol="0" anchor="ctr"/>
+          <a:lstStyle/>
+          <a:p>
+            <a:pPr algn="ctr"/>
+            <a:r>
+              <a:rPr lang="en-US" altLang="ko-KR" sz="700" b="1" dirty="0"/>
+              <a:t>5</a:t>
+            </a:r>
+            <a:endParaRPr lang="ko-KR" altLang="en-US" sz="700" b="1" dirty="0"/>
+          </a:p>
+        </p:txBody>
+      </p:sp>
+      <p:sp>
+        <p:nvSpPr>
+          <p:cNvPr id="46" name="모서리가 둥근 직사각형 123">
+            <a:extLst>
+              <a:ext uri="{FF2B5EF4-FFF2-40B4-BE49-F238E27FC236}">
+                <a16:creationId xmlns:a16="http://schemas.microsoft.com/office/drawing/2014/main" id="{18512BE9-CB25-D1EF-F30E-77A4B0552892}"/>
+              </a:ext>
+            </a:extLst>
+          </p:cNvPr>
           <p:cNvSpPr/>
           <p:nvPr/>
         </p:nvSpPr>
         <p:spPr>
           <a:xfrm>
-            <a:off x="1259632" y="3147814"/>
-            <a:ext cx="216024" cy="216024"/>
+            <a:off x="5296752" y="2786569"/>
+            <a:ext cx="144000" cy="144000"/>
           </a:xfrm>
           <a:prstGeom prst="roundRect">
             <a:avLst/>
@@ -10997,33 +15854,149 @@
           <a:p>
             <a:pPr algn="ctr"/>
             <a:r>
-              <a:rPr lang="en-US" altLang="ko-KR" sz="1050" b="1" dirty="0"/>
-              <a:t>2</a:t>
-            </a:r>
-            <a:endParaRPr lang="ko-KR" altLang="en-US" sz="1050" b="1" dirty="0"/>
-          </a:p>
-        </p:txBody>
-      </p:sp>
-      <p:sp>
-        <p:nvSpPr>
-          <p:cNvPr id="124" name="모서리가 둥근 직사각형 123"/>
+              <a:rPr lang="en-US" altLang="ko-KR" sz="700" b="1" dirty="0"/>
+              <a:t>7</a:t>
+            </a:r>
+            <a:endParaRPr lang="ko-KR" altLang="en-US" sz="700" b="1" dirty="0"/>
+          </a:p>
+        </p:txBody>
+      </p:sp>
+    </p:spTree>
+    <p:extLst>
+      <p:ext uri="{BB962C8B-B14F-4D97-AF65-F5344CB8AC3E}">
+        <p14:creationId xmlns:p14="http://schemas.microsoft.com/office/powerpoint/2010/main" val="2143278156"/>
+      </p:ext>
+    </p:extLst>
+  </p:cSld>
+  <p:clrMapOvr>
+    <a:masterClrMapping/>
+  </p:clrMapOvr>
+</p:sld>
+</file>
+
+<file path=ppt/slides/slide5.xml><?xml version="1.0" encoding="utf-8"?>
+<p:sld xmlns:a="http://schemas.openxmlformats.org/drawingml/2006/main" xmlns:r="http://schemas.openxmlformats.org/officeDocument/2006/relationships" xmlns:p="http://schemas.openxmlformats.org/presentationml/2006/main">
+  <p:cSld>
+    <p:spTree>
+      <p:nvGrpSpPr>
+        <p:cNvPr id="1" name="">
+          <a:extLst>
+            <a:ext uri="{FF2B5EF4-FFF2-40B4-BE49-F238E27FC236}">
+              <a16:creationId xmlns:a16="http://schemas.microsoft.com/office/drawing/2014/main" id="{B0C65C97-6A63-AB93-F2BE-3DF7E58434BB}"/>
+            </a:ext>
+          </a:extLst>
+        </p:cNvPr>
+        <p:cNvGrpSpPr/>
+        <p:nvPr/>
+      </p:nvGrpSpPr>
+      <p:grpSpPr>
+        <a:xfrm>
+          <a:off x="0" y="0"/>
+          <a:ext cx="0" cy="0"/>
+          <a:chOff x="0" y="0"/>
+          <a:chExt cx="0" cy="0"/>
+        </a:xfrm>
+      </p:grpSpPr>
+      <p:sp>
+        <p:nvSpPr>
+          <p:cNvPr id="32" name="텍스트 개체 틀 31">
+            <a:extLst>
+              <a:ext uri="{FF2B5EF4-FFF2-40B4-BE49-F238E27FC236}">
+                <a16:creationId xmlns:a16="http://schemas.microsoft.com/office/drawing/2014/main" id="{DAD3591B-F52D-2AC5-5844-3A4162A2D301}"/>
+              </a:ext>
+            </a:extLst>
+          </p:cNvPr>
+          <p:cNvSpPr>
+            <a:spLocks noGrp="1"/>
+          </p:cNvSpPr>
+          <p:nvPr>
+            <p:ph type="body" sz="quarter" idx="10"/>
+          </p:nvPr>
+        </p:nvSpPr>
+        <p:spPr/>
+        <p:txBody>
+          <a:bodyPr/>
+          <a:lstStyle/>
+          <a:p>
+            <a:pPr marL="0" indent="0">
+              <a:buNone/>
+            </a:pPr>
+            <a:endParaRPr lang="en-US" altLang="ko-KR" sz="700" dirty="0"/>
+          </a:p>
+        </p:txBody>
+      </p:sp>
+      <p:sp>
+        <p:nvSpPr>
+          <p:cNvPr id="77" name="TextBox 76">
+            <a:extLst>
+              <a:ext uri="{FF2B5EF4-FFF2-40B4-BE49-F238E27FC236}">
+                <a16:creationId xmlns:a16="http://schemas.microsoft.com/office/drawing/2014/main" id="{3EC81C62-DF4D-BDDD-3A8B-E555B8C21C90}"/>
+              </a:ext>
+            </a:extLst>
+          </p:cNvPr>
+          <p:cNvSpPr txBox="1"/>
+          <p:nvPr/>
+        </p:nvSpPr>
+        <p:spPr>
+          <a:xfrm>
+            <a:off x="5868144" y="306307"/>
+            <a:ext cx="712054" cy="184666"/>
+          </a:xfrm>
+          <a:prstGeom prst="rect">
+            <a:avLst/>
+          </a:prstGeom>
+          <a:noFill/>
+        </p:spPr>
+        <p:txBody>
+          <a:bodyPr wrap="none" rtlCol="0">
+            <a:spAutoFit/>
+          </a:bodyPr>
+          <a:lstStyle/>
+          <a:p>
+            <a:r>
+              <a:rPr lang="en-US" altLang="ko-KR" sz="600" b="0" dirty="0">
+                <a:solidFill>
+                  <a:schemeClr val="tx1"/>
+                </a:solidFill>
+                <a:latin typeface="+mn-ea"/>
+                <a:ea typeface="+mn-ea"/>
+              </a:rPr>
+              <a:t>Login | Join US</a:t>
+            </a:r>
+            <a:endParaRPr lang="ko-KR" altLang="en-US" sz="600" b="0" dirty="0">
+              <a:solidFill>
+                <a:schemeClr val="tx1"/>
+              </a:solidFill>
+              <a:latin typeface="+mn-ea"/>
+              <a:ea typeface="+mn-ea"/>
+            </a:endParaRPr>
+          </a:p>
+        </p:txBody>
+      </p:sp>
+      <p:sp>
+        <p:nvSpPr>
+          <p:cNvPr id="111" name="모서리가 둥근 직사각형 110">
+            <a:extLst>
+              <a:ext uri="{FF2B5EF4-FFF2-40B4-BE49-F238E27FC236}">
+                <a16:creationId xmlns:a16="http://schemas.microsoft.com/office/drawing/2014/main" id="{C39CC570-F8C8-DC81-6F79-EB96109B40EF}"/>
+              </a:ext>
+            </a:extLst>
+          </p:cNvPr>
           <p:cNvSpPr/>
           <p:nvPr/>
         </p:nvSpPr>
         <p:spPr>
           <a:xfrm>
-            <a:off x="3419872" y="1779662"/>
-            <a:ext cx="216024" cy="216024"/>
+            <a:off x="299794" y="4159689"/>
+            <a:ext cx="709387" cy="229725"/>
           </a:xfrm>
           <a:prstGeom prst="roundRect">
-            <a:avLst/>
-          </a:prstGeom>
-          <a:solidFill>
-            <a:schemeClr val="accent6">
-              <a:lumMod val="75000"/>
-            </a:schemeClr>
-          </a:solidFill>
-          <a:ln>
+            <a:avLst>
+              <a:gd name="adj" fmla="val 9813"/>
+            </a:avLst>
+          </a:prstGeom>
+          <a:noFill/>
+          <a:ln w="6350">
             <a:noFill/>
           </a:ln>
         </p:spPr>
@@ -11044,28 +16017,43 @@
           </a:fontRef>
         </p:style>
         <p:txBody>
-          <a:bodyPr lIns="0" rIns="0" rtlCol="0" anchor="ctr"/>
-          <a:lstStyle/>
-          <a:p>
-            <a:pPr algn="ctr"/>
-            <a:r>
-              <a:rPr lang="en-US" altLang="ko-KR" sz="1050" b="1" dirty="0"/>
-              <a:t>1</a:t>
-            </a:r>
-            <a:endParaRPr lang="ko-KR" altLang="en-US" sz="1050" b="1" dirty="0"/>
-          </a:p>
-        </p:txBody>
-      </p:sp>
-      <p:sp>
-        <p:nvSpPr>
-          <p:cNvPr id="125" name="모서리가 둥근 직사각형 124"/>
+          <a:bodyPr rtlCol="0" anchor="ctr"/>
+          <a:lstStyle/>
+          <a:p>
+            <a:r>
+              <a:rPr lang="ko-KR" altLang="en-US" sz="900" b="1" dirty="0">
+                <a:solidFill>
+                  <a:schemeClr val="bg1"/>
+                </a:solidFill>
+                <a:latin typeface="+mn-ea"/>
+              </a:rPr>
+              <a:t>공지</a:t>
+            </a:r>
+            <a:endParaRPr lang="en-US" altLang="ko-KR" sz="900" b="1" dirty="0">
+              <a:solidFill>
+                <a:schemeClr val="bg1"/>
+              </a:solidFill>
+              <a:latin typeface="+mn-ea"/>
+            </a:endParaRPr>
+          </a:p>
+        </p:txBody>
+      </p:sp>
+      <p:sp>
+        <p:nvSpPr>
+          <p:cNvPr id="22" name="모서리가 둥근 직사각형 123">
+            <a:extLst>
+              <a:ext uri="{FF2B5EF4-FFF2-40B4-BE49-F238E27FC236}">
+                <a16:creationId xmlns:a16="http://schemas.microsoft.com/office/drawing/2014/main" id="{48BAC41C-1456-032A-D6F8-64ACA13B1BBC}"/>
+              </a:ext>
+            </a:extLst>
+          </p:cNvPr>
           <p:cNvSpPr/>
           <p:nvPr/>
         </p:nvSpPr>
         <p:spPr>
           <a:xfrm>
-            <a:off x="152286" y="4171271"/>
-            <a:ext cx="216024" cy="216024"/>
+            <a:off x="3701150" y="1055606"/>
+            <a:ext cx="144000" cy="144000"/>
           </a:xfrm>
           <a:prstGeom prst="roundRect">
             <a:avLst/>
@@ -11101,14 +16089,1391 @@
           <a:p>
             <a:pPr algn="ctr"/>
             <a:r>
+              <a:rPr lang="en-US" altLang="ko-KR" sz="800" b="1" dirty="0"/>
+              <a:t>2</a:t>
+            </a:r>
+            <a:endParaRPr lang="ko-KR" altLang="en-US" sz="800" b="1" dirty="0"/>
+          </a:p>
+        </p:txBody>
+      </p:sp>
+      <p:sp>
+        <p:nvSpPr>
+          <p:cNvPr id="27" name="텍스트 개체 틀 26">
+            <a:extLst>
+              <a:ext uri="{FF2B5EF4-FFF2-40B4-BE49-F238E27FC236}">
+                <a16:creationId xmlns:a16="http://schemas.microsoft.com/office/drawing/2014/main" id="{7C738CEC-8353-297F-F47D-DA7CD4E78BFC}"/>
+              </a:ext>
+            </a:extLst>
+          </p:cNvPr>
+          <p:cNvSpPr>
+            <a:spLocks noGrp="1"/>
+          </p:cNvSpPr>
+          <p:nvPr>
+            <p:ph type="body" sz="quarter" idx="11"/>
+          </p:nvPr>
+        </p:nvSpPr>
+        <p:spPr>
+          <a:xfrm>
+            <a:off x="150592" y="-8888"/>
+            <a:ext cx="1007790" cy="287486"/>
+          </a:xfrm>
+        </p:spPr>
+        <p:txBody>
+          <a:bodyPr/>
+          <a:lstStyle/>
+          <a:p>
+            <a:r>
+              <a:rPr lang="ko-KR" altLang="en-US" sz="800" dirty="0">
+                <a:solidFill>
+                  <a:schemeClr val="tx1"/>
+                </a:solidFill>
+                <a:highlight>
+                  <a:srgbClr val="FFFF00"/>
+                </a:highlight>
+              </a:rPr>
+              <a:t>모임 참가 신청</a:t>
+            </a:r>
+            <a:r>
+              <a:rPr lang="en-US" altLang="ko-KR" sz="800" dirty="0">
+                <a:solidFill>
+                  <a:schemeClr val="tx1"/>
+                </a:solidFill>
+                <a:highlight>
+                  <a:srgbClr val="FFFF00"/>
+                </a:highlight>
+              </a:rPr>
+              <a:t>-2</a:t>
+            </a:r>
+          </a:p>
+          <a:p>
+            <a:r>
+              <a:rPr lang="en-US" altLang="ko-KR" sz="800" dirty="0" err="1">
+                <a:solidFill>
+                  <a:schemeClr val="tx1"/>
+                </a:solidFill>
+                <a:highlight>
+                  <a:srgbClr val="FFFF00"/>
+                </a:highlight>
+              </a:rPr>
+              <a:t>JoinMoim</a:t>
+            </a:r>
+            <a:endParaRPr lang="ko-KR" altLang="en-US" sz="800" dirty="0">
+              <a:solidFill>
+                <a:schemeClr val="tx1"/>
+              </a:solidFill>
+              <a:highlight>
+                <a:srgbClr val="FFFF00"/>
+              </a:highlight>
+            </a:endParaRPr>
+          </a:p>
+        </p:txBody>
+      </p:sp>
+      <p:sp>
+        <p:nvSpPr>
+          <p:cNvPr id="5" name="직사각형 4">
+            <a:extLst>
+              <a:ext uri="{FF2B5EF4-FFF2-40B4-BE49-F238E27FC236}">
+                <a16:creationId xmlns:a16="http://schemas.microsoft.com/office/drawing/2014/main" id="{DE28B236-CFCC-FD2C-9653-CD193716A459}"/>
+              </a:ext>
+            </a:extLst>
+          </p:cNvPr>
+          <p:cNvSpPr/>
+          <p:nvPr/>
+        </p:nvSpPr>
+        <p:spPr>
+          <a:xfrm>
+            <a:off x="3859706" y="1117351"/>
+            <a:ext cx="2824261" cy="2822551"/>
+          </a:xfrm>
+          <a:prstGeom prst="rect">
+            <a:avLst/>
+          </a:prstGeom>
+          <a:noFill/>
+          <a:ln w="25400">
+            <a:solidFill>
+              <a:schemeClr val="tx1"/>
+            </a:solidFill>
+          </a:ln>
+          <a:effectLst>
+            <a:softEdge rad="12700"/>
+          </a:effectLst>
+        </p:spPr>
+        <p:style>
+          <a:lnRef idx="2">
+            <a:schemeClr val="dk1"/>
+          </a:lnRef>
+          <a:fillRef idx="1">
+            <a:schemeClr val="lt1"/>
+          </a:fillRef>
+          <a:effectRef idx="0">
+            <a:schemeClr val="dk1"/>
+          </a:effectRef>
+          <a:fontRef idx="minor">
+            <a:schemeClr val="dk1"/>
+          </a:fontRef>
+        </p:style>
+        <p:txBody>
+          <a:bodyPr rtlCol="0" anchor="ctr"/>
+          <a:lstStyle/>
+          <a:p>
+            <a:pPr algn="ctr"/>
+            <a:endParaRPr lang="ko-KR" altLang="en-US" dirty="0">
+              <a:ln w="0"/>
+              <a:solidFill>
+                <a:schemeClr val="tx1"/>
+              </a:solidFill>
+              <a:effectLst>
+                <a:outerShdw blurRad="38100" dist="19050" dir="2700000" algn="tl" rotWithShape="0">
+                  <a:schemeClr val="dk1">
+                    <a:alpha val="40000"/>
+                  </a:schemeClr>
+                </a:outerShdw>
+              </a:effectLst>
+              <a:latin typeface="+mn-ea"/>
+              <a:ea typeface="+mn-ea"/>
+            </a:endParaRPr>
+          </a:p>
+        </p:txBody>
+      </p:sp>
+      <p:sp>
+        <p:nvSpPr>
+          <p:cNvPr id="12" name="모서리가 둥근 직사각형 123">
+            <a:extLst>
+              <a:ext uri="{FF2B5EF4-FFF2-40B4-BE49-F238E27FC236}">
+                <a16:creationId xmlns:a16="http://schemas.microsoft.com/office/drawing/2014/main" id="{1BDA3F24-DCCB-0EAC-C641-BBC876832020}"/>
+              </a:ext>
+            </a:extLst>
+          </p:cNvPr>
+          <p:cNvSpPr/>
+          <p:nvPr/>
+        </p:nvSpPr>
+        <p:spPr>
+          <a:xfrm>
+            <a:off x="3969446" y="4104567"/>
+            <a:ext cx="148629" cy="144000"/>
+          </a:xfrm>
+          <a:prstGeom prst="roundRect">
+            <a:avLst/>
+          </a:prstGeom>
+          <a:solidFill>
+            <a:schemeClr val="accent6">
+              <a:lumMod val="75000"/>
+            </a:schemeClr>
+          </a:solidFill>
+          <a:ln>
+            <a:noFill/>
+          </a:ln>
+        </p:spPr>
+        <p:style>
+          <a:lnRef idx="2">
+            <a:schemeClr val="accent1">
+              <a:shade val="50000"/>
+            </a:schemeClr>
+          </a:lnRef>
+          <a:fillRef idx="1">
+            <a:schemeClr val="accent1"/>
+          </a:fillRef>
+          <a:effectRef idx="0">
+            <a:schemeClr val="accent1"/>
+          </a:effectRef>
+          <a:fontRef idx="minor">
+            <a:schemeClr val="lt1"/>
+          </a:fontRef>
+        </p:style>
+        <p:txBody>
+          <a:bodyPr lIns="0" rIns="0" rtlCol="0" anchor="ctr"/>
+          <a:lstStyle/>
+          <a:p>
+            <a:pPr algn="ctr"/>
+            <a:r>
               <a:rPr lang="en-US" altLang="ko-KR" sz="1050" b="1" dirty="0"/>
-              <a:t>3</a:t>
+              <a:t>4</a:t>
             </a:r>
             <a:endParaRPr lang="ko-KR" altLang="en-US" sz="1050" b="1" dirty="0"/>
           </a:p>
         </p:txBody>
       </p:sp>
+      <p:cxnSp>
+        <p:nvCxnSpPr>
+          <p:cNvPr id="25" name="직선 연결선 24">
+            <a:extLst>
+              <a:ext uri="{FF2B5EF4-FFF2-40B4-BE49-F238E27FC236}">
+                <a16:creationId xmlns:a16="http://schemas.microsoft.com/office/drawing/2014/main" id="{26244F7F-FC75-58DA-4686-95CAF1551A08}"/>
+              </a:ext>
+            </a:extLst>
+          </p:cNvPr>
+          <p:cNvCxnSpPr>
+            <a:cxnSpLocks/>
+          </p:cNvCxnSpPr>
+          <p:nvPr/>
+        </p:nvCxnSpPr>
+        <p:spPr>
+          <a:xfrm>
+            <a:off x="3491880" y="987574"/>
+            <a:ext cx="0" cy="2952328"/>
+          </a:xfrm>
+          <a:prstGeom prst="line">
+            <a:avLst/>
+          </a:prstGeom>
+          <a:ln w="12700">
+            <a:solidFill>
+              <a:schemeClr val="bg1">
+                <a:lumMod val="95000"/>
+              </a:schemeClr>
+            </a:solidFill>
+            <a:prstDash val="dash"/>
+          </a:ln>
+        </p:spPr>
+        <p:style>
+          <a:lnRef idx="1">
+            <a:schemeClr val="accent1"/>
+          </a:lnRef>
+          <a:fillRef idx="0">
+            <a:schemeClr val="accent1"/>
+          </a:fillRef>
+          <a:effectRef idx="0">
+            <a:schemeClr val="accent1"/>
+          </a:effectRef>
+          <a:fontRef idx="minor">
+            <a:schemeClr val="tx1"/>
+          </a:fontRef>
+        </p:style>
+      </p:cxnSp>
+      <p:sp>
+        <p:nvSpPr>
+          <p:cNvPr id="45" name="TextBox 44">
+            <a:extLst>
+              <a:ext uri="{FF2B5EF4-FFF2-40B4-BE49-F238E27FC236}">
+                <a16:creationId xmlns:a16="http://schemas.microsoft.com/office/drawing/2014/main" id="{F1E7EDA0-D531-BAEE-B6A7-8ECDCDAC164A}"/>
+              </a:ext>
+            </a:extLst>
+          </p:cNvPr>
+          <p:cNvSpPr txBox="1"/>
+          <p:nvPr/>
+        </p:nvSpPr>
+        <p:spPr>
+          <a:xfrm>
+            <a:off x="3238153" y="398640"/>
+            <a:ext cx="505188" cy="230832"/>
+          </a:xfrm>
+          <a:prstGeom prst="rect">
+            <a:avLst/>
+          </a:prstGeom>
+          <a:noFill/>
+        </p:spPr>
+        <p:txBody>
+          <a:bodyPr wrap="square" rtlCol="0">
+            <a:spAutoFit/>
+          </a:bodyPr>
+          <a:lstStyle/>
+          <a:p>
+            <a:r>
+              <a:rPr lang="en-US" altLang="ko-KR" sz="900" dirty="0"/>
+              <a:t>image</a:t>
+            </a:r>
+            <a:endParaRPr lang="ko-KR" altLang="en-US" sz="900" dirty="0"/>
+          </a:p>
+        </p:txBody>
+      </p:sp>
+      <p:sp>
+        <p:nvSpPr>
+          <p:cNvPr id="50" name="사각형: 둥근 모서리 49">
+            <a:extLst>
+              <a:ext uri="{FF2B5EF4-FFF2-40B4-BE49-F238E27FC236}">
+                <a16:creationId xmlns:a16="http://schemas.microsoft.com/office/drawing/2014/main" id="{BB2FC8D6-C4D0-C569-47D9-72D92D058E32}"/>
+              </a:ext>
+            </a:extLst>
+          </p:cNvPr>
+          <p:cNvSpPr/>
+          <p:nvPr/>
+        </p:nvSpPr>
+        <p:spPr>
+          <a:xfrm>
+            <a:off x="249303" y="303384"/>
+            <a:ext cx="6432447" cy="525650"/>
+          </a:xfrm>
+          <a:prstGeom prst="roundRect">
+            <a:avLst/>
+          </a:prstGeom>
+        </p:spPr>
+        <p:style>
+          <a:lnRef idx="2">
+            <a:schemeClr val="dk1"/>
+          </a:lnRef>
+          <a:fillRef idx="1">
+            <a:schemeClr val="lt1"/>
+          </a:fillRef>
+          <a:effectRef idx="0">
+            <a:schemeClr val="dk1"/>
+          </a:effectRef>
+          <a:fontRef idx="minor">
+            <a:schemeClr val="dk1"/>
+          </a:fontRef>
+        </p:style>
+        <p:txBody>
+          <a:bodyPr rtlCol="0" anchor="ctr"/>
+          <a:lstStyle/>
+          <a:p>
+            <a:pPr algn="ctr"/>
+            <a:r>
+              <a:rPr lang="en-US" altLang="ko-KR" dirty="0"/>
+              <a:t>header</a:t>
+            </a:r>
+            <a:endParaRPr lang="ko-KR" altLang="en-US" dirty="0"/>
+          </a:p>
+        </p:txBody>
+      </p:sp>
+      <p:sp>
+        <p:nvSpPr>
+          <p:cNvPr id="60" name="직사각형 59">
+            <a:extLst>
+              <a:ext uri="{FF2B5EF4-FFF2-40B4-BE49-F238E27FC236}">
+                <a16:creationId xmlns:a16="http://schemas.microsoft.com/office/drawing/2014/main" id="{DC72F04C-958F-F0B0-D328-9D7F7D76D6BB}"/>
+              </a:ext>
+            </a:extLst>
+          </p:cNvPr>
+          <p:cNvSpPr/>
+          <p:nvPr/>
+        </p:nvSpPr>
+        <p:spPr>
+          <a:xfrm>
+            <a:off x="3083839" y="4195675"/>
+            <a:ext cx="864226" cy="259441"/>
+          </a:xfrm>
+          <a:prstGeom prst="rect">
+            <a:avLst/>
+          </a:prstGeom>
+          <a:noFill/>
+          <a:ln w="12700"/>
+        </p:spPr>
+        <p:style>
+          <a:lnRef idx="2">
+            <a:schemeClr val="accent1">
+              <a:shade val="15000"/>
+            </a:schemeClr>
+          </a:lnRef>
+          <a:fillRef idx="1">
+            <a:schemeClr val="accent1"/>
+          </a:fillRef>
+          <a:effectRef idx="0">
+            <a:schemeClr val="accent1"/>
+          </a:effectRef>
+          <a:fontRef idx="minor">
+            <a:schemeClr val="lt1"/>
+          </a:fontRef>
+        </p:style>
+        <p:txBody>
+          <a:bodyPr rtlCol="0" anchor="ctr"/>
+          <a:lstStyle/>
+          <a:p>
+            <a:pPr algn="ctr"/>
+            <a:endParaRPr lang="ko-KR" altLang="en-US"/>
+          </a:p>
+        </p:txBody>
+      </p:sp>
+      <p:sp>
+        <p:nvSpPr>
+          <p:cNvPr id="63" name="TextBox 62">
+            <a:extLst>
+              <a:ext uri="{FF2B5EF4-FFF2-40B4-BE49-F238E27FC236}">
+                <a16:creationId xmlns:a16="http://schemas.microsoft.com/office/drawing/2014/main" id="{6EE891E0-5DBE-B300-A109-6322F128BABD}"/>
+              </a:ext>
+            </a:extLst>
+          </p:cNvPr>
+          <p:cNvSpPr txBox="1"/>
+          <p:nvPr/>
+        </p:nvSpPr>
+        <p:spPr>
+          <a:xfrm>
+            <a:off x="3177406" y="4217673"/>
+            <a:ext cx="685660" cy="215444"/>
+          </a:xfrm>
+          <a:prstGeom prst="rect">
+            <a:avLst/>
+          </a:prstGeom>
+          <a:noFill/>
+        </p:spPr>
+        <p:txBody>
+          <a:bodyPr wrap="square" rtlCol="0">
+            <a:spAutoFit/>
+          </a:bodyPr>
+          <a:lstStyle/>
+          <a:p>
+            <a:r>
+              <a:rPr lang="ko-KR" altLang="en-US" sz="800"/>
+              <a:t>모임 신청</a:t>
+            </a:r>
+            <a:endParaRPr lang="ko-KR" altLang="en-US" sz="800" dirty="0"/>
+          </a:p>
+        </p:txBody>
+      </p:sp>
+      <p:sp>
+        <p:nvSpPr>
+          <p:cNvPr id="64" name="사각형: 둥근 모서리 63">
+            <a:extLst>
+              <a:ext uri="{FF2B5EF4-FFF2-40B4-BE49-F238E27FC236}">
+                <a16:creationId xmlns:a16="http://schemas.microsoft.com/office/drawing/2014/main" id="{E417925F-6435-87B7-AC98-B1FAAE7EDD3A}"/>
+              </a:ext>
+            </a:extLst>
+          </p:cNvPr>
+          <p:cNvSpPr/>
+          <p:nvPr/>
+        </p:nvSpPr>
+        <p:spPr>
+          <a:xfrm>
+            <a:off x="249495" y="4731990"/>
+            <a:ext cx="6432447" cy="300182"/>
+          </a:xfrm>
+          <a:prstGeom prst="roundRect">
+            <a:avLst/>
+          </a:prstGeom>
+        </p:spPr>
+        <p:style>
+          <a:lnRef idx="2">
+            <a:schemeClr val="dk1"/>
+          </a:lnRef>
+          <a:fillRef idx="1">
+            <a:schemeClr val="lt1"/>
+          </a:fillRef>
+          <a:effectRef idx="0">
+            <a:schemeClr val="dk1"/>
+          </a:effectRef>
+          <a:fontRef idx="minor">
+            <a:schemeClr val="dk1"/>
+          </a:fontRef>
+        </p:style>
+        <p:txBody>
+          <a:bodyPr rtlCol="0" anchor="ctr"/>
+          <a:lstStyle/>
+          <a:p>
+            <a:pPr algn="ctr"/>
+            <a:r>
+              <a:rPr lang="en-US" altLang="ko-KR" dirty="0"/>
+              <a:t>text</a:t>
+            </a:r>
+            <a:endParaRPr lang="ko-KR" altLang="en-US" dirty="0"/>
+          </a:p>
+        </p:txBody>
+      </p:sp>
+      <p:sp>
+        <p:nvSpPr>
+          <p:cNvPr id="4" name="직사각형 3">
+            <a:extLst>
+              <a:ext uri="{FF2B5EF4-FFF2-40B4-BE49-F238E27FC236}">
+                <a16:creationId xmlns:a16="http://schemas.microsoft.com/office/drawing/2014/main" id="{4FF935E1-552A-5B34-22BC-40825A8D2061}"/>
+              </a:ext>
+            </a:extLst>
+          </p:cNvPr>
+          <p:cNvSpPr/>
+          <p:nvPr/>
+        </p:nvSpPr>
+        <p:spPr>
+          <a:xfrm>
+            <a:off x="314451" y="1118685"/>
+            <a:ext cx="2824261" cy="2822551"/>
+          </a:xfrm>
+          <a:prstGeom prst="rect">
+            <a:avLst/>
+          </a:prstGeom>
+          <a:noFill/>
+          <a:ln w="25400">
+            <a:solidFill>
+              <a:schemeClr val="tx1"/>
+            </a:solidFill>
+          </a:ln>
+          <a:effectLst>
+            <a:softEdge rad="12700"/>
+          </a:effectLst>
+        </p:spPr>
+        <p:style>
+          <a:lnRef idx="2">
+            <a:schemeClr val="dk1"/>
+          </a:lnRef>
+          <a:fillRef idx="1">
+            <a:schemeClr val="lt1"/>
+          </a:fillRef>
+          <a:effectRef idx="0">
+            <a:schemeClr val="dk1"/>
+          </a:effectRef>
+          <a:fontRef idx="minor">
+            <a:schemeClr val="dk1"/>
+          </a:fontRef>
+        </p:style>
+        <p:txBody>
+          <a:bodyPr rtlCol="0" anchor="ctr"/>
+          <a:lstStyle/>
+          <a:p>
+            <a:pPr algn="ctr"/>
+            <a:endParaRPr lang="ko-KR" altLang="en-US" dirty="0">
+              <a:ln w="0"/>
+              <a:solidFill>
+                <a:schemeClr val="tx1"/>
+              </a:solidFill>
+              <a:effectLst>
+                <a:outerShdw blurRad="38100" dist="19050" dir="2700000" algn="tl" rotWithShape="0">
+                  <a:schemeClr val="dk1">
+                    <a:alpha val="40000"/>
+                  </a:schemeClr>
+                </a:outerShdw>
+              </a:effectLst>
+              <a:latin typeface="+mn-ea"/>
+              <a:ea typeface="+mn-ea"/>
+            </a:endParaRPr>
+          </a:p>
+        </p:txBody>
+      </p:sp>
+      <p:sp>
+        <p:nvSpPr>
+          <p:cNvPr id="31" name="모서리가 둥근 직사각형 123">
+            <a:extLst>
+              <a:ext uri="{FF2B5EF4-FFF2-40B4-BE49-F238E27FC236}">
+                <a16:creationId xmlns:a16="http://schemas.microsoft.com/office/drawing/2014/main" id="{7673A85D-4F47-6803-2AF9-6251F8390A2E}"/>
+              </a:ext>
+            </a:extLst>
+          </p:cNvPr>
+          <p:cNvSpPr/>
+          <p:nvPr/>
+        </p:nvSpPr>
+        <p:spPr>
+          <a:xfrm>
+            <a:off x="227794" y="1027610"/>
+            <a:ext cx="144000" cy="144000"/>
+          </a:xfrm>
+          <a:prstGeom prst="roundRect">
+            <a:avLst/>
+          </a:prstGeom>
+          <a:solidFill>
+            <a:schemeClr val="accent6">
+              <a:lumMod val="75000"/>
+            </a:schemeClr>
+          </a:solidFill>
+          <a:ln>
+            <a:noFill/>
+          </a:ln>
+        </p:spPr>
+        <p:style>
+          <a:lnRef idx="2">
+            <a:schemeClr val="accent1">
+              <a:shade val="50000"/>
+            </a:schemeClr>
+          </a:lnRef>
+          <a:fillRef idx="1">
+            <a:schemeClr val="accent1"/>
+          </a:fillRef>
+          <a:effectRef idx="0">
+            <a:schemeClr val="accent1"/>
+          </a:effectRef>
+          <a:fontRef idx="minor">
+            <a:schemeClr val="lt1"/>
+          </a:fontRef>
+        </p:style>
+        <p:txBody>
+          <a:bodyPr lIns="0" rIns="0" rtlCol="0" anchor="ctr"/>
+          <a:lstStyle/>
+          <a:p>
+            <a:pPr algn="ctr"/>
+            <a:r>
+              <a:rPr lang="en-US" altLang="ko-KR" sz="800" b="1" dirty="0"/>
+              <a:t>1</a:t>
+            </a:r>
+            <a:endParaRPr lang="ko-KR" altLang="en-US" sz="800" b="1" dirty="0"/>
+          </a:p>
+        </p:txBody>
+      </p:sp>
+      <p:sp>
+        <p:nvSpPr>
+          <p:cNvPr id="48" name="직사각형 47">
+            <a:extLst>
+              <a:ext uri="{FF2B5EF4-FFF2-40B4-BE49-F238E27FC236}">
+                <a16:creationId xmlns:a16="http://schemas.microsoft.com/office/drawing/2014/main" id="{6376561D-3EAE-C276-D16F-B65AFDDDC245}"/>
+              </a:ext>
+            </a:extLst>
+          </p:cNvPr>
+          <p:cNvSpPr/>
+          <p:nvPr/>
+        </p:nvSpPr>
+        <p:spPr>
+          <a:xfrm>
+            <a:off x="3939121" y="1292902"/>
+            <a:ext cx="2664273" cy="867024"/>
+          </a:xfrm>
+          <a:prstGeom prst="rect">
+            <a:avLst/>
+          </a:prstGeom>
+          <a:noFill/>
+          <a:ln w="9525">
+            <a:solidFill>
+              <a:schemeClr val="bg1">
+                <a:lumMod val="65000"/>
+              </a:schemeClr>
+            </a:solidFill>
+          </a:ln>
+        </p:spPr>
+        <p:style>
+          <a:lnRef idx="2">
+            <a:schemeClr val="accent1">
+              <a:shade val="50000"/>
+            </a:schemeClr>
+          </a:lnRef>
+          <a:fillRef idx="1">
+            <a:schemeClr val="accent1"/>
+          </a:fillRef>
+          <a:effectRef idx="0">
+            <a:schemeClr val="accent1"/>
+          </a:effectRef>
+          <a:fontRef idx="minor">
+            <a:schemeClr val="lt1"/>
+          </a:fontRef>
+        </p:style>
+        <p:txBody>
+          <a:bodyPr rtlCol="0" anchor="ctr"/>
+          <a:lstStyle/>
+          <a:p>
+            <a:pPr algn="ctr"/>
+            <a:r>
+              <a:rPr lang="en-US" altLang="ko-KR" b="1" dirty="0">
+                <a:solidFill>
+                  <a:prstClr val="white"/>
+                </a:solidFill>
+                <a:latin typeface="+mn-ea"/>
+                <a:ea typeface="+mn-ea"/>
+              </a:rPr>
+              <a:t>`</a:t>
+            </a:r>
+            <a:endParaRPr lang="ko-KR" altLang="en-US" b="1" dirty="0">
+              <a:solidFill>
+                <a:prstClr val="white"/>
+              </a:solidFill>
+              <a:latin typeface="+mn-ea"/>
+              <a:ea typeface="+mn-ea"/>
+            </a:endParaRPr>
+          </a:p>
+        </p:txBody>
+      </p:sp>
+      <p:sp>
+        <p:nvSpPr>
+          <p:cNvPr id="49" name="타원 48">
+            <a:extLst>
+              <a:ext uri="{FF2B5EF4-FFF2-40B4-BE49-F238E27FC236}">
+                <a16:creationId xmlns:a16="http://schemas.microsoft.com/office/drawing/2014/main" id="{B8B017DA-C476-9FE8-9999-18620FD0C946}"/>
+              </a:ext>
+            </a:extLst>
+          </p:cNvPr>
+          <p:cNvSpPr/>
+          <p:nvPr/>
+        </p:nvSpPr>
+        <p:spPr>
+          <a:xfrm>
+            <a:off x="5643637" y="3650288"/>
+            <a:ext cx="72000" cy="72000"/>
+          </a:xfrm>
+          <a:prstGeom prst="ellipse">
+            <a:avLst/>
+          </a:prstGeom>
+          <a:noFill/>
+          <a:ln w="12700">
+            <a:solidFill>
+              <a:schemeClr val="tx1"/>
+            </a:solidFill>
+          </a:ln>
+        </p:spPr>
+        <p:style>
+          <a:lnRef idx="2">
+            <a:schemeClr val="accent1">
+              <a:shade val="15000"/>
+            </a:schemeClr>
+          </a:lnRef>
+          <a:fillRef idx="1">
+            <a:schemeClr val="accent1"/>
+          </a:fillRef>
+          <a:effectRef idx="0">
+            <a:schemeClr val="accent1"/>
+          </a:effectRef>
+          <a:fontRef idx="minor">
+            <a:schemeClr val="lt1"/>
+          </a:fontRef>
+        </p:style>
+        <p:txBody>
+          <a:bodyPr rtlCol="0" anchor="ctr"/>
+          <a:lstStyle/>
+          <a:p>
+            <a:pPr algn="ctr"/>
+            <a:endParaRPr lang="ko-KR" altLang="en-US"/>
+          </a:p>
+        </p:txBody>
+      </p:sp>
+      <p:sp>
+        <p:nvSpPr>
+          <p:cNvPr id="51" name="타원 50">
+            <a:extLst>
+              <a:ext uri="{FF2B5EF4-FFF2-40B4-BE49-F238E27FC236}">
+                <a16:creationId xmlns:a16="http://schemas.microsoft.com/office/drawing/2014/main" id="{A715111F-14E9-290A-40AB-7D5CCD03D6B3}"/>
+              </a:ext>
+            </a:extLst>
+          </p:cNvPr>
+          <p:cNvSpPr/>
+          <p:nvPr/>
+        </p:nvSpPr>
+        <p:spPr>
+          <a:xfrm>
+            <a:off x="6215203" y="3650397"/>
+            <a:ext cx="72000" cy="72000"/>
+          </a:xfrm>
+          <a:prstGeom prst="ellipse">
+            <a:avLst/>
+          </a:prstGeom>
+          <a:noFill/>
+          <a:ln w="12700">
+            <a:solidFill>
+              <a:schemeClr val="tx1"/>
+            </a:solidFill>
+          </a:ln>
+        </p:spPr>
+        <p:style>
+          <a:lnRef idx="2">
+            <a:schemeClr val="accent1">
+              <a:shade val="15000"/>
+            </a:schemeClr>
+          </a:lnRef>
+          <a:fillRef idx="1">
+            <a:schemeClr val="accent1"/>
+          </a:fillRef>
+          <a:effectRef idx="0">
+            <a:schemeClr val="accent1"/>
+          </a:effectRef>
+          <a:fontRef idx="minor">
+            <a:schemeClr val="lt1"/>
+          </a:fontRef>
+        </p:style>
+        <p:txBody>
+          <a:bodyPr rtlCol="0" anchor="ctr"/>
+          <a:lstStyle/>
+          <a:p>
+            <a:pPr algn="ctr"/>
+            <a:endParaRPr lang="ko-KR" altLang="en-US"/>
+          </a:p>
+        </p:txBody>
+      </p:sp>
+      <p:sp>
+        <p:nvSpPr>
+          <p:cNvPr id="58" name="TextBox 57">
+            <a:extLst>
+              <a:ext uri="{FF2B5EF4-FFF2-40B4-BE49-F238E27FC236}">
+                <a16:creationId xmlns:a16="http://schemas.microsoft.com/office/drawing/2014/main" id="{0967EDBA-DBCD-CCDB-DDF7-0BBB94DA8278}"/>
+              </a:ext>
+            </a:extLst>
+          </p:cNvPr>
+          <p:cNvSpPr txBox="1"/>
+          <p:nvPr/>
+        </p:nvSpPr>
+        <p:spPr>
+          <a:xfrm>
+            <a:off x="6244831" y="3580442"/>
+            <a:ext cx="481427" cy="215444"/>
+          </a:xfrm>
+          <a:prstGeom prst="rect">
+            <a:avLst/>
+          </a:prstGeom>
+          <a:noFill/>
+        </p:spPr>
+        <p:txBody>
+          <a:bodyPr wrap="square" rtlCol="0">
+            <a:spAutoFit/>
+          </a:bodyPr>
+          <a:lstStyle/>
+          <a:p>
+            <a:r>
+              <a:rPr lang="ko-KR" altLang="en-US" sz="800" dirty="0"/>
+              <a:t>동의</a:t>
+            </a:r>
+          </a:p>
+        </p:txBody>
+      </p:sp>
+      <p:sp>
+        <p:nvSpPr>
+          <p:cNvPr id="65" name="TextBox 64">
+            <a:extLst>
+              <a:ext uri="{FF2B5EF4-FFF2-40B4-BE49-F238E27FC236}">
+                <a16:creationId xmlns:a16="http://schemas.microsoft.com/office/drawing/2014/main" id="{70B3414F-4554-1FE1-DEB6-E26A573AF0B7}"/>
+              </a:ext>
+            </a:extLst>
+          </p:cNvPr>
+          <p:cNvSpPr txBox="1"/>
+          <p:nvPr/>
+        </p:nvSpPr>
+        <p:spPr>
+          <a:xfrm>
+            <a:off x="5671479" y="3580442"/>
+            <a:ext cx="521316" cy="215444"/>
+          </a:xfrm>
+          <a:prstGeom prst="rect">
+            <a:avLst/>
+          </a:prstGeom>
+          <a:noFill/>
+        </p:spPr>
+        <p:txBody>
+          <a:bodyPr wrap="square" rtlCol="0">
+            <a:spAutoFit/>
+          </a:bodyPr>
+          <a:lstStyle/>
+          <a:p>
+            <a:r>
+              <a:rPr lang="ko-KR" altLang="en-US" sz="800" dirty="0"/>
+              <a:t>미동의</a:t>
+            </a:r>
+          </a:p>
+        </p:txBody>
+      </p:sp>
+      <p:sp>
+        <p:nvSpPr>
+          <p:cNvPr id="66" name="TextBox 65">
+            <a:extLst>
+              <a:ext uri="{FF2B5EF4-FFF2-40B4-BE49-F238E27FC236}">
+                <a16:creationId xmlns:a16="http://schemas.microsoft.com/office/drawing/2014/main" id="{A249D3C5-C48A-56B4-3DC6-5A417E22975C}"/>
+              </a:ext>
+            </a:extLst>
+          </p:cNvPr>
+          <p:cNvSpPr txBox="1"/>
+          <p:nvPr/>
+        </p:nvSpPr>
+        <p:spPr>
+          <a:xfrm>
+            <a:off x="4033524" y="1373154"/>
+            <a:ext cx="2540050" cy="707886"/>
+          </a:xfrm>
+          <a:prstGeom prst="rect">
+            <a:avLst/>
+          </a:prstGeom>
+          <a:noFill/>
+        </p:spPr>
+        <p:txBody>
+          <a:bodyPr wrap="square" rtlCol="0">
+            <a:spAutoFit/>
+          </a:bodyPr>
+          <a:lstStyle/>
+          <a:p>
+            <a:r>
+              <a:rPr lang="ko-KR" altLang="en-US" sz="1000" dirty="0"/>
+              <a:t>해당 웹 모임 규칙</a:t>
+            </a:r>
+            <a:r>
+              <a:rPr lang="en-US" altLang="ko-KR" sz="1000" dirty="0"/>
+              <a:t>, </a:t>
+            </a:r>
+          </a:p>
+          <a:p>
+            <a:r>
+              <a:rPr lang="ko-KR" altLang="en-US" sz="1000" dirty="0"/>
+              <a:t>해당 모임 규칙</a:t>
+            </a:r>
+            <a:endParaRPr lang="en-US" altLang="ko-KR" sz="1000" dirty="0"/>
+          </a:p>
+          <a:p>
+            <a:r>
+              <a:rPr lang="ko-KR" altLang="en-US" sz="1000" dirty="0"/>
+              <a:t>신청자 유의사항</a:t>
+            </a:r>
+            <a:endParaRPr lang="en-US" altLang="ko-KR" sz="1000" dirty="0"/>
+          </a:p>
+          <a:p>
+            <a:r>
+              <a:rPr lang="ko-KR" altLang="en-US" sz="1000" dirty="0"/>
+              <a:t>안내문구</a:t>
+            </a:r>
+            <a:endParaRPr lang="en-US" altLang="ko-KR" sz="1000" dirty="0"/>
+          </a:p>
+        </p:txBody>
+      </p:sp>
+      <p:sp>
+        <p:nvSpPr>
+          <p:cNvPr id="68" name="직사각형 67">
+            <a:extLst>
+              <a:ext uri="{FF2B5EF4-FFF2-40B4-BE49-F238E27FC236}">
+                <a16:creationId xmlns:a16="http://schemas.microsoft.com/office/drawing/2014/main" id="{B76E84D6-6B65-E6B1-A4EC-EFFC24BC191A}"/>
+              </a:ext>
+            </a:extLst>
+          </p:cNvPr>
+          <p:cNvSpPr/>
+          <p:nvPr/>
+        </p:nvSpPr>
+        <p:spPr>
+          <a:xfrm>
+            <a:off x="382561" y="1204351"/>
+            <a:ext cx="2688039" cy="1164005"/>
+          </a:xfrm>
+          <a:prstGeom prst="rect">
+            <a:avLst/>
+          </a:prstGeom>
+          <a:noFill/>
+          <a:ln>
+            <a:solidFill>
+              <a:schemeClr val="bg1">
+                <a:lumMod val="50000"/>
+              </a:schemeClr>
+            </a:solidFill>
+          </a:ln>
+        </p:spPr>
+        <p:style>
+          <a:lnRef idx="2">
+            <a:schemeClr val="accent1">
+              <a:shade val="15000"/>
+            </a:schemeClr>
+          </a:lnRef>
+          <a:fillRef idx="1">
+            <a:schemeClr val="accent1"/>
+          </a:fillRef>
+          <a:effectRef idx="0">
+            <a:schemeClr val="accent1"/>
+          </a:effectRef>
+          <a:fontRef idx="minor">
+            <a:schemeClr val="lt1"/>
+          </a:fontRef>
+        </p:style>
+        <p:txBody>
+          <a:bodyPr rtlCol="0" anchor="ctr"/>
+          <a:lstStyle/>
+          <a:p>
+            <a:pPr algn="ctr"/>
+            <a:endParaRPr lang="ko-KR" altLang="en-US"/>
+          </a:p>
+        </p:txBody>
+      </p:sp>
+      <p:sp>
+        <p:nvSpPr>
+          <p:cNvPr id="69" name="TextBox 68">
+            <a:extLst>
+              <a:ext uri="{FF2B5EF4-FFF2-40B4-BE49-F238E27FC236}">
+                <a16:creationId xmlns:a16="http://schemas.microsoft.com/office/drawing/2014/main" id="{F350998B-82C0-F482-CA64-1D48C2617A80}"/>
+              </a:ext>
+            </a:extLst>
+          </p:cNvPr>
+          <p:cNvSpPr txBox="1"/>
+          <p:nvPr/>
+        </p:nvSpPr>
+        <p:spPr>
+          <a:xfrm>
+            <a:off x="467544" y="1292900"/>
+            <a:ext cx="2520280" cy="1246495"/>
+          </a:xfrm>
+          <a:prstGeom prst="rect">
+            <a:avLst/>
+          </a:prstGeom>
+          <a:noFill/>
+        </p:spPr>
+        <p:txBody>
+          <a:bodyPr wrap="square" rtlCol="0">
+            <a:spAutoFit/>
+          </a:bodyPr>
+          <a:lstStyle/>
+          <a:p>
+            <a:r>
+              <a:rPr lang="en-US" altLang="ko-KR" sz="1500" dirty="0"/>
+              <a:t>Text</a:t>
+            </a:r>
+            <a:br>
+              <a:rPr lang="en-US" altLang="ko-KR" sz="1500" dirty="0"/>
+            </a:br>
+            <a:r>
+              <a:rPr lang="ko-KR" altLang="en-US" sz="1500" dirty="0" err="1"/>
+              <a:t>신청하고있는</a:t>
+            </a:r>
+            <a:r>
+              <a:rPr lang="ko-KR" altLang="en-US" sz="1500" dirty="0"/>
+              <a:t> 모임의</a:t>
+            </a:r>
+            <a:endParaRPr lang="en-US" altLang="ko-KR" sz="1500" dirty="0"/>
+          </a:p>
+          <a:p>
+            <a:r>
+              <a:rPr lang="ko-KR" altLang="en-US" sz="1500" dirty="0"/>
+              <a:t>정보 재 확인</a:t>
+            </a:r>
+            <a:endParaRPr lang="en-US" altLang="ko-KR" sz="1500" dirty="0"/>
+          </a:p>
+          <a:p>
+            <a:r>
+              <a:rPr lang="ko-KR" altLang="en-US" sz="1500" dirty="0"/>
+              <a:t>모임참가신청</a:t>
+            </a:r>
+            <a:r>
+              <a:rPr lang="en-US" altLang="ko-KR" sz="1500" dirty="0"/>
+              <a:t>-1</a:t>
+            </a:r>
+            <a:r>
+              <a:rPr lang="ko-KR" altLang="en-US" sz="1500" dirty="0"/>
+              <a:t>의 </a:t>
+            </a:r>
+            <a:r>
+              <a:rPr lang="en-US" altLang="ko-KR" sz="1500" dirty="0"/>
+              <a:t>5</a:t>
+            </a:r>
+            <a:r>
+              <a:rPr lang="ko-KR" altLang="en-US" sz="1500" dirty="0"/>
+              <a:t>번</a:t>
+            </a:r>
+            <a:endParaRPr lang="en-US" altLang="ko-KR" sz="1500" dirty="0"/>
+          </a:p>
+          <a:p>
+            <a:endParaRPr lang="en-US" altLang="ko-KR" sz="1500" dirty="0"/>
+          </a:p>
+        </p:txBody>
+      </p:sp>
+      <p:sp>
+        <p:nvSpPr>
+          <p:cNvPr id="70" name="직사각형 69">
+            <a:extLst>
+              <a:ext uri="{FF2B5EF4-FFF2-40B4-BE49-F238E27FC236}">
+                <a16:creationId xmlns:a16="http://schemas.microsoft.com/office/drawing/2014/main" id="{8D1A035E-5052-CA45-8292-73F1978EC2A4}"/>
+              </a:ext>
+            </a:extLst>
+          </p:cNvPr>
+          <p:cNvSpPr/>
+          <p:nvPr/>
+        </p:nvSpPr>
+        <p:spPr>
+          <a:xfrm>
+            <a:off x="3945745" y="2582647"/>
+            <a:ext cx="2664273" cy="994043"/>
+          </a:xfrm>
+          <a:prstGeom prst="rect">
+            <a:avLst/>
+          </a:prstGeom>
+          <a:noFill/>
+          <a:ln w="9525">
+            <a:solidFill>
+              <a:schemeClr val="bg1">
+                <a:lumMod val="65000"/>
+              </a:schemeClr>
+            </a:solidFill>
+          </a:ln>
+        </p:spPr>
+        <p:style>
+          <a:lnRef idx="2">
+            <a:schemeClr val="accent1">
+              <a:shade val="50000"/>
+            </a:schemeClr>
+          </a:lnRef>
+          <a:fillRef idx="1">
+            <a:schemeClr val="accent1"/>
+          </a:fillRef>
+          <a:effectRef idx="0">
+            <a:schemeClr val="accent1"/>
+          </a:effectRef>
+          <a:fontRef idx="minor">
+            <a:schemeClr val="lt1"/>
+          </a:fontRef>
+        </p:style>
+        <p:txBody>
+          <a:bodyPr rtlCol="0" anchor="ctr"/>
+          <a:lstStyle/>
+          <a:p>
+            <a:pPr algn="ctr"/>
+            <a:r>
+              <a:rPr lang="en-US" altLang="ko-KR" b="1" dirty="0">
+                <a:solidFill>
+                  <a:prstClr val="white"/>
+                </a:solidFill>
+                <a:latin typeface="+mn-ea"/>
+                <a:ea typeface="+mn-ea"/>
+              </a:rPr>
+              <a:t>`</a:t>
+            </a:r>
+            <a:endParaRPr lang="ko-KR" altLang="en-US" b="1" dirty="0">
+              <a:solidFill>
+                <a:prstClr val="white"/>
+              </a:solidFill>
+              <a:latin typeface="+mn-ea"/>
+              <a:ea typeface="+mn-ea"/>
+            </a:endParaRPr>
+          </a:p>
+        </p:txBody>
+      </p:sp>
+      <p:sp>
+        <p:nvSpPr>
+          <p:cNvPr id="71" name="TextBox 70">
+            <a:extLst>
+              <a:ext uri="{FF2B5EF4-FFF2-40B4-BE49-F238E27FC236}">
+                <a16:creationId xmlns:a16="http://schemas.microsoft.com/office/drawing/2014/main" id="{72CB7C1C-870E-D668-CB92-FAE53CE94B79}"/>
+              </a:ext>
+            </a:extLst>
+          </p:cNvPr>
+          <p:cNvSpPr txBox="1"/>
+          <p:nvPr/>
+        </p:nvSpPr>
+        <p:spPr>
+          <a:xfrm>
+            <a:off x="4040148" y="2662900"/>
+            <a:ext cx="2540050" cy="246221"/>
+          </a:xfrm>
+          <a:prstGeom prst="rect">
+            <a:avLst/>
+          </a:prstGeom>
+          <a:noFill/>
+        </p:spPr>
+        <p:txBody>
+          <a:bodyPr wrap="square" rtlCol="0">
+            <a:spAutoFit/>
+          </a:bodyPr>
+          <a:lstStyle/>
+          <a:p>
+            <a:r>
+              <a:rPr lang="ko-KR" altLang="en-US" sz="1000" dirty="0"/>
+              <a:t>개인 정보 공유 동의 확인</a:t>
+            </a:r>
+            <a:endParaRPr lang="en-US" altLang="ko-KR" sz="1000" dirty="0"/>
+          </a:p>
+        </p:txBody>
+      </p:sp>
+      <p:sp>
+        <p:nvSpPr>
+          <p:cNvPr id="72" name="타원 71">
+            <a:extLst>
+              <a:ext uri="{FF2B5EF4-FFF2-40B4-BE49-F238E27FC236}">
+                <a16:creationId xmlns:a16="http://schemas.microsoft.com/office/drawing/2014/main" id="{0318F28F-4656-5BCD-18FF-8DD0C4E4DD59}"/>
+              </a:ext>
+            </a:extLst>
+          </p:cNvPr>
+          <p:cNvSpPr/>
+          <p:nvPr/>
+        </p:nvSpPr>
+        <p:spPr>
+          <a:xfrm>
+            <a:off x="5648695" y="2210128"/>
+            <a:ext cx="72000" cy="72000"/>
+          </a:xfrm>
+          <a:prstGeom prst="ellipse">
+            <a:avLst/>
+          </a:prstGeom>
+          <a:noFill/>
+          <a:ln w="12700">
+            <a:solidFill>
+              <a:schemeClr val="tx1"/>
+            </a:solidFill>
+          </a:ln>
+        </p:spPr>
+        <p:style>
+          <a:lnRef idx="2">
+            <a:schemeClr val="accent1">
+              <a:shade val="15000"/>
+            </a:schemeClr>
+          </a:lnRef>
+          <a:fillRef idx="1">
+            <a:schemeClr val="accent1"/>
+          </a:fillRef>
+          <a:effectRef idx="0">
+            <a:schemeClr val="accent1"/>
+          </a:effectRef>
+          <a:fontRef idx="minor">
+            <a:schemeClr val="lt1"/>
+          </a:fontRef>
+        </p:style>
+        <p:txBody>
+          <a:bodyPr rtlCol="0" anchor="ctr"/>
+          <a:lstStyle/>
+          <a:p>
+            <a:pPr algn="ctr"/>
+            <a:endParaRPr lang="ko-KR" altLang="en-US"/>
+          </a:p>
+        </p:txBody>
+      </p:sp>
+      <p:sp>
+        <p:nvSpPr>
+          <p:cNvPr id="73" name="타원 72">
+            <a:extLst>
+              <a:ext uri="{FF2B5EF4-FFF2-40B4-BE49-F238E27FC236}">
+                <a16:creationId xmlns:a16="http://schemas.microsoft.com/office/drawing/2014/main" id="{9A63878D-1B74-05BF-4437-C53461110B75}"/>
+              </a:ext>
+            </a:extLst>
+          </p:cNvPr>
+          <p:cNvSpPr/>
+          <p:nvPr/>
+        </p:nvSpPr>
+        <p:spPr>
+          <a:xfrm>
+            <a:off x="6220261" y="2210237"/>
+            <a:ext cx="72000" cy="72000"/>
+          </a:xfrm>
+          <a:prstGeom prst="ellipse">
+            <a:avLst/>
+          </a:prstGeom>
+          <a:noFill/>
+          <a:ln w="12700">
+            <a:solidFill>
+              <a:schemeClr val="tx1"/>
+            </a:solidFill>
+          </a:ln>
+        </p:spPr>
+        <p:style>
+          <a:lnRef idx="2">
+            <a:schemeClr val="accent1">
+              <a:shade val="15000"/>
+            </a:schemeClr>
+          </a:lnRef>
+          <a:fillRef idx="1">
+            <a:schemeClr val="accent1"/>
+          </a:fillRef>
+          <a:effectRef idx="0">
+            <a:schemeClr val="accent1"/>
+          </a:effectRef>
+          <a:fontRef idx="minor">
+            <a:schemeClr val="lt1"/>
+          </a:fontRef>
+        </p:style>
+        <p:txBody>
+          <a:bodyPr rtlCol="0" anchor="ctr"/>
+          <a:lstStyle/>
+          <a:p>
+            <a:pPr algn="ctr"/>
+            <a:endParaRPr lang="ko-KR" altLang="en-US"/>
+          </a:p>
+        </p:txBody>
+      </p:sp>
+      <p:sp>
+        <p:nvSpPr>
+          <p:cNvPr id="74" name="TextBox 73">
+            <a:extLst>
+              <a:ext uri="{FF2B5EF4-FFF2-40B4-BE49-F238E27FC236}">
+                <a16:creationId xmlns:a16="http://schemas.microsoft.com/office/drawing/2014/main" id="{BAAC549B-7516-81F4-FC4A-89B7C13E0B85}"/>
+              </a:ext>
+            </a:extLst>
+          </p:cNvPr>
+          <p:cNvSpPr txBox="1"/>
+          <p:nvPr/>
+        </p:nvSpPr>
+        <p:spPr>
+          <a:xfrm>
+            <a:off x="6249889" y="2140282"/>
+            <a:ext cx="481427" cy="215444"/>
+          </a:xfrm>
+          <a:prstGeom prst="rect">
+            <a:avLst/>
+          </a:prstGeom>
+          <a:noFill/>
+        </p:spPr>
+        <p:txBody>
+          <a:bodyPr wrap="square" rtlCol="0">
+            <a:spAutoFit/>
+          </a:bodyPr>
+          <a:lstStyle/>
+          <a:p>
+            <a:r>
+              <a:rPr lang="ko-KR" altLang="en-US" sz="800" dirty="0"/>
+              <a:t>동의</a:t>
+            </a:r>
+          </a:p>
+        </p:txBody>
+      </p:sp>
+      <p:sp>
+        <p:nvSpPr>
+          <p:cNvPr id="75" name="TextBox 74">
+            <a:extLst>
+              <a:ext uri="{FF2B5EF4-FFF2-40B4-BE49-F238E27FC236}">
+                <a16:creationId xmlns:a16="http://schemas.microsoft.com/office/drawing/2014/main" id="{1D7DC082-390F-8613-BD1B-9E7C54CCCC7C}"/>
+              </a:ext>
+            </a:extLst>
+          </p:cNvPr>
+          <p:cNvSpPr txBox="1"/>
+          <p:nvPr/>
+        </p:nvSpPr>
+        <p:spPr>
+          <a:xfrm>
+            <a:off x="5676537" y="2140282"/>
+            <a:ext cx="521316" cy="215444"/>
+          </a:xfrm>
+          <a:prstGeom prst="rect">
+            <a:avLst/>
+          </a:prstGeom>
+          <a:noFill/>
+        </p:spPr>
+        <p:txBody>
+          <a:bodyPr wrap="square" rtlCol="0">
+            <a:spAutoFit/>
+          </a:bodyPr>
+          <a:lstStyle/>
+          <a:p>
+            <a:r>
+              <a:rPr lang="ko-KR" altLang="en-US" sz="800" dirty="0"/>
+              <a:t>미동의</a:t>
+            </a:r>
+          </a:p>
+        </p:txBody>
+      </p:sp>
+      <p:sp>
+        <p:nvSpPr>
+          <p:cNvPr id="76" name="직사각형 75">
+            <a:extLst>
+              <a:ext uri="{FF2B5EF4-FFF2-40B4-BE49-F238E27FC236}">
+                <a16:creationId xmlns:a16="http://schemas.microsoft.com/office/drawing/2014/main" id="{6B9A9B83-8BFB-3C7D-1E53-F0EB22D2E478}"/>
+              </a:ext>
+            </a:extLst>
+          </p:cNvPr>
+          <p:cNvSpPr/>
+          <p:nvPr/>
+        </p:nvSpPr>
+        <p:spPr>
+          <a:xfrm>
+            <a:off x="394443" y="2454023"/>
+            <a:ext cx="2664273" cy="1341864"/>
+          </a:xfrm>
+          <a:prstGeom prst="rect">
+            <a:avLst/>
+          </a:prstGeom>
+          <a:noFill/>
+          <a:ln w="9525">
+            <a:solidFill>
+              <a:schemeClr val="bg1">
+                <a:lumMod val="65000"/>
+              </a:schemeClr>
+            </a:solidFill>
+          </a:ln>
+        </p:spPr>
+        <p:style>
+          <a:lnRef idx="2">
+            <a:schemeClr val="accent1">
+              <a:shade val="50000"/>
+            </a:schemeClr>
+          </a:lnRef>
+          <a:fillRef idx="1">
+            <a:schemeClr val="accent1"/>
+          </a:fillRef>
+          <a:effectRef idx="0">
+            <a:schemeClr val="accent1"/>
+          </a:effectRef>
+          <a:fontRef idx="minor">
+            <a:schemeClr val="lt1"/>
+          </a:fontRef>
+        </p:style>
+        <p:txBody>
+          <a:bodyPr rtlCol="0" anchor="ctr"/>
+          <a:lstStyle/>
+          <a:p>
+            <a:pPr algn="ctr"/>
+            <a:r>
+              <a:rPr lang="en-US" altLang="ko-KR" b="1" dirty="0">
+                <a:solidFill>
+                  <a:prstClr val="white"/>
+                </a:solidFill>
+                <a:latin typeface="+mn-ea"/>
+                <a:ea typeface="+mn-ea"/>
+              </a:rPr>
+              <a:t>`</a:t>
+            </a:r>
+            <a:endParaRPr lang="ko-KR" altLang="en-US" b="1" dirty="0">
+              <a:solidFill>
+                <a:prstClr val="white"/>
+              </a:solidFill>
+              <a:latin typeface="+mn-ea"/>
+              <a:ea typeface="+mn-ea"/>
+            </a:endParaRPr>
+          </a:p>
+        </p:txBody>
+      </p:sp>
     </p:spTree>
+    <p:extLst>
+      <p:ext uri="{BB962C8B-B14F-4D97-AF65-F5344CB8AC3E}">
+        <p14:creationId xmlns:p14="http://schemas.microsoft.com/office/powerpoint/2010/main" val="3850853880"/>
+      </p:ext>
+    </p:extLst>
   </p:cSld>
   <p:clrMapOvr>
     <a:masterClrMapping/>
